--- a/3-Machine Learning/1-Supervisado/3-Logistic Regression/Machine Learning - Logistic Regression.pptx
+++ b/3-Machine Learning/1-Supervisado/3-Logistic Regression/Machine Learning - Logistic Regression.pptx
@@ -1,29 +1,454 @@
 
 <file path=ppt/presentation.xml><?xml version="1.0" encoding="utf-8"?>
-<p:presentation xmlns:a="http://schemas.openxmlformats.org/drawingml/2006/main" xmlns:p="http://schemas.openxmlformats.org/presentationml/2006/main" xmlns:r="http://schemas.openxmlformats.org/officeDocument/2006/relationships" xmlns:p14="http://schemas.microsoft.com/office/powerpoint/2010/main" xmlns:p15="http://schemas.microsoft.com/office/powerpoint/2012/main" xmlns:mc="http://schemas.openxmlformats.org/markup-compatibility/2006">
+<p:presentation xmlns:a="http://schemas.openxmlformats.org/drawingml/2006/main" xmlns:r="http://schemas.openxmlformats.org/officeDocument/2006/relationships" xmlns:p="http://schemas.openxmlformats.org/presentationml/2006/main">
   <p:sldMasterIdLst>
-    <p:sldMasterId id="2147483648" r:id="rId2"/>
+    <p:sldMasterId id="2147483648" r:id="rId1"/>
   </p:sldMasterIdLst>
   <p:notesMasterIdLst>
-    <p:notesMasterId r:id="rId3"/>
+    <p:notesMasterId r:id="rId10"/>
   </p:notesMasterIdLst>
   <p:sldIdLst>
-    <p:sldId id="256" r:id="rId4"/>
-    <p:sldId id="257" r:id="rId5"/>
-    <p:sldId id="258" r:id="rId6"/>
-    <p:sldId id="259" r:id="rId7"/>
-    <p:sldId id="260" r:id="rId8"/>
-    <p:sldId id="261" r:id="rId9"/>
-    <p:sldId id="262" r:id="rId10"/>
-    <p:sldId id="263" r:id="rId11"/>
+    <p:sldId id="256" r:id="rId2"/>
+    <p:sldId id="257" r:id="rId3"/>
+    <p:sldId id="258" r:id="rId4"/>
+    <p:sldId id="259" r:id="rId5"/>
+    <p:sldId id="260" r:id="rId6"/>
+    <p:sldId id="261" r:id="rId7"/>
+    <p:sldId id="262" r:id="rId8"/>
+    <p:sldId id="263" r:id="rId9"/>
   </p:sldIdLst>
   <p:sldSz cx="12192000" cy="6858000"/>
   <p:notesSz cx="6858000" cy="9144000"/>
+  <p:defaultTextStyle>
+    <a:defPPr>
+      <a:defRPr lang="es-ES"/>
+    </a:defPPr>
+    <a:lvl1pPr marL="0" algn="l" defTabSz="914400" rtl="0" eaLnBrk="1" latinLnBrk="0" hangingPunct="1">
+      <a:defRPr sz="1800" kern="1200">
+        <a:solidFill>
+          <a:schemeClr val="tx1"/>
+        </a:solidFill>
+        <a:latin typeface="+mn-lt"/>
+        <a:ea typeface="+mn-ea"/>
+        <a:cs typeface="+mn-cs"/>
+      </a:defRPr>
+    </a:lvl1pPr>
+    <a:lvl2pPr marL="457200" algn="l" defTabSz="914400" rtl="0" eaLnBrk="1" latinLnBrk="0" hangingPunct="1">
+      <a:defRPr sz="1800" kern="1200">
+        <a:solidFill>
+          <a:schemeClr val="tx1"/>
+        </a:solidFill>
+        <a:latin typeface="+mn-lt"/>
+        <a:ea typeface="+mn-ea"/>
+        <a:cs typeface="+mn-cs"/>
+      </a:defRPr>
+    </a:lvl2pPr>
+    <a:lvl3pPr marL="914400" algn="l" defTabSz="914400" rtl="0" eaLnBrk="1" latinLnBrk="0" hangingPunct="1">
+      <a:defRPr sz="1800" kern="1200">
+        <a:solidFill>
+          <a:schemeClr val="tx1"/>
+        </a:solidFill>
+        <a:latin typeface="+mn-lt"/>
+        <a:ea typeface="+mn-ea"/>
+        <a:cs typeface="+mn-cs"/>
+      </a:defRPr>
+    </a:lvl3pPr>
+    <a:lvl4pPr marL="1371600" algn="l" defTabSz="914400" rtl="0" eaLnBrk="1" latinLnBrk="0" hangingPunct="1">
+      <a:defRPr sz="1800" kern="1200">
+        <a:solidFill>
+          <a:schemeClr val="tx1"/>
+        </a:solidFill>
+        <a:latin typeface="+mn-lt"/>
+        <a:ea typeface="+mn-ea"/>
+        <a:cs typeface="+mn-cs"/>
+      </a:defRPr>
+    </a:lvl4pPr>
+    <a:lvl5pPr marL="1828800" algn="l" defTabSz="914400" rtl="0" eaLnBrk="1" latinLnBrk="0" hangingPunct="1">
+      <a:defRPr sz="1800" kern="1200">
+        <a:solidFill>
+          <a:schemeClr val="tx1"/>
+        </a:solidFill>
+        <a:latin typeface="+mn-lt"/>
+        <a:ea typeface="+mn-ea"/>
+        <a:cs typeface="+mn-cs"/>
+      </a:defRPr>
+    </a:lvl5pPr>
+    <a:lvl6pPr marL="2286000" algn="l" defTabSz="914400" rtl="0" eaLnBrk="1" latinLnBrk="0" hangingPunct="1">
+      <a:defRPr sz="1800" kern="1200">
+        <a:solidFill>
+          <a:schemeClr val="tx1"/>
+        </a:solidFill>
+        <a:latin typeface="+mn-lt"/>
+        <a:ea typeface="+mn-ea"/>
+        <a:cs typeface="+mn-cs"/>
+      </a:defRPr>
+    </a:lvl6pPr>
+    <a:lvl7pPr marL="2743200" algn="l" defTabSz="914400" rtl="0" eaLnBrk="1" latinLnBrk="0" hangingPunct="1">
+      <a:defRPr sz="1800" kern="1200">
+        <a:solidFill>
+          <a:schemeClr val="tx1"/>
+        </a:solidFill>
+        <a:latin typeface="+mn-lt"/>
+        <a:ea typeface="+mn-ea"/>
+        <a:cs typeface="+mn-cs"/>
+      </a:defRPr>
+    </a:lvl7pPr>
+    <a:lvl8pPr marL="3200400" algn="l" defTabSz="914400" rtl="0" eaLnBrk="1" latinLnBrk="0" hangingPunct="1">
+      <a:defRPr sz="1800" kern="1200">
+        <a:solidFill>
+          <a:schemeClr val="tx1"/>
+        </a:solidFill>
+        <a:latin typeface="+mn-lt"/>
+        <a:ea typeface="+mn-ea"/>
+        <a:cs typeface="+mn-cs"/>
+      </a:defRPr>
+    </a:lvl8pPr>
+    <a:lvl9pPr marL="3657600" algn="l" defTabSz="914400" rtl="0" eaLnBrk="1" latinLnBrk="0" hangingPunct="1">
+      <a:defRPr sz="1800" kern="1200">
+        <a:solidFill>
+          <a:schemeClr val="tx1"/>
+        </a:solidFill>
+        <a:latin typeface="+mn-lt"/>
+        <a:ea typeface="+mn-ea"/>
+        <a:cs typeface="+mn-cs"/>
+      </a:defRPr>
+    </a:lvl9pPr>
+  </p:defaultTextStyle>
 </p:presentation>
 </file>
 
 <file path=ppt/notesMasters/notesMaster1.xml><?xml version="1.0" encoding="utf-8"?>
-<p:notesMaster xmlns:a="http://schemas.openxmlformats.org/drawingml/2006/main" xmlns:p="http://schemas.openxmlformats.org/presentationml/2006/main" xmlns:r="http://schemas.openxmlformats.org/officeDocument/2006/relationships" xmlns:p14="http://schemas.microsoft.com/office/powerpoint/2010/main" xmlns:p15="http://schemas.microsoft.com/office/powerpoint/2012/main" xmlns:mc="http://schemas.openxmlformats.org/markup-compatibility/2006">
+<p:notesMaster xmlns:a="http://schemas.openxmlformats.org/drawingml/2006/main" xmlns:r="http://schemas.openxmlformats.org/officeDocument/2006/relationships" xmlns:p="http://schemas.openxmlformats.org/presentationml/2006/main">
+  <p:cSld>
+    <p:bg>
+      <p:bgRef idx="1001">
+        <a:schemeClr val="bg1"/>
+      </p:bgRef>
+    </p:bg>
+    <p:spTree>
+      <p:nvGrpSpPr>
+        <p:cNvPr id="1" name=""/>
+        <p:cNvGrpSpPr/>
+        <p:nvPr/>
+      </p:nvGrpSpPr>
+      <p:grpSpPr>
+        <a:xfrm>
+          <a:off x="0" y="0"/>
+          <a:ext cx="0" cy="0"/>
+          <a:chOff x="0" y="0"/>
+          <a:chExt cx="0" cy="0"/>
+        </a:xfrm>
+      </p:grpSpPr>
+      <p:sp>
+        <p:nvSpPr>
+          <p:cNvPr id="39" name="PlaceHolder 1"/>
+          <p:cNvSpPr>
+            <a:spLocks noGrp="1" noRot="1" noChangeAspect="1"/>
+          </p:cNvSpPr>
+          <p:nvPr>
+            <p:ph type="sldImg"/>
+          </p:nvPr>
+        </p:nvSpPr>
+        <p:spPr>
+          <a:xfrm>
+            <a:off x="216000" y="812520"/>
+            <a:ext cx="7127280" cy="4008960"/>
+          </a:xfrm>
+          <a:prstGeom prst="rect">
+            <a:avLst/>
+          </a:prstGeom>
+        </p:spPr>
+        <p:txBody>
+          <a:bodyPr lIns="0" tIns="0" rIns="0" bIns="0" anchor="ctr">
+            <a:noAutofit/>
+          </a:bodyPr>
+          <a:lstStyle/>
+          <a:p>
+            <a:pPr algn="ctr"/>
+            <a:r>
+              <a:rPr lang="es-ES" sz="4400" b="0" strike="noStrike" spc="-1">
+                <a:latin typeface="Arial"/>
+              </a:rPr>
+              <a:t>Pulse para desplazar la diapositiva</a:t>
+            </a:r>
+          </a:p>
+        </p:txBody>
+      </p:sp>
+      <p:sp>
+        <p:nvSpPr>
+          <p:cNvPr id="40" name="PlaceHolder 2"/>
+          <p:cNvSpPr>
+            <a:spLocks noGrp="1"/>
+          </p:cNvSpPr>
+          <p:nvPr>
+            <p:ph type="body"/>
+          </p:nvPr>
+        </p:nvSpPr>
+        <p:spPr>
+          <a:xfrm>
+            <a:off x="756000" y="5078520"/>
+            <a:ext cx="6047640" cy="4811040"/>
+          </a:xfrm>
+          <a:prstGeom prst="rect">
+            <a:avLst/>
+          </a:prstGeom>
+        </p:spPr>
+        <p:txBody>
+          <a:bodyPr lIns="0" tIns="0" rIns="0" bIns="0">
+            <a:noAutofit/>
+          </a:bodyPr>
+          <a:lstStyle/>
+          <a:p>
+            <a:r>
+              <a:rPr lang="es-ES" sz="2000" b="0" strike="noStrike" spc="-1">
+                <a:latin typeface="Arial"/>
+              </a:rPr>
+              <a:t>Pulse para editar el formato de las notas</a:t>
+            </a:r>
+          </a:p>
+        </p:txBody>
+      </p:sp>
+      <p:sp>
+        <p:nvSpPr>
+          <p:cNvPr id="41" name="PlaceHolder 3"/>
+          <p:cNvSpPr>
+            <a:spLocks noGrp="1"/>
+          </p:cNvSpPr>
+          <p:nvPr>
+            <p:ph type="hdr"/>
+          </p:nvPr>
+        </p:nvSpPr>
+        <p:spPr>
+          <a:xfrm>
+            <a:off x="0" y="0"/>
+            <a:ext cx="3280680" cy="534240"/>
+          </a:xfrm>
+          <a:prstGeom prst="rect">
+            <a:avLst/>
+          </a:prstGeom>
+        </p:spPr>
+        <p:txBody>
+          <a:bodyPr lIns="0" tIns="0" rIns="0" bIns="0">
+            <a:noAutofit/>
+          </a:bodyPr>
+          <a:lstStyle/>
+          <a:p>
+            <a:r>
+              <a:rPr lang="es-ES" sz="1400" b="0" strike="noStrike" spc="-1">
+                <a:latin typeface="Times New Roman"/>
+              </a:rPr>
+              <a:t>&lt;cabecera&gt;</a:t>
+            </a:r>
+          </a:p>
+        </p:txBody>
+      </p:sp>
+      <p:sp>
+        <p:nvSpPr>
+          <p:cNvPr id="42" name="PlaceHolder 4"/>
+          <p:cNvSpPr>
+            <a:spLocks noGrp="1"/>
+          </p:cNvSpPr>
+          <p:nvPr>
+            <p:ph type="dt"/>
+          </p:nvPr>
+        </p:nvSpPr>
+        <p:spPr>
+          <a:xfrm>
+            <a:off x="4278960" y="0"/>
+            <a:ext cx="3280680" cy="534240"/>
+          </a:xfrm>
+          <a:prstGeom prst="rect">
+            <a:avLst/>
+          </a:prstGeom>
+        </p:spPr>
+        <p:txBody>
+          <a:bodyPr lIns="0" tIns="0" rIns="0" bIns="0">
+            <a:noAutofit/>
+          </a:bodyPr>
+          <a:lstStyle/>
+          <a:p>
+            <a:pPr algn="r"/>
+            <a:r>
+              <a:rPr lang="es-ES" sz="1400" b="0" strike="noStrike" spc="-1">
+                <a:latin typeface="Times New Roman"/>
+              </a:rPr>
+              <a:t>&lt;fecha/hora&gt;</a:t>
+            </a:r>
+          </a:p>
+        </p:txBody>
+      </p:sp>
+      <p:sp>
+        <p:nvSpPr>
+          <p:cNvPr id="43" name="PlaceHolder 5"/>
+          <p:cNvSpPr>
+            <a:spLocks noGrp="1"/>
+          </p:cNvSpPr>
+          <p:nvPr>
+            <p:ph type="ftr"/>
+          </p:nvPr>
+        </p:nvSpPr>
+        <p:spPr>
+          <a:xfrm>
+            <a:off x="0" y="10157400"/>
+            <a:ext cx="3280680" cy="534240"/>
+          </a:xfrm>
+          <a:prstGeom prst="rect">
+            <a:avLst/>
+          </a:prstGeom>
+        </p:spPr>
+        <p:txBody>
+          <a:bodyPr lIns="0" tIns="0" rIns="0" bIns="0" anchor="b">
+            <a:noAutofit/>
+          </a:bodyPr>
+          <a:lstStyle/>
+          <a:p>
+            <a:r>
+              <a:rPr lang="es-ES" sz="1400" b="0" strike="noStrike" spc="-1">
+                <a:latin typeface="Times New Roman"/>
+              </a:rPr>
+              <a:t>&lt;pie de página&gt;</a:t>
+            </a:r>
+          </a:p>
+        </p:txBody>
+      </p:sp>
+      <p:sp>
+        <p:nvSpPr>
+          <p:cNvPr id="44" name="PlaceHolder 6"/>
+          <p:cNvSpPr>
+            <a:spLocks noGrp="1"/>
+          </p:cNvSpPr>
+          <p:nvPr>
+            <p:ph type="sldNum"/>
+          </p:nvPr>
+        </p:nvSpPr>
+        <p:spPr>
+          <a:xfrm>
+            <a:off x="4278960" y="10157400"/>
+            <a:ext cx="3280680" cy="534240"/>
+          </a:xfrm>
+          <a:prstGeom prst="rect">
+            <a:avLst/>
+          </a:prstGeom>
+        </p:spPr>
+        <p:txBody>
+          <a:bodyPr lIns="0" tIns="0" rIns="0" bIns="0" anchor="b">
+            <a:noAutofit/>
+          </a:bodyPr>
+          <a:lstStyle/>
+          <a:p>
+            <a:pPr algn="r"/>
+            <a:fld id="{E1FFDC32-3027-4F8A-ACCA-BC691EB2823C}" type="slidenum">
+              <a:rPr lang="es-ES" sz="1400" b="0" strike="noStrike" spc="-1">
+                <a:latin typeface="Times New Roman"/>
+              </a:rPr>
+              <a:t>‹Nº›</a:t>
+            </a:fld>
+            <a:endParaRPr lang="es-ES" sz="1400" b="0" strike="noStrike" spc="-1">
+              <a:latin typeface="Times New Roman"/>
+            </a:endParaRPr>
+          </a:p>
+        </p:txBody>
+      </p:sp>
+    </p:spTree>
+  </p:cSld>
+  <p:clrMap bg1="lt1" tx1="dk1" bg2="lt2" tx2="dk2" accent1="accent1" accent2="accent2" accent3="accent3" accent4="accent4" accent5="accent5" accent6="accent6" hlink="hlink" folHlink="folHlink"/>
+  <p:notesStyle>
+    <a:lvl1pPr marL="0" algn="l" defTabSz="914400" rtl="0" eaLnBrk="1" latinLnBrk="0" hangingPunct="1">
+      <a:defRPr sz="1200" kern="1200">
+        <a:solidFill>
+          <a:schemeClr val="tx1"/>
+        </a:solidFill>
+        <a:latin typeface="+mn-lt"/>
+        <a:ea typeface="+mn-ea"/>
+        <a:cs typeface="+mn-cs"/>
+      </a:defRPr>
+    </a:lvl1pPr>
+    <a:lvl2pPr marL="457200" algn="l" defTabSz="914400" rtl="0" eaLnBrk="1" latinLnBrk="0" hangingPunct="1">
+      <a:defRPr sz="1200" kern="1200">
+        <a:solidFill>
+          <a:schemeClr val="tx1"/>
+        </a:solidFill>
+        <a:latin typeface="+mn-lt"/>
+        <a:ea typeface="+mn-ea"/>
+        <a:cs typeface="+mn-cs"/>
+      </a:defRPr>
+    </a:lvl2pPr>
+    <a:lvl3pPr marL="914400" algn="l" defTabSz="914400" rtl="0" eaLnBrk="1" latinLnBrk="0" hangingPunct="1">
+      <a:defRPr sz="1200" kern="1200">
+        <a:solidFill>
+          <a:schemeClr val="tx1"/>
+        </a:solidFill>
+        <a:latin typeface="+mn-lt"/>
+        <a:ea typeface="+mn-ea"/>
+        <a:cs typeface="+mn-cs"/>
+      </a:defRPr>
+    </a:lvl3pPr>
+    <a:lvl4pPr marL="1371600" algn="l" defTabSz="914400" rtl="0" eaLnBrk="1" latinLnBrk="0" hangingPunct="1">
+      <a:defRPr sz="1200" kern="1200">
+        <a:solidFill>
+          <a:schemeClr val="tx1"/>
+        </a:solidFill>
+        <a:latin typeface="+mn-lt"/>
+        <a:ea typeface="+mn-ea"/>
+        <a:cs typeface="+mn-cs"/>
+      </a:defRPr>
+    </a:lvl4pPr>
+    <a:lvl5pPr marL="1828800" algn="l" defTabSz="914400" rtl="0" eaLnBrk="1" latinLnBrk="0" hangingPunct="1">
+      <a:defRPr sz="1200" kern="1200">
+        <a:solidFill>
+          <a:schemeClr val="tx1"/>
+        </a:solidFill>
+        <a:latin typeface="+mn-lt"/>
+        <a:ea typeface="+mn-ea"/>
+        <a:cs typeface="+mn-cs"/>
+      </a:defRPr>
+    </a:lvl5pPr>
+    <a:lvl6pPr marL="2286000" algn="l" defTabSz="914400" rtl="0" eaLnBrk="1" latinLnBrk="0" hangingPunct="1">
+      <a:defRPr sz="1200" kern="1200">
+        <a:solidFill>
+          <a:schemeClr val="tx1"/>
+        </a:solidFill>
+        <a:latin typeface="+mn-lt"/>
+        <a:ea typeface="+mn-ea"/>
+        <a:cs typeface="+mn-cs"/>
+      </a:defRPr>
+    </a:lvl6pPr>
+    <a:lvl7pPr marL="2743200" algn="l" defTabSz="914400" rtl="0" eaLnBrk="1" latinLnBrk="0" hangingPunct="1">
+      <a:defRPr sz="1200" kern="1200">
+        <a:solidFill>
+          <a:schemeClr val="tx1"/>
+        </a:solidFill>
+        <a:latin typeface="+mn-lt"/>
+        <a:ea typeface="+mn-ea"/>
+        <a:cs typeface="+mn-cs"/>
+      </a:defRPr>
+    </a:lvl7pPr>
+    <a:lvl8pPr marL="3200400" algn="l" defTabSz="914400" rtl="0" eaLnBrk="1" latinLnBrk="0" hangingPunct="1">
+      <a:defRPr sz="1200" kern="1200">
+        <a:solidFill>
+          <a:schemeClr val="tx1"/>
+        </a:solidFill>
+        <a:latin typeface="+mn-lt"/>
+        <a:ea typeface="+mn-ea"/>
+        <a:cs typeface="+mn-cs"/>
+      </a:defRPr>
+    </a:lvl8pPr>
+    <a:lvl9pPr marL="3657600" algn="l" defTabSz="914400" rtl="0" eaLnBrk="1" latinLnBrk="0" hangingPunct="1">
+      <a:defRPr sz="1200" kern="1200">
+        <a:solidFill>
+          <a:schemeClr val="tx1"/>
+        </a:solidFill>
+        <a:latin typeface="+mn-lt"/>
+        <a:ea typeface="+mn-ea"/>
+        <a:cs typeface="+mn-cs"/>
+      </a:defRPr>
+    </a:lvl9pPr>
+  </p:notesStyle>
+</p:notesMaster>
+</file>
+
+<file path=ppt/notesSlides/notesSlide1.xml><?xml version="1.0" encoding="utf-8"?>
+<p:notes xmlns:a="http://schemas.openxmlformats.org/drawingml/2006/main" xmlns:r="http://schemas.openxmlformats.org/officeDocument/2006/relationships" xmlns:p="http://schemas.openxmlformats.org/presentationml/2006/main">
   <p:cSld>
     <p:spTree>
       <p:nvGrpSpPr>
@@ -41,231 +466,119 @@
       </p:grpSpPr>
       <p:sp>
         <p:nvSpPr>
-          <p:cNvPr id="39" name="PlaceHolder 1"/>
+          <p:cNvPr id="63" name="PlaceHolder 1"/>
+          <p:cNvSpPr>
+            <a:spLocks noGrp="1" noRot="1" noChangeAspect="1"/>
+          </p:cNvSpPr>
+          <p:nvPr>
+            <p:ph type="sldImg"/>
+          </p:nvPr>
+        </p:nvSpPr>
+        <p:spPr>
+          <a:xfrm>
+            <a:off x="685800" y="1143000"/>
+            <a:ext cx="5485680" cy="3085560"/>
+          </a:xfrm>
+          <a:prstGeom prst="rect">
+            <a:avLst/>
+          </a:prstGeom>
+        </p:spPr>
+      </p:sp>
+      <p:sp>
+        <p:nvSpPr>
+          <p:cNvPr id="64" name="PlaceHolder 2"/>
           <p:cNvSpPr>
             <a:spLocks noGrp="1"/>
           </p:cNvSpPr>
           <p:nvPr>
-            <p:ph type="sldImg"/>
-          </p:nvPr>
-        </p:nvSpPr>
-        <p:spPr>
-          <a:xfrm>
-            <a:off x="216000" y="812520"/>
-            <a:ext cx="7127280" cy="4008960"/>
-          </a:xfrm>
-          <a:prstGeom prst="rect">
-            <a:avLst/>
-          </a:prstGeom>
-        </p:spPr>
-        <p:txBody>
-          <a:bodyPr lIns="0" rIns="0" tIns="0" bIns="0" anchor="ctr">
+            <p:ph type="body"/>
+          </p:nvPr>
+        </p:nvSpPr>
+        <p:spPr>
+          <a:xfrm>
+            <a:off x="685800" y="4400640"/>
+            <a:ext cx="5485680" cy="3599640"/>
+          </a:xfrm>
+          <a:prstGeom prst="rect">
+            <a:avLst/>
+          </a:prstGeom>
+        </p:spPr>
+        <p:txBody>
+          <a:bodyPr lIns="0" tIns="0" rIns="0" bIns="0">
             <a:noAutofit/>
           </a:bodyPr>
-          <a:p>
-            <a:pPr algn="ctr"/>
-            <a:r>
-              <a:rPr b="0" lang="es-ES" sz="4400" spc="-1" strike="noStrike">
-                <a:latin typeface="Arial"/>
-              </a:rPr>
-              <a:t>Pulse para desplazar la diapositiva</a:t>
-            </a:r>
-            <a:endParaRPr b="0" lang="es-ES" sz="4400" spc="-1" strike="noStrike">
-              <a:latin typeface="Arial"/>
-            </a:endParaRPr>
-          </a:p>
-        </p:txBody>
-      </p:sp>
-      <p:sp>
-        <p:nvSpPr>
-          <p:cNvPr id="40" name="PlaceHolder 2"/>
-          <p:cNvSpPr>
-            <a:spLocks noGrp="1"/>
-          </p:cNvSpPr>
-          <p:nvPr>
-            <p:ph type="body"/>
-          </p:nvPr>
-        </p:nvSpPr>
-        <p:spPr>
-          <a:xfrm>
-            <a:off x="756000" y="5078520"/>
-            <a:ext cx="6047640" cy="4811040"/>
-          </a:xfrm>
-          <a:prstGeom prst="rect">
-            <a:avLst/>
-          </a:prstGeom>
-        </p:spPr>
-        <p:txBody>
-          <a:bodyPr lIns="0" rIns="0" tIns="0" bIns="0">
+          <a:lstStyle/>
+          <a:p>
+            <a:endParaRPr lang="es-ES" sz="2000" b="0" strike="noStrike" spc="-1">
+              <a:latin typeface="Arial"/>
+            </a:endParaRPr>
+          </a:p>
+        </p:txBody>
+      </p:sp>
+      <p:sp>
+        <p:nvSpPr>
+          <p:cNvPr id="65" name="CustomShape 3"/>
+          <p:cNvSpPr/>
+          <p:nvPr/>
+        </p:nvSpPr>
+        <p:spPr>
+          <a:xfrm>
+            <a:off x="3884760" y="8685360"/>
+            <a:ext cx="2971080" cy="457920"/>
+          </a:xfrm>
+          <a:prstGeom prst="rect">
+            <a:avLst/>
+          </a:prstGeom>
+          <a:noFill/>
+          <a:ln w="0">
+            <a:noFill/>
+          </a:ln>
+        </p:spPr>
+        <p:style>
+          <a:lnRef idx="0">
+            <a:scrgbClr r="0" g="0" b="0"/>
+          </a:lnRef>
+          <a:fillRef idx="0">
+            <a:scrgbClr r="0" g="0" b="0"/>
+          </a:fillRef>
+          <a:effectRef idx="0">
+            <a:scrgbClr r="0" g="0" b="0"/>
+          </a:effectRef>
+          <a:fontRef idx="minor"/>
+        </p:style>
+        <p:txBody>
+          <a:bodyPr lIns="90000" tIns="45000" rIns="90000" bIns="45000" anchor="b">
             <a:noAutofit/>
           </a:bodyPr>
-          <a:p>
-            <a:r>
-              <a:rPr b="0" lang="es-ES" sz="2000" spc="-1" strike="noStrike">
-                <a:latin typeface="Arial"/>
-              </a:rPr>
-              <a:t>Pulse para editar el formato de las notas</a:t>
-            </a:r>
-            <a:endParaRPr b="0" lang="es-ES" sz="2000" spc="-1" strike="noStrike">
-              <a:latin typeface="Arial"/>
-            </a:endParaRPr>
-          </a:p>
-        </p:txBody>
-      </p:sp>
-      <p:sp>
-        <p:nvSpPr>
-          <p:cNvPr id="41" name="PlaceHolder 3"/>
-          <p:cNvSpPr>
-            <a:spLocks noGrp="1"/>
-          </p:cNvSpPr>
-          <p:nvPr>
-            <p:ph type="hdr"/>
-          </p:nvPr>
-        </p:nvSpPr>
-        <p:spPr>
-          <a:xfrm>
-            <a:off x="0" y="0"/>
-            <a:ext cx="3280680" cy="534240"/>
-          </a:xfrm>
-          <a:prstGeom prst="rect">
-            <a:avLst/>
-          </a:prstGeom>
-        </p:spPr>
-        <p:txBody>
-          <a:bodyPr lIns="0" rIns="0" tIns="0" bIns="0">
-            <a:noAutofit/>
-          </a:bodyPr>
-          <a:p>
-            <a:r>
-              <a:rPr b="0" lang="es-ES" sz="1400" spc="-1" strike="noStrike">
+          <a:lstStyle/>
+          <a:p>
+            <a:pPr algn="r">
+              <a:lnSpc>
+                <a:spcPct val="100000"/>
+              </a:lnSpc>
+            </a:pPr>
+            <a:fld id="{6413402E-BE2F-4E77-B085-0CEB80797221}" type="slidenum">
+              <a:rPr lang="es-ES" sz="1200" b="0" strike="noStrike" spc="-1">
                 <a:latin typeface="Times New Roman"/>
               </a:rPr>
-              <a:t>&lt;cabecera&gt;</a:t>
-            </a:r>
-            <a:endParaRPr b="0" lang="es-ES" sz="1400" spc="-1" strike="noStrike">
-              <a:latin typeface="Times New Roman"/>
-            </a:endParaRPr>
-          </a:p>
-        </p:txBody>
-      </p:sp>
-      <p:sp>
-        <p:nvSpPr>
-          <p:cNvPr id="42" name="PlaceHolder 4"/>
-          <p:cNvSpPr>
-            <a:spLocks noGrp="1"/>
-          </p:cNvSpPr>
-          <p:nvPr>
-            <p:ph type="dt"/>
-          </p:nvPr>
-        </p:nvSpPr>
-        <p:spPr>
-          <a:xfrm>
-            <a:off x="4278960" y="0"/>
-            <a:ext cx="3280680" cy="534240"/>
-          </a:xfrm>
-          <a:prstGeom prst="rect">
-            <a:avLst/>
-          </a:prstGeom>
-        </p:spPr>
-        <p:txBody>
-          <a:bodyPr lIns="0" rIns="0" tIns="0" bIns="0">
-            <a:noAutofit/>
-          </a:bodyPr>
-          <a:p>
-            <a:pPr algn="r"/>
-            <a:r>
-              <a:rPr b="0" lang="es-ES" sz="1400" spc="-1" strike="noStrike">
-                <a:latin typeface="Times New Roman"/>
-              </a:rPr>
-              <a:t>&lt;fecha/hora&gt;</a:t>
-            </a:r>
-            <a:endParaRPr b="0" lang="es-ES" sz="1400" spc="-1" strike="noStrike">
-              <a:latin typeface="Times New Roman"/>
-            </a:endParaRPr>
-          </a:p>
-        </p:txBody>
-      </p:sp>
-      <p:sp>
-        <p:nvSpPr>
-          <p:cNvPr id="43" name="PlaceHolder 5"/>
-          <p:cNvSpPr>
-            <a:spLocks noGrp="1"/>
-          </p:cNvSpPr>
-          <p:nvPr>
-            <p:ph type="ftr"/>
-          </p:nvPr>
-        </p:nvSpPr>
-        <p:spPr>
-          <a:xfrm>
-            <a:off x="0" y="10157400"/>
-            <a:ext cx="3280680" cy="534240"/>
-          </a:xfrm>
-          <a:prstGeom prst="rect">
-            <a:avLst/>
-          </a:prstGeom>
-        </p:spPr>
-        <p:txBody>
-          <a:bodyPr lIns="0" rIns="0" tIns="0" bIns="0" anchor="b">
-            <a:noAutofit/>
-          </a:bodyPr>
-          <a:p>
-            <a:r>
-              <a:rPr b="0" lang="es-ES" sz="1400" spc="-1" strike="noStrike">
-                <a:latin typeface="Times New Roman"/>
-              </a:rPr>
-              <a:t>&lt;pie de página&gt;</a:t>
-            </a:r>
-            <a:endParaRPr b="0" lang="es-ES" sz="1400" spc="-1" strike="noStrike">
-              <a:latin typeface="Times New Roman"/>
-            </a:endParaRPr>
-          </a:p>
-        </p:txBody>
-      </p:sp>
-      <p:sp>
-        <p:nvSpPr>
-          <p:cNvPr id="44" name="PlaceHolder 6"/>
-          <p:cNvSpPr>
-            <a:spLocks noGrp="1"/>
-          </p:cNvSpPr>
-          <p:nvPr>
-            <p:ph type="sldNum"/>
-          </p:nvPr>
-        </p:nvSpPr>
-        <p:spPr>
-          <a:xfrm>
-            <a:off x="4278960" y="10157400"/>
-            <a:ext cx="3280680" cy="534240"/>
-          </a:xfrm>
-          <a:prstGeom prst="rect">
-            <a:avLst/>
-          </a:prstGeom>
-        </p:spPr>
-        <p:txBody>
-          <a:bodyPr lIns="0" rIns="0" tIns="0" bIns="0" anchor="b">
-            <a:noAutofit/>
-          </a:bodyPr>
-          <a:p>
-            <a:pPr algn="r"/>
-            <a:fld id="{E1FFDC32-3027-4F8A-ACCA-BC691EB2823C}" type="slidenum">
-              <a:rPr b="0" lang="es-ES" sz="1400" spc="-1" strike="noStrike">
-                <a:latin typeface="Times New Roman"/>
-              </a:rPr>
-              <a:t>&lt;número&gt;</a:t>
+              <a:t>1</a:t>
             </a:fld>
-            <a:endParaRPr b="0" lang="es-ES" sz="1400" spc="-1" strike="noStrike">
-              <a:latin typeface="Times New Roman"/>
+            <a:endParaRPr lang="es-ES" sz="1200" b="0" strike="noStrike" spc="-1">
+              <a:latin typeface="Arial"/>
             </a:endParaRPr>
           </a:p>
         </p:txBody>
       </p:sp>
     </p:spTree>
   </p:cSld>
-  <p:clrMap bg1="lt1" bg2="lt2" tx1="dk1" tx2="dk2" accent1="accent1" accent2="accent2" accent3="accent3" accent4="accent4" accent5="accent5" accent6="accent6" hlink="hlink" folHlink="folHlink"/>
-</p:notesMaster>
+  <p:clrMapOvr>
+    <a:masterClrMapping/>
+  </p:clrMapOvr>
+</p:notes>
 </file>
 
-<file path=ppt/notesSlides/notesSlide1.xml><?xml version="1.0" encoding="utf-8"?>
-<p:notes xmlns:a="http://schemas.openxmlformats.org/drawingml/2006/main" xmlns:p="http://schemas.openxmlformats.org/presentationml/2006/main" xmlns:r="http://schemas.openxmlformats.org/officeDocument/2006/relationships" xmlns:p14="http://schemas.microsoft.com/office/powerpoint/2010/main" xmlns:p15="http://schemas.microsoft.com/office/powerpoint/2012/main" xmlns:mc="http://schemas.openxmlformats.org/markup-compatibility/2006">
+<file path=ppt/notesSlides/notesSlide2.xml><?xml version="1.0" encoding="utf-8"?>
+<p:notes xmlns:a="http://schemas.openxmlformats.org/drawingml/2006/main" xmlns:r="http://schemas.openxmlformats.org/officeDocument/2006/relationships" xmlns:p="http://schemas.openxmlformats.org/presentationml/2006/main">
   <p:cSld>
     <p:spTree>
       <p:nvGrpSpPr>
@@ -283,9 +596,9 @@
       </p:grpSpPr>
       <p:sp>
         <p:nvSpPr>
-          <p:cNvPr id="63" name="PlaceHolder 1"/>
-          <p:cNvSpPr>
-            <a:spLocks noGrp="1"/>
+          <p:cNvPr id="66" name="PlaceHolder 1"/>
+          <p:cNvSpPr>
+            <a:spLocks noGrp="1" noRot="1" noChangeAspect="1"/>
           </p:cNvSpPr>
           <p:nvPr>
             <p:ph type="sldImg"/>
@@ -303,7 +616,7 @@
       </p:sp>
       <p:sp>
         <p:nvSpPr>
-          <p:cNvPr id="64" name="PlaceHolder 2"/>
+          <p:cNvPr id="67" name="PlaceHolder 2"/>
           <p:cNvSpPr>
             <a:spLocks noGrp="1"/>
           </p:cNvSpPr>
@@ -321,19 +634,20 @@
           </a:prstGeom>
         </p:spPr>
         <p:txBody>
-          <a:bodyPr lIns="0" rIns="0" tIns="0" bIns="0">
+          <a:bodyPr lIns="0" tIns="0" rIns="0" bIns="0">
             <a:noAutofit/>
           </a:bodyPr>
-          <a:p>
-            <a:endParaRPr b="0" lang="es-ES" sz="2000" spc="-1" strike="noStrike">
-              <a:latin typeface="Arial"/>
-            </a:endParaRPr>
-          </a:p>
-        </p:txBody>
-      </p:sp>
-      <p:sp>
-        <p:nvSpPr>
-          <p:cNvPr id="65" name="CustomShape 3"/>
+          <a:lstStyle/>
+          <a:p>
+            <a:endParaRPr lang="es-ES" sz="2000" b="0" strike="noStrike" spc="-1">
+              <a:latin typeface="Arial"/>
+            </a:endParaRPr>
+          </a:p>
+        </p:txBody>
+      </p:sp>
+      <p:sp>
+        <p:nvSpPr>
+          <p:cNvPr id="68" name="CustomShape 3"/>
           <p:cNvSpPr/>
           <p:nvPr/>
         </p:nvSpPr>
@@ -351,28 +665,35 @@
           </a:ln>
         </p:spPr>
         <p:style>
-          <a:lnRef idx="0"/>
-          <a:fillRef idx="0"/>
-          <a:effectRef idx="0"/>
+          <a:lnRef idx="0">
+            <a:scrgbClr r="0" g="0" b="0"/>
+          </a:lnRef>
+          <a:fillRef idx="0">
+            <a:scrgbClr r="0" g="0" b="0"/>
+          </a:fillRef>
+          <a:effectRef idx="0">
+            <a:scrgbClr r="0" g="0" b="0"/>
+          </a:effectRef>
           <a:fontRef idx="minor"/>
         </p:style>
         <p:txBody>
-          <a:bodyPr lIns="90000" rIns="90000" tIns="45000" bIns="45000" anchor="b">
+          <a:bodyPr lIns="90000" tIns="45000" rIns="90000" bIns="45000" anchor="b">
             <a:noAutofit/>
           </a:bodyPr>
+          <a:lstStyle/>
           <a:p>
             <a:pPr algn="r">
               <a:lnSpc>
                 <a:spcPct val="100000"/>
               </a:lnSpc>
             </a:pPr>
-            <a:fld id="{6413402E-BE2F-4E77-B085-0CEB80797221}" type="slidenum">
-              <a:rPr b="0" lang="es-ES" sz="1200" spc="-1" strike="noStrike">
+            <a:fld id="{BEDDB50F-1A73-4FF2-B67A-85ABEEBA22B7}" type="slidenum">
+              <a:rPr lang="es-ES" sz="1200" b="0" strike="noStrike" spc="-1">
                 <a:latin typeface="Times New Roman"/>
               </a:rPr>
-              <a:t>&lt;número&gt;</a:t>
+              <a:t>2</a:t>
             </a:fld>
-            <a:endParaRPr b="0" lang="es-ES" sz="1200" spc="-1" strike="noStrike">
+            <a:endParaRPr lang="es-ES" sz="1200" b="0" strike="noStrike" spc="-1">
               <a:latin typeface="Arial"/>
             </a:endParaRPr>
           </a:p>
@@ -380,11 +701,14 @@
       </p:sp>
     </p:spTree>
   </p:cSld>
+  <p:clrMapOvr>
+    <a:masterClrMapping/>
+  </p:clrMapOvr>
 </p:notes>
 </file>
 
-<file path=ppt/notesSlides/notesSlide2.xml><?xml version="1.0" encoding="utf-8"?>
-<p:notes xmlns:a="http://schemas.openxmlformats.org/drawingml/2006/main" xmlns:p="http://schemas.openxmlformats.org/presentationml/2006/main" xmlns:r="http://schemas.openxmlformats.org/officeDocument/2006/relationships" xmlns:p14="http://schemas.microsoft.com/office/powerpoint/2010/main" xmlns:p15="http://schemas.microsoft.com/office/powerpoint/2012/main" xmlns:mc="http://schemas.openxmlformats.org/markup-compatibility/2006">
+<file path=ppt/notesSlides/notesSlide3.xml><?xml version="1.0" encoding="utf-8"?>
+<p:notes xmlns:a="http://schemas.openxmlformats.org/drawingml/2006/main" xmlns:r="http://schemas.openxmlformats.org/officeDocument/2006/relationships" xmlns:p="http://schemas.openxmlformats.org/presentationml/2006/main">
   <p:cSld>
     <p:spTree>
       <p:nvGrpSpPr>
@@ -402,9 +726,9 @@
       </p:grpSpPr>
       <p:sp>
         <p:nvSpPr>
-          <p:cNvPr id="66" name="PlaceHolder 1"/>
-          <p:cNvSpPr>
-            <a:spLocks noGrp="1"/>
+          <p:cNvPr id="69" name="PlaceHolder 1"/>
+          <p:cNvSpPr>
+            <a:spLocks noGrp="1" noRot="1" noChangeAspect="1"/>
           </p:cNvSpPr>
           <p:nvPr>
             <p:ph type="sldImg"/>
@@ -422,7 +746,7 @@
       </p:sp>
       <p:sp>
         <p:nvSpPr>
-          <p:cNvPr id="67" name="PlaceHolder 2"/>
+          <p:cNvPr id="70" name="PlaceHolder 2"/>
           <p:cNvSpPr>
             <a:spLocks noGrp="1"/>
           </p:cNvSpPr>
@@ -440,19 +764,20 @@
           </a:prstGeom>
         </p:spPr>
         <p:txBody>
-          <a:bodyPr lIns="0" rIns="0" tIns="0" bIns="0">
+          <a:bodyPr lIns="0" tIns="0" rIns="0" bIns="0">
             <a:noAutofit/>
           </a:bodyPr>
-          <a:p>
-            <a:endParaRPr b="0" lang="es-ES" sz="2000" spc="-1" strike="noStrike">
-              <a:latin typeface="Arial"/>
-            </a:endParaRPr>
-          </a:p>
-        </p:txBody>
-      </p:sp>
-      <p:sp>
-        <p:nvSpPr>
-          <p:cNvPr id="68" name="CustomShape 3"/>
+          <a:lstStyle/>
+          <a:p>
+            <a:endParaRPr lang="es-ES" sz="2000" b="0" strike="noStrike" spc="-1">
+              <a:latin typeface="Arial"/>
+            </a:endParaRPr>
+          </a:p>
+        </p:txBody>
+      </p:sp>
+      <p:sp>
+        <p:nvSpPr>
+          <p:cNvPr id="71" name="CustomShape 3"/>
           <p:cNvSpPr/>
           <p:nvPr/>
         </p:nvSpPr>
@@ -470,28 +795,35 @@
           </a:ln>
         </p:spPr>
         <p:style>
-          <a:lnRef idx="0"/>
-          <a:fillRef idx="0"/>
-          <a:effectRef idx="0"/>
+          <a:lnRef idx="0">
+            <a:scrgbClr r="0" g="0" b="0"/>
+          </a:lnRef>
+          <a:fillRef idx="0">
+            <a:scrgbClr r="0" g="0" b="0"/>
+          </a:fillRef>
+          <a:effectRef idx="0">
+            <a:scrgbClr r="0" g="0" b="0"/>
+          </a:effectRef>
           <a:fontRef idx="minor"/>
         </p:style>
         <p:txBody>
-          <a:bodyPr lIns="90000" rIns="90000" tIns="45000" bIns="45000" anchor="b">
+          <a:bodyPr lIns="90000" tIns="45000" rIns="90000" bIns="45000" anchor="b">
             <a:noAutofit/>
           </a:bodyPr>
+          <a:lstStyle/>
           <a:p>
             <a:pPr algn="r">
               <a:lnSpc>
                 <a:spcPct val="100000"/>
               </a:lnSpc>
             </a:pPr>
-            <a:fld id="{BEDDB50F-1A73-4FF2-B67A-85ABEEBA22B7}" type="slidenum">
-              <a:rPr b="0" lang="es-ES" sz="1200" spc="-1" strike="noStrike">
+            <a:fld id="{29C8A458-7DAD-4E10-A134-6F582A497506}" type="slidenum">
+              <a:rPr lang="es-ES" sz="1200" b="0" strike="noStrike" spc="-1">
                 <a:latin typeface="Times New Roman"/>
               </a:rPr>
-              <a:t>&lt;número&gt;</a:t>
+              <a:t>3</a:t>
             </a:fld>
-            <a:endParaRPr b="0" lang="es-ES" sz="1200" spc="-1" strike="noStrike">
+            <a:endParaRPr lang="es-ES" sz="1200" b="0" strike="noStrike" spc="-1">
               <a:latin typeface="Arial"/>
             </a:endParaRPr>
           </a:p>
@@ -499,11 +831,14 @@
       </p:sp>
     </p:spTree>
   </p:cSld>
+  <p:clrMapOvr>
+    <a:masterClrMapping/>
+  </p:clrMapOvr>
 </p:notes>
 </file>
 
-<file path=ppt/notesSlides/notesSlide3.xml><?xml version="1.0" encoding="utf-8"?>
-<p:notes xmlns:a="http://schemas.openxmlformats.org/drawingml/2006/main" xmlns:p="http://schemas.openxmlformats.org/presentationml/2006/main" xmlns:r="http://schemas.openxmlformats.org/officeDocument/2006/relationships" xmlns:p14="http://schemas.microsoft.com/office/powerpoint/2010/main" xmlns:p15="http://schemas.microsoft.com/office/powerpoint/2012/main" xmlns:mc="http://schemas.openxmlformats.org/markup-compatibility/2006">
+<file path=ppt/notesSlides/notesSlide4.xml><?xml version="1.0" encoding="utf-8"?>
+<p:notes xmlns:a="http://schemas.openxmlformats.org/drawingml/2006/main" xmlns:r="http://schemas.openxmlformats.org/officeDocument/2006/relationships" xmlns:p="http://schemas.openxmlformats.org/presentationml/2006/main">
   <p:cSld>
     <p:spTree>
       <p:nvGrpSpPr>
@@ -521,9 +856,9 @@
       </p:grpSpPr>
       <p:sp>
         <p:nvSpPr>
-          <p:cNvPr id="69" name="PlaceHolder 1"/>
-          <p:cNvSpPr>
-            <a:spLocks noGrp="1"/>
+          <p:cNvPr id="72" name="PlaceHolder 1"/>
+          <p:cNvSpPr>
+            <a:spLocks noGrp="1" noRot="1" noChangeAspect="1"/>
           </p:cNvSpPr>
           <p:nvPr>
             <p:ph type="sldImg"/>
@@ -541,7 +876,7 @@
       </p:sp>
       <p:sp>
         <p:nvSpPr>
-          <p:cNvPr id="70" name="PlaceHolder 2"/>
+          <p:cNvPr id="73" name="PlaceHolder 2"/>
           <p:cNvSpPr>
             <a:spLocks noGrp="1"/>
           </p:cNvSpPr>
@@ -559,19 +894,20 @@
           </a:prstGeom>
         </p:spPr>
         <p:txBody>
-          <a:bodyPr lIns="0" rIns="0" tIns="0" bIns="0">
+          <a:bodyPr lIns="0" tIns="0" rIns="0" bIns="0">
             <a:noAutofit/>
           </a:bodyPr>
-          <a:p>
-            <a:endParaRPr b="0" lang="es-ES" sz="2000" spc="-1" strike="noStrike">
-              <a:latin typeface="Arial"/>
-            </a:endParaRPr>
-          </a:p>
-        </p:txBody>
-      </p:sp>
-      <p:sp>
-        <p:nvSpPr>
-          <p:cNvPr id="71" name="CustomShape 3"/>
+          <a:lstStyle/>
+          <a:p>
+            <a:endParaRPr lang="es-ES" sz="2000" b="0" strike="noStrike" spc="-1">
+              <a:latin typeface="Arial"/>
+            </a:endParaRPr>
+          </a:p>
+        </p:txBody>
+      </p:sp>
+      <p:sp>
+        <p:nvSpPr>
+          <p:cNvPr id="74" name="CustomShape 3"/>
           <p:cNvSpPr/>
           <p:nvPr/>
         </p:nvSpPr>
@@ -589,28 +925,35 @@
           </a:ln>
         </p:spPr>
         <p:style>
-          <a:lnRef idx="0"/>
-          <a:fillRef idx="0"/>
-          <a:effectRef idx="0"/>
+          <a:lnRef idx="0">
+            <a:scrgbClr r="0" g="0" b="0"/>
+          </a:lnRef>
+          <a:fillRef idx="0">
+            <a:scrgbClr r="0" g="0" b="0"/>
+          </a:fillRef>
+          <a:effectRef idx="0">
+            <a:scrgbClr r="0" g="0" b="0"/>
+          </a:effectRef>
           <a:fontRef idx="minor"/>
         </p:style>
         <p:txBody>
-          <a:bodyPr lIns="90000" rIns="90000" tIns="45000" bIns="45000" anchor="b">
+          <a:bodyPr lIns="90000" tIns="45000" rIns="90000" bIns="45000" anchor="b">
             <a:noAutofit/>
           </a:bodyPr>
+          <a:lstStyle/>
           <a:p>
             <a:pPr algn="r">
               <a:lnSpc>
                 <a:spcPct val="100000"/>
               </a:lnSpc>
             </a:pPr>
-            <a:fld id="{29C8A458-7DAD-4E10-A134-6F582A497506}" type="slidenum">
-              <a:rPr b="0" lang="es-ES" sz="1200" spc="-1" strike="noStrike">
+            <a:fld id="{EB883684-F20B-4E8C-B5B4-FA6BCC2A8AA0}" type="slidenum">
+              <a:rPr lang="es-ES" sz="1200" b="0" strike="noStrike" spc="-1">
                 <a:latin typeface="Times New Roman"/>
               </a:rPr>
-              <a:t>&lt;número&gt;</a:t>
+              <a:t>4</a:t>
             </a:fld>
-            <a:endParaRPr b="0" lang="es-ES" sz="1200" spc="-1" strike="noStrike">
+            <a:endParaRPr lang="es-ES" sz="1200" b="0" strike="noStrike" spc="-1">
               <a:latin typeface="Arial"/>
             </a:endParaRPr>
           </a:p>
@@ -618,11 +961,14 @@
       </p:sp>
     </p:spTree>
   </p:cSld>
+  <p:clrMapOvr>
+    <a:masterClrMapping/>
+  </p:clrMapOvr>
 </p:notes>
 </file>
 
-<file path=ppt/notesSlides/notesSlide4.xml><?xml version="1.0" encoding="utf-8"?>
-<p:notes xmlns:a="http://schemas.openxmlformats.org/drawingml/2006/main" xmlns:p="http://schemas.openxmlformats.org/presentationml/2006/main" xmlns:r="http://schemas.openxmlformats.org/officeDocument/2006/relationships" xmlns:p14="http://schemas.microsoft.com/office/powerpoint/2010/main" xmlns:p15="http://schemas.microsoft.com/office/powerpoint/2012/main" xmlns:mc="http://schemas.openxmlformats.org/markup-compatibility/2006">
+<file path=ppt/notesSlides/notesSlide5.xml><?xml version="1.0" encoding="utf-8"?>
+<p:notes xmlns:a="http://schemas.openxmlformats.org/drawingml/2006/main" xmlns:r="http://schemas.openxmlformats.org/officeDocument/2006/relationships" xmlns:p="http://schemas.openxmlformats.org/presentationml/2006/main">
   <p:cSld>
     <p:spTree>
       <p:nvGrpSpPr>
@@ -640,9 +986,9 @@
       </p:grpSpPr>
       <p:sp>
         <p:nvSpPr>
-          <p:cNvPr id="72" name="PlaceHolder 1"/>
-          <p:cNvSpPr>
-            <a:spLocks noGrp="1"/>
+          <p:cNvPr id="75" name="PlaceHolder 1"/>
+          <p:cNvSpPr>
+            <a:spLocks noGrp="1" noRot="1" noChangeAspect="1"/>
           </p:cNvSpPr>
           <p:nvPr>
             <p:ph type="sldImg"/>
@@ -660,7 +1006,7 @@
       </p:sp>
       <p:sp>
         <p:nvSpPr>
-          <p:cNvPr id="73" name="PlaceHolder 2"/>
+          <p:cNvPr id="76" name="PlaceHolder 2"/>
           <p:cNvSpPr>
             <a:spLocks noGrp="1"/>
           </p:cNvSpPr>
@@ -678,19 +1024,20 @@
           </a:prstGeom>
         </p:spPr>
         <p:txBody>
-          <a:bodyPr lIns="0" rIns="0" tIns="0" bIns="0">
+          <a:bodyPr lIns="0" tIns="0" rIns="0" bIns="0">
             <a:noAutofit/>
           </a:bodyPr>
-          <a:p>
-            <a:endParaRPr b="0" lang="es-ES" sz="2000" spc="-1" strike="noStrike">
-              <a:latin typeface="Arial"/>
-            </a:endParaRPr>
-          </a:p>
-        </p:txBody>
-      </p:sp>
-      <p:sp>
-        <p:nvSpPr>
-          <p:cNvPr id="74" name="CustomShape 3"/>
+          <a:lstStyle/>
+          <a:p>
+            <a:endParaRPr lang="es-ES" sz="2000" b="0" strike="noStrike" spc="-1">
+              <a:latin typeface="Arial"/>
+            </a:endParaRPr>
+          </a:p>
+        </p:txBody>
+      </p:sp>
+      <p:sp>
+        <p:nvSpPr>
+          <p:cNvPr id="77" name="CustomShape 3"/>
           <p:cNvSpPr/>
           <p:nvPr/>
         </p:nvSpPr>
@@ -708,28 +1055,35 @@
           </a:ln>
         </p:spPr>
         <p:style>
-          <a:lnRef idx="0"/>
-          <a:fillRef idx="0"/>
-          <a:effectRef idx="0"/>
+          <a:lnRef idx="0">
+            <a:scrgbClr r="0" g="0" b="0"/>
+          </a:lnRef>
+          <a:fillRef idx="0">
+            <a:scrgbClr r="0" g="0" b="0"/>
+          </a:fillRef>
+          <a:effectRef idx="0">
+            <a:scrgbClr r="0" g="0" b="0"/>
+          </a:effectRef>
           <a:fontRef idx="minor"/>
         </p:style>
         <p:txBody>
-          <a:bodyPr lIns="90000" rIns="90000" tIns="45000" bIns="45000" anchor="b">
+          <a:bodyPr lIns="90000" tIns="45000" rIns="90000" bIns="45000" anchor="b">
             <a:noAutofit/>
           </a:bodyPr>
+          <a:lstStyle/>
           <a:p>
             <a:pPr algn="r">
               <a:lnSpc>
                 <a:spcPct val="100000"/>
               </a:lnSpc>
             </a:pPr>
-            <a:fld id="{EB883684-F20B-4E8C-B5B4-FA6BCC2A8AA0}" type="slidenum">
-              <a:rPr b="0" lang="es-ES" sz="1200" spc="-1" strike="noStrike">
+            <a:fld id="{AEE19AD6-CDEA-4F94-A21F-64825D491A8A}" type="slidenum">
+              <a:rPr lang="es-ES" sz="1200" b="0" strike="noStrike" spc="-1">
                 <a:latin typeface="Times New Roman"/>
               </a:rPr>
-              <a:t>&lt;número&gt;</a:t>
+              <a:t>5</a:t>
             </a:fld>
-            <a:endParaRPr b="0" lang="es-ES" sz="1200" spc="-1" strike="noStrike">
+            <a:endParaRPr lang="es-ES" sz="1200" b="0" strike="noStrike" spc="-1">
               <a:latin typeface="Arial"/>
             </a:endParaRPr>
           </a:p>
@@ -737,11 +1091,14 @@
       </p:sp>
     </p:spTree>
   </p:cSld>
+  <p:clrMapOvr>
+    <a:masterClrMapping/>
+  </p:clrMapOvr>
 </p:notes>
 </file>
 
-<file path=ppt/notesSlides/notesSlide5.xml><?xml version="1.0" encoding="utf-8"?>
-<p:notes xmlns:a="http://schemas.openxmlformats.org/drawingml/2006/main" xmlns:p="http://schemas.openxmlformats.org/presentationml/2006/main" xmlns:r="http://schemas.openxmlformats.org/officeDocument/2006/relationships" xmlns:p14="http://schemas.microsoft.com/office/powerpoint/2010/main" xmlns:p15="http://schemas.microsoft.com/office/powerpoint/2012/main" xmlns:mc="http://schemas.openxmlformats.org/markup-compatibility/2006">
+<file path=ppt/notesSlides/notesSlide6.xml><?xml version="1.0" encoding="utf-8"?>
+<p:notes xmlns:a="http://schemas.openxmlformats.org/drawingml/2006/main" xmlns:r="http://schemas.openxmlformats.org/officeDocument/2006/relationships" xmlns:p="http://schemas.openxmlformats.org/presentationml/2006/main">
   <p:cSld>
     <p:spTree>
       <p:nvGrpSpPr>
@@ -759,9 +1116,9 @@
       </p:grpSpPr>
       <p:sp>
         <p:nvSpPr>
-          <p:cNvPr id="75" name="PlaceHolder 1"/>
-          <p:cNvSpPr>
-            <a:spLocks noGrp="1"/>
+          <p:cNvPr id="78" name="PlaceHolder 1"/>
+          <p:cNvSpPr>
+            <a:spLocks noGrp="1" noRot="1" noChangeAspect="1"/>
           </p:cNvSpPr>
           <p:nvPr>
             <p:ph type="sldImg"/>
@@ -779,7 +1136,7 @@
       </p:sp>
       <p:sp>
         <p:nvSpPr>
-          <p:cNvPr id="76" name="PlaceHolder 2"/>
+          <p:cNvPr id="79" name="PlaceHolder 2"/>
           <p:cNvSpPr>
             <a:spLocks noGrp="1"/>
           </p:cNvSpPr>
@@ -797,19 +1154,20 @@
           </a:prstGeom>
         </p:spPr>
         <p:txBody>
-          <a:bodyPr lIns="0" rIns="0" tIns="0" bIns="0">
+          <a:bodyPr lIns="0" tIns="0" rIns="0" bIns="0">
             <a:noAutofit/>
           </a:bodyPr>
-          <a:p>
-            <a:endParaRPr b="0" lang="es-ES" sz="2000" spc="-1" strike="noStrike">
-              <a:latin typeface="Arial"/>
-            </a:endParaRPr>
-          </a:p>
-        </p:txBody>
-      </p:sp>
-      <p:sp>
-        <p:nvSpPr>
-          <p:cNvPr id="77" name="CustomShape 3"/>
+          <a:lstStyle/>
+          <a:p>
+            <a:endParaRPr lang="es-ES" sz="2000" b="0" strike="noStrike" spc="-1">
+              <a:latin typeface="Arial"/>
+            </a:endParaRPr>
+          </a:p>
+        </p:txBody>
+      </p:sp>
+      <p:sp>
+        <p:nvSpPr>
+          <p:cNvPr id="80" name="CustomShape 3"/>
           <p:cNvSpPr/>
           <p:nvPr/>
         </p:nvSpPr>
@@ -827,28 +1185,35 @@
           </a:ln>
         </p:spPr>
         <p:style>
-          <a:lnRef idx="0"/>
-          <a:fillRef idx="0"/>
-          <a:effectRef idx="0"/>
+          <a:lnRef idx="0">
+            <a:scrgbClr r="0" g="0" b="0"/>
+          </a:lnRef>
+          <a:fillRef idx="0">
+            <a:scrgbClr r="0" g="0" b="0"/>
+          </a:fillRef>
+          <a:effectRef idx="0">
+            <a:scrgbClr r="0" g="0" b="0"/>
+          </a:effectRef>
           <a:fontRef idx="minor"/>
         </p:style>
         <p:txBody>
-          <a:bodyPr lIns="90000" rIns="90000" tIns="45000" bIns="45000" anchor="b">
+          <a:bodyPr lIns="90000" tIns="45000" rIns="90000" bIns="45000" anchor="b">
             <a:noAutofit/>
           </a:bodyPr>
+          <a:lstStyle/>
           <a:p>
             <a:pPr algn="r">
               <a:lnSpc>
                 <a:spcPct val="100000"/>
               </a:lnSpc>
             </a:pPr>
-            <a:fld id="{AEE19AD6-CDEA-4F94-A21F-64825D491A8A}" type="slidenum">
-              <a:rPr b="0" lang="es-ES" sz="1200" spc="-1" strike="noStrike">
+            <a:fld id="{6E1AF952-0FE6-4DF9-BA0E-648E9E672B23}" type="slidenum">
+              <a:rPr lang="es-ES" sz="1200" b="0" strike="noStrike" spc="-1">
                 <a:latin typeface="Times New Roman"/>
               </a:rPr>
-              <a:t>&lt;número&gt;</a:t>
+              <a:t>6</a:t>
             </a:fld>
-            <a:endParaRPr b="0" lang="es-ES" sz="1200" spc="-1" strike="noStrike">
+            <a:endParaRPr lang="es-ES" sz="1200" b="0" strike="noStrike" spc="-1">
               <a:latin typeface="Arial"/>
             </a:endParaRPr>
           </a:p>
@@ -856,11 +1221,14 @@
       </p:sp>
     </p:spTree>
   </p:cSld>
+  <p:clrMapOvr>
+    <a:masterClrMapping/>
+  </p:clrMapOvr>
 </p:notes>
 </file>
 
-<file path=ppt/notesSlides/notesSlide6.xml><?xml version="1.0" encoding="utf-8"?>
-<p:notes xmlns:a="http://schemas.openxmlformats.org/drawingml/2006/main" xmlns:p="http://schemas.openxmlformats.org/presentationml/2006/main" xmlns:r="http://schemas.openxmlformats.org/officeDocument/2006/relationships" xmlns:p14="http://schemas.microsoft.com/office/powerpoint/2010/main" xmlns:p15="http://schemas.microsoft.com/office/powerpoint/2012/main" xmlns:mc="http://schemas.openxmlformats.org/markup-compatibility/2006">
+<file path=ppt/notesSlides/notesSlide7.xml><?xml version="1.0" encoding="utf-8"?>
+<p:notes xmlns:a="http://schemas.openxmlformats.org/drawingml/2006/main" xmlns:r="http://schemas.openxmlformats.org/officeDocument/2006/relationships" xmlns:p="http://schemas.openxmlformats.org/presentationml/2006/main">
   <p:cSld>
     <p:spTree>
       <p:nvGrpSpPr>
@@ -878,9 +1246,9 @@
       </p:grpSpPr>
       <p:sp>
         <p:nvSpPr>
-          <p:cNvPr id="78" name="PlaceHolder 1"/>
-          <p:cNvSpPr>
-            <a:spLocks noGrp="1"/>
+          <p:cNvPr id="81" name="PlaceHolder 1"/>
+          <p:cNvSpPr>
+            <a:spLocks noGrp="1" noRot="1" noChangeAspect="1"/>
           </p:cNvSpPr>
           <p:nvPr>
             <p:ph type="sldImg"/>
@@ -889,16 +1257,16 @@
         <p:spPr>
           <a:xfrm>
             <a:off x="685800" y="1143000"/>
-            <a:ext cx="5485680" cy="3085560"/>
-          </a:xfrm>
-          <a:prstGeom prst="rect">
-            <a:avLst/>
-          </a:prstGeom>
-        </p:spPr>
-      </p:sp>
-      <p:sp>
-        <p:nvSpPr>
-          <p:cNvPr id="79" name="PlaceHolder 2"/>
+            <a:ext cx="5486400" cy="3086100"/>
+          </a:xfrm>
+          <a:prstGeom prst="rect">
+            <a:avLst/>
+          </a:prstGeom>
+        </p:spPr>
+      </p:sp>
+      <p:sp>
+        <p:nvSpPr>
+          <p:cNvPr id="82" name="PlaceHolder 2"/>
           <p:cNvSpPr>
             <a:spLocks noGrp="1"/>
           </p:cNvSpPr>
@@ -916,19 +1284,20 @@
           </a:prstGeom>
         </p:spPr>
         <p:txBody>
-          <a:bodyPr lIns="0" rIns="0" tIns="0" bIns="0">
+          <a:bodyPr lIns="0" tIns="0" rIns="0" bIns="0">
             <a:noAutofit/>
           </a:bodyPr>
-          <a:p>
-            <a:endParaRPr b="0" lang="es-ES" sz="2000" spc="-1" strike="noStrike">
-              <a:latin typeface="Arial"/>
-            </a:endParaRPr>
-          </a:p>
-        </p:txBody>
-      </p:sp>
-      <p:sp>
-        <p:nvSpPr>
-          <p:cNvPr id="80" name="CustomShape 3"/>
+          <a:lstStyle/>
+          <a:p>
+            <a:endParaRPr lang="es-ES" sz="2000" b="0" strike="noStrike" spc="-1">
+              <a:latin typeface="Arial"/>
+            </a:endParaRPr>
+          </a:p>
+        </p:txBody>
+      </p:sp>
+      <p:sp>
+        <p:nvSpPr>
+          <p:cNvPr id="83" name="CustomShape 3"/>
           <p:cNvSpPr/>
           <p:nvPr/>
         </p:nvSpPr>
@@ -946,28 +1315,35 @@
           </a:ln>
         </p:spPr>
         <p:style>
-          <a:lnRef idx="0"/>
-          <a:fillRef idx="0"/>
-          <a:effectRef idx="0"/>
+          <a:lnRef idx="0">
+            <a:scrgbClr r="0" g="0" b="0"/>
+          </a:lnRef>
+          <a:fillRef idx="0">
+            <a:scrgbClr r="0" g="0" b="0"/>
+          </a:fillRef>
+          <a:effectRef idx="0">
+            <a:scrgbClr r="0" g="0" b="0"/>
+          </a:effectRef>
           <a:fontRef idx="minor"/>
         </p:style>
         <p:txBody>
-          <a:bodyPr lIns="90000" rIns="90000" tIns="45000" bIns="45000" anchor="b">
+          <a:bodyPr lIns="90000" tIns="45000" rIns="90000" bIns="45000" anchor="b">
             <a:noAutofit/>
           </a:bodyPr>
+          <a:lstStyle/>
           <a:p>
             <a:pPr algn="r">
               <a:lnSpc>
                 <a:spcPct val="100000"/>
               </a:lnSpc>
             </a:pPr>
-            <a:fld id="{6E1AF952-0FE6-4DF9-BA0E-648E9E672B23}" type="slidenum">
-              <a:rPr b="0" lang="es-ES" sz="1200" spc="-1" strike="noStrike">
+            <a:fld id="{D6C2F625-2F02-4AA2-B992-057D0F957DD5}" type="slidenum">
+              <a:rPr lang="es-ES" sz="1200" b="0" strike="noStrike" spc="-1">
                 <a:latin typeface="Times New Roman"/>
               </a:rPr>
-              <a:t>&lt;número&gt;</a:t>
+              <a:t>7</a:t>
             </a:fld>
-            <a:endParaRPr b="0" lang="es-ES" sz="1200" spc="-1" strike="noStrike">
+            <a:endParaRPr lang="es-ES" sz="1200" b="0" strike="noStrike" spc="-1">
               <a:latin typeface="Arial"/>
             </a:endParaRPr>
           </a:p>
@@ -975,11 +1351,14 @@
       </p:sp>
     </p:spTree>
   </p:cSld>
+  <p:clrMapOvr>
+    <a:masterClrMapping/>
+  </p:clrMapOvr>
 </p:notes>
 </file>
 
-<file path=ppt/notesSlides/notesSlide7.xml><?xml version="1.0" encoding="utf-8"?>
-<p:notes xmlns:a="http://schemas.openxmlformats.org/drawingml/2006/main" xmlns:p="http://schemas.openxmlformats.org/presentationml/2006/main" xmlns:r="http://schemas.openxmlformats.org/officeDocument/2006/relationships" xmlns:p14="http://schemas.microsoft.com/office/powerpoint/2010/main" xmlns:p15="http://schemas.microsoft.com/office/powerpoint/2012/main" xmlns:mc="http://schemas.openxmlformats.org/markup-compatibility/2006">
+<file path=ppt/notesSlides/notesSlide8.xml><?xml version="1.0" encoding="utf-8"?>
+<p:notes xmlns:a="http://schemas.openxmlformats.org/drawingml/2006/main" xmlns:r="http://schemas.openxmlformats.org/officeDocument/2006/relationships" xmlns:p="http://schemas.openxmlformats.org/presentationml/2006/main">
   <p:cSld>
     <p:spTree>
       <p:nvGrpSpPr>
@@ -997,9 +1376,9 @@
       </p:grpSpPr>
       <p:sp>
         <p:nvSpPr>
-          <p:cNvPr id="81" name="PlaceHolder 1"/>
-          <p:cNvSpPr>
-            <a:spLocks noGrp="1"/>
+          <p:cNvPr id="84" name="PlaceHolder 1"/>
+          <p:cNvSpPr>
+            <a:spLocks noGrp="1" noRot="1" noChangeAspect="1"/>
           </p:cNvSpPr>
           <p:nvPr>
             <p:ph type="sldImg"/>
@@ -1017,7 +1396,7 @@
       </p:sp>
       <p:sp>
         <p:nvSpPr>
-          <p:cNvPr id="82" name="PlaceHolder 2"/>
+          <p:cNvPr id="85" name="PlaceHolder 2"/>
           <p:cNvSpPr>
             <a:spLocks noGrp="1"/>
           </p:cNvSpPr>
@@ -1035,19 +1414,20 @@
           </a:prstGeom>
         </p:spPr>
         <p:txBody>
-          <a:bodyPr lIns="0" rIns="0" tIns="0" bIns="0">
+          <a:bodyPr lIns="0" tIns="0" rIns="0" bIns="0">
             <a:noAutofit/>
           </a:bodyPr>
-          <a:p>
-            <a:endParaRPr b="0" lang="es-ES" sz="2000" spc="-1" strike="noStrike">
-              <a:latin typeface="Arial"/>
-            </a:endParaRPr>
-          </a:p>
-        </p:txBody>
-      </p:sp>
-      <p:sp>
-        <p:nvSpPr>
-          <p:cNvPr id="83" name="CustomShape 3"/>
+          <a:lstStyle/>
+          <a:p>
+            <a:endParaRPr lang="es-ES" sz="2000" b="0" strike="noStrike" spc="-1">
+              <a:latin typeface="Arial"/>
+            </a:endParaRPr>
+          </a:p>
+        </p:txBody>
+      </p:sp>
+      <p:sp>
+        <p:nvSpPr>
+          <p:cNvPr id="86" name="CustomShape 3"/>
           <p:cNvSpPr/>
           <p:nvPr/>
         </p:nvSpPr>
@@ -1065,134 +1445,22 @@
           </a:ln>
         </p:spPr>
         <p:style>
-          <a:lnRef idx="0"/>
-          <a:fillRef idx="0"/>
-          <a:effectRef idx="0"/>
+          <a:lnRef idx="0">
+            <a:scrgbClr r="0" g="0" b="0"/>
+          </a:lnRef>
+          <a:fillRef idx="0">
+            <a:scrgbClr r="0" g="0" b="0"/>
+          </a:fillRef>
+          <a:effectRef idx="0">
+            <a:scrgbClr r="0" g="0" b="0"/>
+          </a:effectRef>
           <a:fontRef idx="minor"/>
         </p:style>
         <p:txBody>
-          <a:bodyPr lIns="90000" rIns="90000" tIns="45000" bIns="45000" anchor="b">
+          <a:bodyPr lIns="90000" tIns="45000" rIns="90000" bIns="45000" anchor="b">
             <a:noAutofit/>
           </a:bodyPr>
-          <a:p>
-            <a:pPr algn="r">
-              <a:lnSpc>
-                <a:spcPct val="100000"/>
-              </a:lnSpc>
-            </a:pPr>
-            <a:fld id="{D6C2F625-2F02-4AA2-B992-057D0F957DD5}" type="slidenum">
-              <a:rPr b="0" lang="es-ES" sz="1200" spc="-1" strike="noStrike">
-                <a:latin typeface="Times New Roman"/>
-              </a:rPr>
-              <a:t>&lt;número&gt;</a:t>
-            </a:fld>
-            <a:endParaRPr b="0" lang="es-ES" sz="1200" spc="-1" strike="noStrike">
-              <a:latin typeface="Arial"/>
-            </a:endParaRPr>
-          </a:p>
-        </p:txBody>
-      </p:sp>
-    </p:spTree>
-  </p:cSld>
-</p:notes>
-</file>
-
-<file path=ppt/notesSlides/notesSlide8.xml><?xml version="1.0" encoding="utf-8"?>
-<p:notes xmlns:a="http://schemas.openxmlformats.org/drawingml/2006/main" xmlns:p="http://schemas.openxmlformats.org/presentationml/2006/main" xmlns:r="http://schemas.openxmlformats.org/officeDocument/2006/relationships" xmlns:p14="http://schemas.microsoft.com/office/powerpoint/2010/main" xmlns:p15="http://schemas.microsoft.com/office/powerpoint/2012/main" xmlns:mc="http://schemas.openxmlformats.org/markup-compatibility/2006">
-  <p:cSld>
-    <p:spTree>
-      <p:nvGrpSpPr>
-        <p:cNvPr id="1" name=""/>
-        <p:cNvGrpSpPr/>
-        <p:nvPr/>
-      </p:nvGrpSpPr>
-      <p:grpSpPr>
-        <a:xfrm>
-          <a:off x="0" y="0"/>
-          <a:ext cx="0" cy="0"/>
-          <a:chOff x="0" y="0"/>
-          <a:chExt cx="0" cy="0"/>
-        </a:xfrm>
-      </p:grpSpPr>
-      <p:sp>
-        <p:nvSpPr>
-          <p:cNvPr id="84" name="PlaceHolder 1"/>
-          <p:cNvSpPr>
-            <a:spLocks noGrp="1"/>
-          </p:cNvSpPr>
-          <p:nvPr>
-            <p:ph type="sldImg"/>
-          </p:nvPr>
-        </p:nvSpPr>
-        <p:spPr>
-          <a:xfrm>
-            <a:off x="685800" y="1143000"/>
-            <a:ext cx="5485680" cy="3085560"/>
-          </a:xfrm>
-          <a:prstGeom prst="rect">
-            <a:avLst/>
-          </a:prstGeom>
-        </p:spPr>
-      </p:sp>
-      <p:sp>
-        <p:nvSpPr>
-          <p:cNvPr id="85" name="PlaceHolder 2"/>
-          <p:cNvSpPr>
-            <a:spLocks noGrp="1"/>
-          </p:cNvSpPr>
-          <p:nvPr>
-            <p:ph type="body"/>
-          </p:nvPr>
-        </p:nvSpPr>
-        <p:spPr>
-          <a:xfrm>
-            <a:off x="685800" y="4400640"/>
-            <a:ext cx="5485680" cy="3599640"/>
-          </a:xfrm>
-          <a:prstGeom prst="rect">
-            <a:avLst/>
-          </a:prstGeom>
-        </p:spPr>
-        <p:txBody>
-          <a:bodyPr lIns="0" rIns="0" tIns="0" bIns="0">
-            <a:noAutofit/>
-          </a:bodyPr>
-          <a:p>
-            <a:endParaRPr b="0" lang="es-ES" sz="2000" spc="-1" strike="noStrike">
-              <a:latin typeface="Arial"/>
-            </a:endParaRPr>
-          </a:p>
-        </p:txBody>
-      </p:sp>
-      <p:sp>
-        <p:nvSpPr>
-          <p:cNvPr id="86" name="CustomShape 3"/>
-          <p:cNvSpPr/>
-          <p:nvPr/>
-        </p:nvSpPr>
-        <p:spPr>
-          <a:xfrm>
-            <a:off x="3884760" y="8685360"/>
-            <a:ext cx="2971080" cy="457920"/>
-          </a:xfrm>
-          <a:prstGeom prst="rect">
-            <a:avLst/>
-          </a:prstGeom>
-          <a:noFill/>
-          <a:ln w="0">
-            <a:noFill/>
-          </a:ln>
-        </p:spPr>
-        <p:style>
-          <a:lnRef idx="0"/>
-          <a:fillRef idx="0"/>
-          <a:effectRef idx="0"/>
-          <a:fontRef idx="minor"/>
-        </p:style>
-        <p:txBody>
-          <a:bodyPr lIns="90000" rIns="90000" tIns="45000" bIns="45000" anchor="b">
-            <a:noAutofit/>
-          </a:bodyPr>
+          <a:lstStyle/>
           <a:p>
             <a:pPr algn="r">
               <a:lnSpc>
@@ -1200,12 +1468,12 @@
               </a:lnSpc>
             </a:pPr>
             <a:fld id="{4526F11C-7364-4318-AE16-FC04F6DB97FE}" type="slidenum">
-              <a:rPr b="0" lang="es-ES" sz="1200" spc="-1" strike="noStrike">
+              <a:rPr lang="es-ES" sz="1200" b="0" strike="noStrike" spc="-1">
                 <a:latin typeface="Times New Roman"/>
               </a:rPr>
-              <a:t>&lt;número&gt;</a:t>
+              <a:t>8</a:t>
             </a:fld>
-            <a:endParaRPr b="0" lang="es-ES" sz="1200" spc="-1" strike="noStrike">
+            <a:endParaRPr lang="es-ES" sz="1200" b="0" strike="noStrike" spc="-1">
               <a:latin typeface="Arial"/>
             </a:endParaRPr>
           </a:p>
@@ -1213,11 +1481,14 @@
       </p:sp>
     </p:spTree>
   </p:cSld>
+  <p:clrMapOvr>
+    <a:masterClrMapping/>
+  </p:clrMapOvr>
 </p:notes>
 </file>
 
 <file path=ppt/slideLayouts/slideLayout1.xml><?xml version="1.0" encoding="utf-8"?>
-<p:sldLayout xmlns:a="http://schemas.openxmlformats.org/drawingml/2006/main" xmlns:p="http://schemas.openxmlformats.org/presentationml/2006/main" xmlns:r="http://schemas.openxmlformats.org/officeDocument/2006/relationships" xmlns:p14="http://schemas.microsoft.com/office/powerpoint/2010/main" xmlns:p15="http://schemas.microsoft.com/office/powerpoint/2012/main" xmlns:mc="http://schemas.openxmlformats.org/markup-compatibility/2006" type="blank" preserve="1">
+<p:sldLayout xmlns:a="http://schemas.openxmlformats.org/drawingml/2006/main" xmlns:r="http://schemas.openxmlformats.org/officeDocument/2006/relationships" xmlns:p="http://schemas.openxmlformats.org/presentationml/2006/main" type="blank" preserve="1">
   <p:cSld name="Blank Slide">
     <p:spTree>
       <p:nvGrpSpPr>
@@ -1235,11 +1506,14 @@
       </p:grpSpPr>
     </p:spTree>
   </p:cSld>
+  <p:clrMapOvr>
+    <a:masterClrMapping/>
+  </p:clrMapOvr>
 </p:sldLayout>
 </file>
 
 <file path=ppt/slideLayouts/slideLayout10.xml><?xml version="1.0" encoding="utf-8"?>
-<p:sldLayout xmlns:a="http://schemas.openxmlformats.org/drawingml/2006/main" xmlns:p="http://schemas.openxmlformats.org/presentationml/2006/main" xmlns:r="http://schemas.openxmlformats.org/officeDocument/2006/relationships" xmlns:p14="http://schemas.microsoft.com/office/powerpoint/2010/main" xmlns:p15="http://schemas.microsoft.com/office/powerpoint/2012/main" xmlns:mc="http://schemas.openxmlformats.org/markup-compatibility/2006" type="objOverTx" preserve="1">
+<p:sldLayout xmlns:a="http://schemas.openxmlformats.org/drawingml/2006/main" xmlns:r="http://schemas.openxmlformats.org/officeDocument/2006/relationships" xmlns:p="http://schemas.openxmlformats.org/presentationml/2006/main" type="objOverTx" preserve="1">
   <p:cSld name="Title, Content over Content">
     <p:spTree>
       <p:nvGrpSpPr>
@@ -1275,12 +1549,13 @@
           </a:prstGeom>
         </p:spPr>
         <p:txBody>
-          <a:bodyPr lIns="0" rIns="0" tIns="0" bIns="0" anchor="ctr">
+          <a:bodyPr lIns="0" tIns="0" rIns="0" bIns="0" anchor="ctr">
             <a:noAutofit/>
           </a:bodyPr>
+          <a:lstStyle/>
           <a:p>
             <a:pPr algn="ctr"/>
-            <a:endParaRPr b="0" lang="es-ES" sz="4400" spc="-1" strike="noStrike">
+            <a:endParaRPr lang="es-ES" sz="4400" b="0" strike="noStrike" spc="-1">
               <a:latin typeface="Arial"/>
             </a:endParaRPr>
           </a:p>
@@ -1306,11 +1581,12 @@
           </a:prstGeom>
         </p:spPr>
         <p:txBody>
-          <a:bodyPr lIns="0" rIns="0" tIns="0" bIns="0">
+          <a:bodyPr lIns="0" tIns="0" rIns="0" bIns="0">
             <a:normAutofit/>
           </a:bodyPr>
-          <a:p>
-            <a:endParaRPr b="0" lang="es-ES" sz="3200" spc="-1" strike="noStrike">
+          <a:lstStyle/>
+          <a:p>
+            <a:endParaRPr lang="es-ES" sz="3200" b="0" strike="noStrike" spc="-1">
               <a:latin typeface="Arial"/>
             </a:endParaRPr>
           </a:p>
@@ -1336,11 +1612,12 @@
           </a:prstGeom>
         </p:spPr>
         <p:txBody>
-          <a:bodyPr lIns="0" rIns="0" tIns="0" bIns="0">
+          <a:bodyPr lIns="0" tIns="0" rIns="0" bIns="0">
             <a:normAutofit/>
           </a:bodyPr>
-          <a:p>
-            <a:endParaRPr b="0" lang="es-ES" sz="3200" spc="-1" strike="noStrike">
+          <a:lstStyle/>
+          <a:p>
+            <a:endParaRPr lang="es-ES" sz="3200" b="0" strike="noStrike" spc="-1">
               <a:latin typeface="Arial"/>
             </a:endParaRPr>
           </a:p>
@@ -1348,11 +1625,14 @@
       </p:sp>
     </p:spTree>
   </p:cSld>
+  <p:clrMapOvr>
+    <a:masterClrMapping/>
+  </p:clrMapOvr>
 </p:sldLayout>
 </file>
 
 <file path=ppt/slideLayouts/slideLayout11.xml><?xml version="1.0" encoding="utf-8"?>
-<p:sldLayout xmlns:a="http://schemas.openxmlformats.org/drawingml/2006/main" xmlns:p="http://schemas.openxmlformats.org/presentationml/2006/main" xmlns:r="http://schemas.openxmlformats.org/officeDocument/2006/relationships" xmlns:p14="http://schemas.microsoft.com/office/powerpoint/2010/main" xmlns:p15="http://schemas.microsoft.com/office/powerpoint/2012/main" xmlns:mc="http://schemas.openxmlformats.org/markup-compatibility/2006" type="fourObj" preserve="1">
+<p:sldLayout xmlns:a="http://schemas.openxmlformats.org/drawingml/2006/main" xmlns:r="http://schemas.openxmlformats.org/officeDocument/2006/relationships" xmlns:p="http://schemas.openxmlformats.org/presentationml/2006/main" type="fourObj" preserve="1">
   <p:cSld name="Title, 4 Content">
     <p:spTree>
       <p:nvGrpSpPr>
@@ -1388,12 +1668,13 @@
           </a:prstGeom>
         </p:spPr>
         <p:txBody>
-          <a:bodyPr lIns="0" rIns="0" tIns="0" bIns="0" anchor="ctr">
+          <a:bodyPr lIns="0" tIns="0" rIns="0" bIns="0" anchor="ctr">
             <a:noAutofit/>
           </a:bodyPr>
+          <a:lstStyle/>
           <a:p>
             <a:pPr algn="ctr"/>
-            <a:endParaRPr b="0" lang="es-ES" sz="4400" spc="-1" strike="noStrike">
+            <a:endParaRPr lang="es-ES" sz="4400" b="0" strike="noStrike" spc="-1">
               <a:latin typeface="Arial"/>
             </a:endParaRPr>
           </a:p>
@@ -1419,11 +1700,12 @@
           </a:prstGeom>
         </p:spPr>
         <p:txBody>
-          <a:bodyPr lIns="0" rIns="0" tIns="0" bIns="0">
+          <a:bodyPr lIns="0" tIns="0" rIns="0" bIns="0">
             <a:normAutofit fontScale="42000"/>
           </a:bodyPr>
-          <a:p>
-            <a:endParaRPr b="0" lang="es-ES" sz="3200" spc="-1" strike="noStrike">
+          <a:lstStyle/>
+          <a:p>
+            <a:endParaRPr lang="es-ES" sz="3200" b="0" strike="noStrike" spc="-1">
               <a:latin typeface="Arial"/>
             </a:endParaRPr>
           </a:p>
@@ -1449,11 +1731,12 @@
           </a:prstGeom>
         </p:spPr>
         <p:txBody>
-          <a:bodyPr lIns="0" rIns="0" tIns="0" bIns="0">
+          <a:bodyPr lIns="0" tIns="0" rIns="0" bIns="0">
             <a:normAutofit fontScale="42000"/>
           </a:bodyPr>
-          <a:p>
-            <a:endParaRPr b="0" lang="es-ES" sz="3200" spc="-1" strike="noStrike">
+          <a:lstStyle/>
+          <a:p>
+            <a:endParaRPr lang="es-ES" sz="3200" b="0" strike="noStrike" spc="-1">
               <a:latin typeface="Arial"/>
             </a:endParaRPr>
           </a:p>
@@ -1479,11 +1762,12 @@
           </a:prstGeom>
         </p:spPr>
         <p:txBody>
-          <a:bodyPr lIns="0" rIns="0" tIns="0" bIns="0">
+          <a:bodyPr lIns="0" tIns="0" rIns="0" bIns="0">
             <a:normAutofit fontScale="42000"/>
           </a:bodyPr>
-          <a:p>
-            <a:endParaRPr b="0" lang="es-ES" sz="3200" spc="-1" strike="noStrike">
+          <a:lstStyle/>
+          <a:p>
+            <a:endParaRPr lang="es-ES" sz="3200" b="0" strike="noStrike" spc="-1">
               <a:latin typeface="Arial"/>
             </a:endParaRPr>
           </a:p>
@@ -1509,11 +1793,12 @@
           </a:prstGeom>
         </p:spPr>
         <p:txBody>
-          <a:bodyPr lIns="0" rIns="0" tIns="0" bIns="0">
+          <a:bodyPr lIns="0" tIns="0" rIns="0" bIns="0">
             <a:normAutofit fontScale="42000"/>
           </a:bodyPr>
-          <a:p>
-            <a:endParaRPr b="0" lang="es-ES" sz="3200" spc="-1" strike="noStrike">
+          <a:lstStyle/>
+          <a:p>
+            <a:endParaRPr lang="es-ES" sz="3200" b="0" strike="noStrike" spc="-1">
               <a:latin typeface="Arial"/>
             </a:endParaRPr>
           </a:p>
@@ -1521,11 +1806,14 @@
       </p:sp>
     </p:spTree>
   </p:cSld>
+  <p:clrMapOvr>
+    <a:masterClrMapping/>
+  </p:clrMapOvr>
 </p:sldLayout>
 </file>
 
 <file path=ppt/slideLayouts/slideLayout12.xml><?xml version="1.0" encoding="utf-8"?>
-<p:sldLayout xmlns:a="http://schemas.openxmlformats.org/drawingml/2006/main" xmlns:p="http://schemas.openxmlformats.org/presentationml/2006/main" xmlns:r="http://schemas.openxmlformats.org/officeDocument/2006/relationships" xmlns:p14="http://schemas.microsoft.com/office/powerpoint/2010/main" xmlns:p15="http://schemas.microsoft.com/office/powerpoint/2012/main" xmlns:mc="http://schemas.openxmlformats.org/markup-compatibility/2006" type="blank" preserve="1">
+<p:sldLayout xmlns:a="http://schemas.openxmlformats.org/drawingml/2006/main" xmlns:r="http://schemas.openxmlformats.org/officeDocument/2006/relationships" xmlns:p="http://schemas.openxmlformats.org/presentationml/2006/main" type="blank" preserve="1">
   <p:cSld name="Title, 6 Content">
     <p:spTree>
       <p:nvGrpSpPr>
@@ -1561,12 +1849,13 @@
           </a:prstGeom>
         </p:spPr>
         <p:txBody>
-          <a:bodyPr lIns="0" rIns="0" tIns="0" bIns="0" anchor="ctr">
+          <a:bodyPr lIns="0" tIns="0" rIns="0" bIns="0" anchor="ctr">
             <a:noAutofit/>
           </a:bodyPr>
+          <a:lstStyle/>
           <a:p>
             <a:pPr algn="ctr"/>
-            <a:endParaRPr b="0" lang="es-ES" sz="4400" spc="-1" strike="noStrike">
+            <a:endParaRPr lang="es-ES" sz="4400" b="0" strike="noStrike" spc="-1">
               <a:latin typeface="Arial"/>
             </a:endParaRPr>
           </a:p>
@@ -1592,11 +1881,12 @@
           </a:prstGeom>
         </p:spPr>
         <p:txBody>
-          <a:bodyPr lIns="0" rIns="0" tIns="0" bIns="0">
+          <a:bodyPr lIns="0" tIns="0" rIns="0" bIns="0">
             <a:normAutofit fontScale="16000"/>
           </a:bodyPr>
-          <a:p>
-            <a:endParaRPr b="0" lang="es-ES" sz="3200" spc="-1" strike="noStrike">
+          <a:lstStyle/>
+          <a:p>
+            <a:endParaRPr lang="es-ES" sz="3200" b="0" strike="noStrike" spc="-1">
               <a:latin typeface="Arial"/>
             </a:endParaRPr>
           </a:p>
@@ -1622,11 +1912,12 @@
           </a:prstGeom>
         </p:spPr>
         <p:txBody>
-          <a:bodyPr lIns="0" rIns="0" tIns="0" bIns="0">
+          <a:bodyPr lIns="0" tIns="0" rIns="0" bIns="0">
             <a:normAutofit fontScale="16000"/>
           </a:bodyPr>
-          <a:p>
-            <a:endParaRPr b="0" lang="es-ES" sz="3200" spc="-1" strike="noStrike">
+          <a:lstStyle/>
+          <a:p>
+            <a:endParaRPr lang="es-ES" sz="3200" b="0" strike="noStrike" spc="-1">
               <a:latin typeface="Arial"/>
             </a:endParaRPr>
           </a:p>
@@ -1652,11 +1943,12 @@
           </a:prstGeom>
         </p:spPr>
         <p:txBody>
-          <a:bodyPr lIns="0" rIns="0" tIns="0" bIns="0">
+          <a:bodyPr lIns="0" tIns="0" rIns="0" bIns="0">
             <a:normAutofit fontScale="16000"/>
           </a:bodyPr>
-          <a:p>
-            <a:endParaRPr b="0" lang="es-ES" sz="3200" spc="-1" strike="noStrike">
+          <a:lstStyle/>
+          <a:p>
+            <a:endParaRPr lang="es-ES" sz="3200" b="0" strike="noStrike" spc="-1">
               <a:latin typeface="Arial"/>
             </a:endParaRPr>
           </a:p>
@@ -1682,11 +1974,12 @@
           </a:prstGeom>
         </p:spPr>
         <p:txBody>
-          <a:bodyPr lIns="0" rIns="0" tIns="0" bIns="0">
+          <a:bodyPr lIns="0" tIns="0" rIns="0" bIns="0">
             <a:normAutofit fontScale="16000"/>
           </a:bodyPr>
-          <a:p>
-            <a:endParaRPr b="0" lang="es-ES" sz="3200" spc="-1" strike="noStrike">
+          <a:lstStyle/>
+          <a:p>
+            <a:endParaRPr lang="es-ES" sz="3200" b="0" strike="noStrike" spc="-1">
               <a:latin typeface="Arial"/>
             </a:endParaRPr>
           </a:p>
@@ -1712,11 +2005,12 @@
           </a:prstGeom>
         </p:spPr>
         <p:txBody>
-          <a:bodyPr lIns="0" rIns="0" tIns="0" bIns="0">
+          <a:bodyPr lIns="0" tIns="0" rIns="0" bIns="0">
             <a:normAutofit fontScale="16000"/>
           </a:bodyPr>
-          <a:p>
-            <a:endParaRPr b="0" lang="es-ES" sz="3200" spc="-1" strike="noStrike">
+          <a:lstStyle/>
+          <a:p>
+            <a:endParaRPr lang="es-ES" sz="3200" b="0" strike="noStrike" spc="-1">
               <a:latin typeface="Arial"/>
             </a:endParaRPr>
           </a:p>
@@ -1742,11 +2036,12 @@
           </a:prstGeom>
         </p:spPr>
         <p:txBody>
-          <a:bodyPr lIns="0" rIns="0" tIns="0" bIns="0">
+          <a:bodyPr lIns="0" tIns="0" rIns="0" bIns="0">
             <a:normAutofit fontScale="16000"/>
           </a:bodyPr>
-          <a:p>
-            <a:endParaRPr b="0" lang="es-ES" sz="3200" spc="-1" strike="noStrike">
+          <a:lstStyle/>
+          <a:p>
+            <a:endParaRPr lang="es-ES" sz="3200" b="0" strike="noStrike" spc="-1">
               <a:latin typeface="Arial"/>
             </a:endParaRPr>
           </a:p>
@@ -1754,11 +2049,14 @@
       </p:sp>
     </p:spTree>
   </p:cSld>
+  <p:clrMapOvr>
+    <a:masterClrMapping/>
+  </p:clrMapOvr>
 </p:sldLayout>
 </file>
 
 <file path=ppt/slideLayouts/slideLayout2.xml><?xml version="1.0" encoding="utf-8"?>
-<p:sldLayout xmlns:a="http://schemas.openxmlformats.org/drawingml/2006/main" xmlns:p="http://schemas.openxmlformats.org/presentationml/2006/main" xmlns:r="http://schemas.openxmlformats.org/officeDocument/2006/relationships" xmlns:p14="http://schemas.microsoft.com/office/powerpoint/2010/main" xmlns:p15="http://schemas.microsoft.com/office/powerpoint/2012/main" xmlns:mc="http://schemas.openxmlformats.org/markup-compatibility/2006" type="tx" preserve="1">
+<p:sldLayout xmlns:a="http://schemas.openxmlformats.org/drawingml/2006/main" xmlns:r="http://schemas.openxmlformats.org/officeDocument/2006/relationships" xmlns:p="http://schemas.openxmlformats.org/presentationml/2006/main" type="tx" preserve="1">
   <p:cSld name="Title Slide">
     <p:spTree>
       <p:nvGrpSpPr>
@@ -1794,12 +2092,13 @@
           </a:prstGeom>
         </p:spPr>
         <p:txBody>
-          <a:bodyPr lIns="0" rIns="0" tIns="0" bIns="0" anchor="ctr">
+          <a:bodyPr lIns="0" tIns="0" rIns="0" bIns="0" anchor="ctr">
             <a:noAutofit/>
           </a:bodyPr>
+          <a:lstStyle/>
           <a:p>
             <a:pPr algn="ctr"/>
-            <a:endParaRPr b="0" lang="es-ES" sz="4400" spc="-1" strike="noStrike">
+            <a:endParaRPr lang="es-ES" sz="4400" b="0" strike="noStrike" spc="-1">
               <a:latin typeface="Arial"/>
             </a:endParaRPr>
           </a:p>
@@ -1825,12 +2124,13 @@
           </a:prstGeom>
         </p:spPr>
         <p:txBody>
-          <a:bodyPr lIns="0" rIns="0" tIns="0" bIns="0" anchor="ctr">
+          <a:bodyPr lIns="0" tIns="0" rIns="0" bIns="0" anchor="ctr">
             <a:noAutofit/>
           </a:bodyPr>
+          <a:lstStyle/>
           <a:p>
             <a:pPr algn="ctr"/>
-            <a:endParaRPr b="0" lang="es-ES" sz="3200" spc="-1" strike="noStrike">
+            <a:endParaRPr lang="es-ES" sz="3200" b="0" strike="noStrike" spc="-1">
               <a:latin typeface="Arial"/>
             </a:endParaRPr>
           </a:p>
@@ -1838,11 +2138,14 @@
       </p:sp>
     </p:spTree>
   </p:cSld>
+  <p:clrMapOvr>
+    <a:masterClrMapping/>
+  </p:clrMapOvr>
 </p:sldLayout>
 </file>
 
 <file path=ppt/slideLayouts/slideLayout3.xml><?xml version="1.0" encoding="utf-8"?>
-<p:sldLayout xmlns:a="http://schemas.openxmlformats.org/drawingml/2006/main" xmlns:p="http://schemas.openxmlformats.org/presentationml/2006/main" xmlns:r="http://schemas.openxmlformats.org/officeDocument/2006/relationships" xmlns:p14="http://schemas.microsoft.com/office/powerpoint/2010/main" xmlns:p15="http://schemas.microsoft.com/office/powerpoint/2012/main" xmlns:mc="http://schemas.openxmlformats.org/markup-compatibility/2006" type="obj" preserve="1">
+<p:sldLayout xmlns:a="http://schemas.openxmlformats.org/drawingml/2006/main" xmlns:r="http://schemas.openxmlformats.org/officeDocument/2006/relationships" xmlns:p="http://schemas.openxmlformats.org/presentationml/2006/main" type="obj" preserve="1">
   <p:cSld name="Title, Content">
     <p:spTree>
       <p:nvGrpSpPr>
@@ -1878,12 +2181,13 @@
           </a:prstGeom>
         </p:spPr>
         <p:txBody>
-          <a:bodyPr lIns="0" rIns="0" tIns="0" bIns="0" anchor="ctr">
+          <a:bodyPr lIns="0" tIns="0" rIns="0" bIns="0" anchor="ctr">
             <a:noAutofit/>
           </a:bodyPr>
+          <a:lstStyle/>
           <a:p>
             <a:pPr algn="ctr"/>
-            <a:endParaRPr b="0" lang="es-ES" sz="4400" spc="-1" strike="noStrike">
+            <a:endParaRPr lang="es-ES" sz="4400" b="0" strike="noStrike" spc="-1">
               <a:latin typeface="Arial"/>
             </a:endParaRPr>
           </a:p>
@@ -1909,11 +2213,12 @@
           </a:prstGeom>
         </p:spPr>
         <p:txBody>
-          <a:bodyPr lIns="0" rIns="0" tIns="0" bIns="0">
+          <a:bodyPr lIns="0" tIns="0" rIns="0" bIns="0">
             <a:normAutofit/>
           </a:bodyPr>
-          <a:p>
-            <a:endParaRPr b="0" lang="es-ES" sz="3200" spc="-1" strike="noStrike">
+          <a:lstStyle/>
+          <a:p>
+            <a:endParaRPr lang="es-ES" sz="3200" b="0" strike="noStrike" spc="-1">
               <a:latin typeface="Arial"/>
             </a:endParaRPr>
           </a:p>
@@ -1921,11 +2226,14 @@
       </p:sp>
     </p:spTree>
   </p:cSld>
+  <p:clrMapOvr>
+    <a:masterClrMapping/>
+  </p:clrMapOvr>
 </p:sldLayout>
 </file>
 
 <file path=ppt/slideLayouts/slideLayout4.xml><?xml version="1.0" encoding="utf-8"?>
-<p:sldLayout xmlns:a="http://schemas.openxmlformats.org/drawingml/2006/main" xmlns:p="http://schemas.openxmlformats.org/presentationml/2006/main" xmlns:r="http://schemas.openxmlformats.org/officeDocument/2006/relationships" xmlns:p14="http://schemas.microsoft.com/office/powerpoint/2010/main" xmlns:p15="http://schemas.microsoft.com/office/powerpoint/2012/main" xmlns:mc="http://schemas.openxmlformats.org/markup-compatibility/2006" type="twoObj" preserve="1">
+<p:sldLayout xmlns:a="http://schemas.openxmlformats.org/drawingml/2006/main" xmlns:r="http://schemas.openxmlformats.org/officeDocument/2006/relationships" xmlns:p="http://schemas.openxmlformats.org/presentationml/2006/main" type="twoObj" preserve="1">
   <p:cSld name="Title, 2 Content">
     <p:spTree>
       <p:nvGrpSpPr>
@@ -1961,12 +2269,13 @@
           </a:prstGeom>
         </p:spPr>
         <p:txBody>
-          <a:bodyPr lIns="0" rIns="0" tIns="0" bIns="0" anchor="ctr">
+          <a:bodyPr lIns="0" tIns="0" rIns="0" bIns="0" anchor="ctr">
             <a:noAutofit/>
           </a:bodyPr>
+          <a:lstStyle/>
           <a:p>
             <a:pPr algn="ctr"/>
-            <a:endParaRPr b="0" lang="es-ES" sz="4400" spc="-1" strike="noStrike">
+            <a:endParaRPr lang="es-ES" sz="4400" b="0" strike="noStrike" spc="-1">
               <a:latin typeface="Arial"/>
             </a:endParaRPr>
           </a:p>
@@ -1992,11 +2301,12 @@
           </a:prstGeom>
         </p:spPr>
         <p:txBody>
-          <a:bodyPr lIns="0" rIns="0" tIns="0" bIns="0">
+          <a:bodyPr lIns="0" tIns="0" rIns="0" bIns="0">
             <a:normAutofit/>
           </a:bodyPr>
-          <a:p>
-            <a:endParaRPr b="0" lang="es-ES" sz="3200" spc="-1" strike="noStrike">
+          <a:lstStyle/>
+          <a:p>
+            <a:endParaRPr lang="es-ES" sz="3200" b="0" strike="noStrike" spc="-1">
               <a:latin typeface="Arial"/>
             </a:endParaRPr>
           </a:p>
@@ -2022,11 +2332,12 @@
           </a:prstGeom>
         </p:spPr>
         <p:txBody>
-          <a:bodyPr lIns="0" rIns="0" tIns="0" bIns="0">
+          <a:bodyPr lIns="0" tIns="0" rIns="0" bIns="0">
             <a:normAutofit/>
           </a:bodyPr>
-          <a:p>
-            <a:endParaRPr b="0" lang="es-ES" sz="3200" spc="-1" strike="noStrike">
+          <a:lstStyle/>
+          <a:p>
+            <a:endParaRPr lang="es-ES" sz="3200" b="0" strike="noStrike" spc="-1">
               <a:latin typeface="Arial"/>
             </a:endParaRPr>
           </a:p>
@@ -2034,11 +2345,14 @@
       </p:sp>
     </p:spTree>
   </p:cSld>
+  <p:clrMapOvr>
+    <a:masterClrMapping/>
+  </p:clrMapOvr>
 </p:sldLayout>
 </file>
 
 <file path=ppt/slideLayouts/slideLayout5.xml><?xml version="1.0" encoding="utf-8"?>
-<p:sldLayout xmlns:a="http://schemas.openxmlformats.org/drawingml/2006/main" xmlns:p="http://schemas.openxmlformats.org/presentationml/2006/main" xmlns:r="http://schemas.openxmlformats.org/officeDocument/2006/relationships" xmlns:p14="http://schemas.microsoft.com/office/powerpoint/2010/main" xmlns:p15="http://schemas.microsoft.com/office/powerpoint/2012/main" xmlns:mc="http://schemas.openxmlformats.org/markup-compatibility/2006" type="titleOnly" preserve="1">
+<p:sldLayout xmlns:a="http://schemas.openxmlformats.org/drawingml/2006/main" xmlns:r="http://schemas.openxmlformats.org/officeDocument/2006/relationships" xmlns:p="http://schemas.openxmlformats.org/presentationml/2006/main" type="titleOnly" preserve="1">
   <p:cSld name="Title Only">
     <p:spTree>
       <p:nvGrpSpPr>
@@ -2074,12 +2388,13 @@
           </a:prstGeom>
         </p:spPr>
         <p:txBody>
-          <a:bodyPr lIns="0" rIns="0" tIns="0" bIns="0" anchor="ctr">
+          <a:bodyPr lIns="0" tIns="0" rIns="0" bIns="0" anchor="ctr">
             <a:noAutofit/>
           </a:bodyPr>
+          <a:lstStyle/>
           <a:p>
             <a:pPr algn="ctr"/>
-            <a:endParaRPr b="0" lang="es-ES" sz="4400" spc="-1" strike="noStrike">
+            <a:endParaRPr lang="es-ES" sz="4400" b="0" strike="noStrike" spc="-1">
               <a:latin typeface="Arial"/>
             </a:endParaRPr>
           </a:p>
@@ -2087,11 +2402,14 @@
       </p:sp>
     </p:spTree>
   </p:cSld>
+  <p:clrMapOvr>
+    <a:masterClrMapping/>
+  </p:clrMapOvr>
 </p:sldLayout>
 </file>
 
 <file path=ppt/slideLayouts/slideLayout6.xml><?xml version="1.0" encoding="utf-8"?>
-<p:sldLayout xmlns:a="http://schemas.openxmlformats.org/drawingml/2006/main" xmlns:p="http://schemas.openxmlformats.org/presentationml/2006/main" xmlns:r="http://schemas.openxmlformats.org/officeDocument/2006/relationships" xmlns:p14="http://schemas.microsoft.com/office/powerpoint/2010/main" xmlns:p15="http://schemas.microsoft.com/office/powerpoint/2012/main" xmlns:mc="http://schemas.openxmlformats.org/markup-compatibility/2006" type="objOnly" preserve="1">
+<p:sldLayout xmlns:a="http://schemas.openxmlformats.org/drawingml/2006/main" xmlns:r="http://schemas.openxmlformats.org/officeDocument/2006/relationships" xmlns:p="http://schemas.openxmlformats.org/presentationml/2006/main" type="objOnly" preserve="1">
   <p:cSld name="Centered Text">
     <p:spTree>
       <p:nvGrpSpPr>
@@ -2127,12 +2445,13 @@
           </a:prstGeom>
         </p:spPr>
         <p:txBody>
-          <a:bodyPr lIns="0" rIns="0" tIns="0" bIns="0" anchor="ctr">
+          <a:bodyPr lIns="0" tIns="0" rIns="0" bIns="0" anchor="ctr">
             <a:noAutofit/>
           </a:bodyPr>
+          <a:lstStyle/>
           <a:p>
             <a:pPr algn="ctr"/>
-            <a:endParaRPr b="0" lang="es-ES" sz="3200" spc="-1" strike="noStrike">
+            <a:endParaRPr lang="es-ES" sz="3200" b="0" strike="noStrike" spc="-1">
               <a:latin typeface="Arial"/>
             </a:endParaRPr>
           </a:p>
@@ -2140,11 +2459,14 @@
       </p:sp>
     </p:spTree>
   </p:cSld>
+  <p:clrMapOvr>
+    <a:masterClrMapping/>
+  </p:clrMapOvr>
 </p:sldLayout>
 </file>
 
 <file path=ppt/slideLayouts/slideLayout7.xml><?xml version="1.0" encoding="utf-8"?>
-<p:sldLayout xmlns:a="http://schemas.openxmlformats.org/drawingml/2006/main" xmlns:p="http://schemas.openxmlformats.org/presentationml/2006/main" xmlns:r="http://schemas.openxmlformats.org/officeDocument/2006/relationships" xmlns:p14="http://schemas.microsoft.com/office/powerpoint/2010/main" xmlns:p15="http://schemas.microsoft.com/office/powerpoint/2012/main" xmlns:mc="http://schemas.openxmlformats.org/markup-compatibility/2006" type="twoObjAndObj" preserve="1">
+<p:sldLayout xmlns:a="http://schemas.openxmlformats.org/drawingml/2006/main" xmlns:r="http://schemas.openxmlformats.org/officeDocument/2006/relationships" xmlns:p="http://schemas.openxmlformats.org/presentationml/2006/main" type="twoObjAndObj" preserve="1">
   <p:cSld name="Title, 2 Content and Content">
     <p:spTree>
       <p:nvGrpSpPr>
@@ -2180,12 +2502,13 @@
           </a:prstGeom>
         </p:spPr>
         <p:txBody>
-          <a:bodyPr lIns="0" rIns="0" tIns="0" bIns="0" anchor="ctr">
+          <a:bodyPr lIns="0" tIns="0" rIns="0" bIns="0" anchor="ctr">
             <a:noAutofit/>
           </a:bodyPr>
+          <a:lstStyle/>
           <a:p>
             <a:pPr algn="ctr"/>
-            <a:endParaRPr b="0" lang="es-ES" sz="4400" spc="-1" strike="noStrike">
+            <a:endParaRPr lang="es-ES" sz="4400" b="0" strike="noStrike" spc="-1">
               <a:latin typeface="Arial"/>
             </a:endParaRPr>
           </a:p>
@@ -2211,11 +2534,12 @@
           </a:prstGeom>
         </p:spPr>
         <p:txBody>
-          <a:bodyPr lIns="0" rIns="0" tIns="0" bIns="0">
+          <a:bodyPr lIns="0" tIns="0" rIns="0" bIns="0">
             <a:normAutofit fontScale="42000"/>
           </a:bodyPr>
-          <a:p>
-            <a:endParaRPr b="0" lang="es-ES" sz="3200" spc="-1" strike="noStrike">
+          <a:lstStyle/>
+          <a:p>
+            <a:endParaRPr lang="es-ES" sz="3200" b="0" strike="noStrike" spc="-1">
               <a:latin typeface="Arial"/>
             </a:endParaRPr>
           </a:p>
@@ -2241,11 +2565,12 @@
           </a:prstGeom>
         </p:spPr>
         <p:txBody>
-          <a:bodyPr lIns="0" rIns="0" tIns="0" bIns="0">
+          <a:bodyPr lIns="0" tIns="0" rIns="0" bIns="0">
             <a:normAutofit/>
           </a:bodyPr>
-          <a:p>
-            <a:endParaRPr b="0" lang="es-ES" sz="3200" spc="-1" strike="noStrike">
+          <a:lstStyle/>
+          <a:p>
+            <a:endParaRPr lang="es-ES" sz="3200" b="0" strike="noStrike" spc="-1">
               <a:latin typeface="Arial"/>
             </a:endParaRPr>
           </a:p>
@@ -2271,11 +2596,12 @@
           </a:prstGeom>
         </p:spPr>
         <p:txBody>
-          <a:bodyPr lIns="0" rIns="0" tIns="0" bIns="0">
+          <a:bodyPr lIns="0" tIns="0" rIns="0" bIns="0">
             <a:normAutofit fontScale="42000"/>
           </a:bodyPr>
-          <a:p>
-            <a:endParaRPr b="0" lang="es-ES" sz="3200" spc="-1" strike="noStrike">
+          <a:lstStyle/>
+          <a:p>
+            <a:endParaRPr lang="es-ES" sz="3200" b="0" strike="noStrike" spc="-1">
               <a:latin typeface="Arial"/>
             </a:endParaRPr>
           </a:p>
@@ -2283,11 +2609,14 @@
       </p:sp>
     </p:spTree>
   </p:cSld>
+  <p:clrMapOvr>
+    <a:masterClrMapping/>
+  </p:clrMapOvr>
 </p:sldLayout>
 </file>
 
 <file path=ppt/slideLayouts/slideLayout8.xml><?xml version="1.0" encoding="utf-8"?>
-<p:sldLayout xmlns:a="http://schemas.openxmlformats.org/drawingml/2006/main" xmlns:p="http://schemas.openxmlformats.org/presentationml/2006/main" xmlns:r="http://schemas.openxmlformats.org/officeDocument/2006/relationships" xmlns:p14="http://schemas.microsoft.com/office/powerpoint/2010/main" xmlns:p15="http://schemas.microsoft.com/office/powerpoint/2012/main" xmlns:mc="http://schemas.openxmlformats.org/markup-compatibility/2006" type="objAndTwoObj" preserve="1">
+<p:sldLayout xmlns:a="http://schemas.openxmlformats.org/drawingml/2006/main" xmlns:r="http://schemas.openxmlformats.org/officeDocument/2006/relationships" xmlns:p="http://schemas.openxmlformats.org/presentationml/2006/main" type="objAndTwoObj" preserve="1">
   <p:cSld name="Title Content and 2 Content">
     <p:spTree>
       <p:nvGrpSpPr>
@@ -2323,12 +2652,13 @@
           </a:prstGeom>
         </p:spPr>
         <p:txBody>
-          <a:bodyPr lIns="0" rIns="0" tIns="0" bIns="0" anchor="ctr">
+          <a:bodyPr lIns="0" tIns="0" rIns="0" bIns="0" anchor="ctr">
             <a:noAutofit/>
           </a:bodyPr>
+          <a:lstStyle/>
           <a:p>
             <a:pPr algn="ctr"/>
-            <a:endParaRPr b="0" lang="es-ES" sz="4400" spc="-1" strike="noStrike">
+            <a:endParaRPr lang="es-ES" sz="4400" b="0" strike="noStrike" spc="-1">
               <a:latin typeface="Arial"/>
             </a:endParaRPr>
           </a:p>
@@ -2354,11 +2684,12 @@
           </a:prstGeom>
         </p:spPr>
         <p:txBody>
-          <a:bodyPr lIns="0" rIns="0" tIns="0" bIns="0">
+          <a:bodyPr lIns="0" tIns="0" rIns="0" bIns="0">
             <a:normAutofit/>
           </a:bodyPr>
-          <a:p>
-            <a:endParaRPr b="0" lang="es-ES" sz="3200" spc="-1" strike="noStrike">
+          <a:lstStyle/>
+          <a:p>
+            <a:endParaRPr lang="es-ES" sz="3200" b="0" strike="noStrike" spc="-1">
               <a:latin typeface="Arial"/>
             </a:endParaRPr>
           </a:p>
@@ -2384,11 +2715,12 @@
           </a:prstGeom>
         </p:spPr>
         <p:txBody>
-          <a:bodyPr lIns="0" rIns="0" tIns="0" bIns="0">
+          <a:bodyPr lIns="0" tIns="0" rIns="0" bIns="0">
             <a:normAutofit fontScale="42000"/>
           </a:bodyPr>
-          <a:p>
-            <a:endParaRPr b="0" lang="es-ES" sz="3200" spc="-1" strike="noStrike">
+          <a:lstStyle/>
+          <a:p>
+            <a:endParaRPr lang="es-ES" sz="3200" b="0" strike="noStrike" spc="-1">
               <a:latin typeface="Arial"/>
             </a:endParaRPr>
           </a:p>
@@ -2414,11 +2746,12 @@
           </a:prstGeom>
         </p:spPr>
         <p:txBody>
-          <a:bodyPr lIns="0" rIns="0" tIns="0" bIns="0">
+          <a:bodyPr lIns="0" tIns="0" rIns="0" bIns="0">
             <a:normAutofit fontScale="42000"/>
           </a:bodyPr>
-          <a:p>
-            <a:endParaRPr b="0" lang="es-ES" sz="3200" spc="-1" strike="noStrike">
+          <a:lstStyle/>
+          <a:p>
+            <a:endParaRPr lang="es-ES" sz="3200" b="0" strike="noStrike" spc="-1">
               <a:latin typeface="Arial"/>
             </a:endParaRPr>
           </a:p>
@@ -2426,11 +2759,14 @@
       </p:sp>
     </p:spTree>
   </p:cSld>
+  <p:clrMapOvr>
+    <a:masterClrMapping/>
+  </p:clrMapOvr>
 </p:sldLayout>
 </file>
 
 <file path=ppt/slideLayouts/slideLayout9.xml><?xml version="1.0" encoding="utf-8"?>
-<p:sldLayout xmlns:a="http://schemas.openxmlformats.org/drawingml/2006/main" xmlns:p="http://schemas.openxmlformats.org/presentationml/2006/main" xmlns:r="http://schemas.openxmlformats.org/officeDocument/2006/relationships" xmlns:p14="http://schemas.microsoft.com/office/powerpoint/2010/main" xmlns:p15="http://schemas.microsoft.com/office/powerpoint/2012/main" xmlns:mc="http://schemas.openxmlformats.org/markup-compatibility/2006" type="twoObjOverTx" preserve="1">
+<p:sldLayout xmlns:a="http://schemas.openxmlformats.org/drawingml/2006/main" xmlns:r="http://schemas.openxmlformats.org/officeDocument/2006/relationships" xmlns:p="http://schemas.openxmlformats.org/presentationml/2006/main" type="twoObjOverTx" preserve="1">
   <p:cSld name="Title, 2 Content over Content">
     <p:spTree>
       <p:nvGrpSpPr>
@@ -2466,12 +2802,13 @@
           </a:prstGeom>
         </p:spPr>
         <p:txBody>
-          <a:bodyPr lIns="0" rIns="0" tIns="0" bIns="0" anchor="ctr">
+          <a:bodyPr lIns="0" tIns="0" rIns="0" bIns="0" anchor="ctr">
             <a:noAutofit/>
           </a:bodyPr>
+          <a:lstStyle/>
           <a:p>
             <a:pPr algn="ctr"/>
-            <a:endParaRPr b="0" lang="es-ES" sz="4400" spc="-1" strike="noStrike">
+            <a:endParaRPr lang="es-ES" sz="4400" b="0" strike="noStrike" spc="-1">
               <a:latin typeface="Arial"/>
             </a:endParaRPr>
           </a:p>
@@ -2497,11 +2834,12 @@
           </a:prstGeom>
         </p:spPr>
         <p:txBody>
-          <a:bodyPr lIns="0" rIns="0" tIns="0" bIns="0">
+          <a:bodyPr lIns="0" tIns="0" rIns="0" bIns="0">
             <a:normAutofit fontScale="42000"/>
           </a:bodyPr>
-          <a:p>
-            <a:endParaRPr b="0" lang="es-ES" sz="3200" spc="-1" strike="noStrike">
+          <a:lstStyle/>
+          <a:p>
+            <a:endParaRPr lang="es-ES" sz="3200" b="0" strike="noStrike" spc="-1">
               <a:latin typeface="Arial"/>
             </a:endParaRPr>
           </a:p>
@@ -2527,11 +2865,12 @@
           </a:prstGeom>
         </p:spPr>
         <p:txBody>
-          <a:bodyPr lIns="0" rIns="0" tIns="0" bIns="0">
+          <a:bodyPr lIns="0" tIns="0" rIns="0" bIns="0">
             <a:normAutofit fontScale="42000"/>
           </a:bodyPr>
-          <a:p>
-            <a:endParaRPr b="0" lang="es-ES" sz="3200" spc="-1" strike="noStrike">
+          <a:lstStyle/>
+          <a:p>
+            <a:endParaRPr lang="es-ES" sz="3200" b="0" strike="noStrike" spc="-1">
               <a:latin typeface="Arial"/>
             </a:endParaRPr>
           </a:p>
@@ -2557,11 +2896,12 @@
           </a:prstGeom>
         </p:spPr>
         <p:txBody>
-          <a:bodyPr lIns="0" rIns="0" tIns="0" bIns="0">
+          <a:bodyPr lIns="0" tIns="0" rIns="0" bIns="0">
             <a:normAutofit/>
           </a:bodyPr>
-          <a:p>
-            <a:endParaRPr b="0" lang="es-ES" sz="3200" spc="-1" strike="noStrike">
+          <a:lstStyle/>
+          <a:p>
+            <a:endParaRPr lang="es-ES" sz="3200" b="0" strike="noStrike" spc="-1">
               <a:latin typeface="Arial"/>
             </a:endParaRPr>
           </a:p>
@@ -2569,17 +2909,21 @@
       </p:sp>
     </p:spTree>
   </p:cSld>
+  <p:clrMapOvr>
+    <a:masterClrMapping/>
+  </p:clrMapOvr>
 </p:sldLayout>
 </file>
 
 <file path=ppt/slideMasters/slideMaster1.xml><?xml version="1.0" encoding="utf-8"?>
-<p:sldMaster xmlns:a="http://schemas.openxmlformats.org/drawingml/2006/main" xmlns:p="http://schemas.openxmlformats.org/presentationml/2006/main" xmlns:r="http://schemas.openxmlformats.org/officeDocument/2006/relationships" xmlns:p14="http://schemas.microsoft.com/office/powerpoint/2010/main" xmlns:p15="http://schemas.microsoft.com/office/powerpoint/2012/main" xmlns:mc="http://schemas.openxmlformats.org/markup-compatibility/2006">
+<p:sldMaster xmlns:a="http://schemas.openxmlformats.org/drawingml/2006/main" xmlns:r="http://schemas.openxmlformats.org/officeDocument/2006/relationships" xmlns:p="http://schemas.openxmlformats.org/presentationml/2006/main">
   <p:cSld>
     <p:bg>
       <p:bgPr>
         <a:solidFill>
           <a:srgbClr val="000000"/>
         </a:solidFill>
+        <a:effectLst/>
       </p:bgPr>
     </p:bg>
     <p:spTree>
@@ -2598,7 +2942,7 @@
       </p:grpSpPr>
       <p:sp>
         <p:nvSpPr>
-          <p:cNvPr id="0" name="PlaceHolder 1"/>
+          <p:cNvPr id="3" name="PlaceHolder 1"/>
           <p:cNvSpPr>
             <a:spLocks noGrp="1"/>
           </p:cNvSpPr>
@@ -2616,26 +2960,24 @@
           </a:prstGeom>
         </p:spPr>
         <p:txBody>
-          <a:bodyPr lIns="0" rIns="0" tIns="0" bIns="0" anchor="ctr">
+          <a:bodyPr lIns="0" tIns="0" rIns="0" bIns="0" anchor="ctr">
             <a:noAutofit/>
           </a:bodyPr>
+          <a:lstStyle/>
           <a:p>
             <a:pPr algn="ctr"/>
             <a:r>
-              <a:rPr b="0" lang="es-ES" sz="1800" spc="-1" strike="noStrike">
+              <a:rPr lang="es-ES" sz="1800" b="0" strike="noStrike" spc="-1">
                 <a:latin typeface="Arial"/>
               </a:rPr>
               <a:t>Pulse para editar el formato del texto de título</a:t>
             </a:r>
-            <a:endParaRPr b="0" lang="es-ES" sz="1800" spc="-1" strike="noStrike">
-              <a:latin typeface="Arial"/>
-            </a:endParaRPr>
-          </a:p>
-        </p:txBody>
-      </p:sp>
-      <p:sp>
-        <p:nvSpPr>
-          <p:cNvPr id="1" name="PlaceHolder 2"/>
+          </a:p>
+        </p:txBody>
+      </p:sp>
+      <p:sp>
+        <p:nvSpPr>
+          <p:cNvPr id="4" name="PlaceHolder 2"/>
           <p:cNvSpPr>
             <a:spLocks noGrp="1"/>
           </p:cNvSpPr>
@@ -2653,162 +2995,142 @@
           </a:prstGeom>
         </p:spPr>
         <p:txBody>
-          <a:bodyPr lIns="0" rIns="0" tIns="0" bIns="0">
+          <a:bodyPr lIns="0" tIns="0" rIns="0" bIns="0">
             <a:normAutofit fontScale="10000"/>
           </a:bodyPr>
+          <a:lstStyle/>
           <a:p>
             <a:pPr marL="432000" indent="-324000" algn="ctr">
               <a:spcBef>
                 <a:spcPts val="1417"/>
               </a:spcBef>
               <a:buClr>
-                <a:srgbClr val="ffffff"/>
+                <a:srgbClr val="FFFFFF"/>
               </a:buClr>
               <a:buSzPct val="45000"/>
               <a:buFont typeface="Wingdings" charset="2"/>
               <a:buChar char=""/>
             </a:pPr>
             <a:r>
-              <a:rPr b="0" lang="es-ES" sz="1800" spc="-1" strike="noStrike">
+              <a:rPr lang="es-ES" sz="1800" b="0" strike="noStrike" spc="-1">
                 <a:latin typeface="Arial"/>
               </a:rPr>
               <a:t>Pulse para editar el formato de texto del esquema</a:t>
             </a:r>
-            <a:endParaRPr b="0" lang="es-ES" sz="1800" spc="-1" strike="noStrike">
-              <a:latin typeface="Arial"/>
-            </a:endParaRPr>
-          </a:p>
-          <a:p>
-            <a:pPr lvl="1" marL="864000" indent="-324000" algn="ctr">
+          </a:p>
+          <a:p>
+            <a:pPr marL="864000" lvl="1" indent="-324000" algn="ctr">
               <a:spcBef>
                 <a:spcPts val="1134"/>
               </a:spcBef>
               <a:buClr>
-                <a:srgbClr val="ffffff"/>
+                <a:srgbClr val="FFFFFF"/>
               </a:buClr>
               <a:buSzPct val="75000"/>
               <a:buFont typeface="Symbol" charset="2"/>
               <a:buChar char=""/>
             </a:pPr>
             <a:r>
-              <a:rPr b="0" lang="es-ES" sz="1800" spc="-1" strike="noStrike">
+              <a:rPr lang="es-ES" sz="1800" b="0" strike="noStrike" spc="-1">
                 <a:latin typeface="Arial"/>
               </a:rPr>
               <a:t>Segundo nivel del esquema</a:t>
             </a:r>
-            <a:endParaRPr b="0" lang="es-ES" sz="1800" spc="-1" strike="noStrike">
-              <a:latin typeface="Arial"/>
-            </a:endParaRPr>
-          </a:p>
-          <a:p>
-            <a:pPr lvl="2" marL="1296000" indent="-288000" algn="ctr">
+          </a:p>
+          <a:p>
+            <a:pPr marL="1296000" lvl="2" indent="-288000" algn="ctr">
               <a:spcBef>
                 <a:spcPts val="850"/>
               </a:spcBef>
               <a:buClr>
-                <a:srgbClr val="ffffff"/>
+                <a:srgbClr val="FFFFFF"/>
               </a:buClr>
               <a:buSzPct val="45000"/>
               <a:buFont typeface="Wingdings" charset="2"/>
               <a:buChar char=""/>
             </a:pPr>
             <a:r>
-              <a:rPr b="0" lang="es-ES" sz="1800" spc="-1" strike="noStrike">
+              <a:rPr lang="es-ES" sz="1800" b="0" strike="noStrike" spc="-1">
                 <a:latin typeface="Arial"/>
               </a:rPr>
               <a:t>Tercer nivel del esquema</a:t>
             </a:r>
-            <a:endParaRPr b="0" lang="es-ES" sz="1800" spc="-1" strike="noStrike">
-              <a:latin typeface="Arial"/>
-            </a:endParaRPr>
-          </a:p>
-          <a:p>
-            <a:pPr lvl="3" marL="1728000" indent="-216000" algn="ctr">
+          </a:p>
+          <a:p>
+            <a:pPr marL="1728000" lvl="3" indent="-216000" algn="ctr">
               <a:spcBef>
                 <a:spcPts val="567"/>
               </a:spcBef>
               <a:buClr>
-                <a:srgbClr val="ffffff"/>
+                <a:srgbClr val="FFFFFF"/>
               </a:buClr>
               <a:buSzPct val="75000"/>
               <a:buFont typeface="Symbol" charset="2"/>
               <a:buChar char=""/>
             </a:pPr>
             <a:r>
-              <a:rPr b="0" lang="es-ES" sz="1800" spc="-1" strike="noStrike">
+              <a:rPr lang="es-ES" sz="1800" b="0" strike="noStrike" spc="-1">
                 <a:latin typeface="Arial"/>
               </a:rPr>
               <a:t>Cuarto nivel del esquema</a:t>
             </a:r>
-            <a:endParaRPr b="0" lang="es-ES" sz="1800" spc="-1" strike="noStrike">
-              <a:latin typeface="Arial"/>
-            </a:endParaRPr>
-          </a:p>
-          <a:p>
-            <a:pPr lvl="4" marL="2160000" indent="-216000" algn="ctr">
+          </a:p>
+          <a:p>
+            <a:pPr marL="2160000" lvl="4" indent="-216000" algn="ctr">
               <a:spcBef>
                 <a:spcPts val="283"/>
               </a:spcBef>
               <a:buClr>
-                <a:srgbClr val="ffffff"/>
+                <a:srgbClr val="FFFFFF"/>
               </a:buClr>
               <a:buSzPct val="45000"/>
               <a:buFont typeface="Wingdings" charset="2"/>
               <a:buChar char=""/>
             </a:pPr>
             <a:r>
-              <a:rPr b="0" lang="es-ES" sz="1800" spc="-1" strike="noStrike">
+              <a:rPr lang="es-ES" sz="1800" b="0" strike="noStrike" spc="-1">
                 <a:latin typeface="Arial"/>
               </a:rPr>
               <a:t>Quinto nivel del esquema</a:t>
             </a:r>
-            <a:endParaRPr b="0" lang="es-ES" sz="1800" spc="-1" strike="noStrike">
-              <a:latin typeface="Arial"/>
-            </a:endParaRPr>
-          </a:p>
-          <a:p>
-            <a:pPr lvl="5" marL="2592000" indent="-216000" algn="ctr">
+          </a:p>
+          <a:p>
+            <a:pPr marL="2592000" lvl="5" indent="-216000" algn="ctr">
               <a:spcBef>
                 <a:spcPts val="283"/>
               </a:spcBef>
               <a:buClr>
-                <a:srgbClr val="ffffff"/>
+                <a:srgbClr val="FFFFFF"/>
               </a:buClr>
               <a:buSzPct val="45000"/>
               <a:buFont typeface="Wingdings" charset="2"/>
               <a:buChar char=""/>
             </a:pPr>
             <a:r>
-              <a:rPr b="0" lang="es-ES" sz="1800" spc="-1" strike="noStrike">
+              <a:rPr lang="es-ES" sz="1800" b="0" strike="noStrike" spc="-1">
                 <a:latin typeface="Arial"/>
               </a:rPr>
               <a:t>Sexto nivel del esquema</a:t>
             </a:r>
-            <a:endParaRPr b="0" lang="es-ES" sz="1800" spc="-1" strike="noStrike">
-              <a:latin typeface="Arial"/>
-            </a:endParaRPr>
-          </a:p>
-          <a:p>
-            <a:pPr lvl="6" marL="3024000" indent="-216000" algn="ctr">
+          </a:p>
+          <a:p>
+            <a:pPr marL="3024000" lvl="6" indent="-216000" algn="ctr">
               <a:spcBef>
                 <a:spcPts val="283"/>
               </a:spcBef>
               <a:buClr>
-                <a:srgbClr val="ffffff"/>
+                <a:srgbClr val="FFFFFF"/>
               </a:buClr>
               <a:buSzPct val="45000"/>
               <a:buFont typeface="Wingdings" charset="2"/>
               <a:buChar char=""/>
             </a:pPr>
             <a:r>
-              <a:rPr b="0" lang="es-ES" sz="1800" spc="-1" strike="noStrike">
+              <a:rPr lang="es-ES" sz="1800" b="0" strike="noStrike" spc="-1">
                 <a:latin typeface="Arial"/>
               </a:rPr>
               <a:t>Séptimo nivel del esquema</a:t>
             </a:r>
-            <a:endParaRPr b="0" lang="es-ES" sz="1800" spc="-1" strike="noStrike">
-              <a:latin typeface="Arial"/>
-            </a:endParaRPr>
           </a:p>
         </p:txBody>
       </p:sp>
@@ -2832,187 +3154,447 @@
           </a:prstGeom>
         </p:spPr>
         <p:txBody>
-          <a:bodyPr lIns="0" rIns="0" tIns="0" bIns="0">
+          <a:bodyPr lIns="0" tIns="0" rIns="0" bIns="0">
             <a:normAutofit fontScale="10000"/>
           </a:bodyPr>
+          <a:lstStyle/>
           <a:p>
             <a:pPr marL="432000" indent="-324000" algn="ctr">
               <a:spcBef>
                 <a:spcPts val="1417"/>
               </a:spcBef>
               <a:buClr>
-                <a:srgbClr val="ffffff"/>
+                <a:srgbClr val="FFFFFF"/>
               </a:buClr>
               <a:buSzPct val="45000"/>
               <a:buFont typeface="Wingdings" charset="2"/>
               <a:buChar char=""/>
             </a:pPr>
             <a:r>
-              <a:rPr b="0" lang="es-ES" sz="1800" spc="-1" strike="noStrike">
+              <a:rPr lang="es-ES" sz="1800" b="0" strike="noStrike" spc="-1">
                 <a:latin typeface="Arial"/>
               </a:rPr>
               <a:t>Pulse para editar el formato de texto del esquema</a:t>
             </a:r>
-            <a:endParaRPr b="0" lang="es-ES" sz="1800" spc="-1" strike="noStrike">
-              <a:latin typeface="Arial"/>
-            </a:endParaRPr>
-          </a:p>
-          <a:p>
-            <a:pPr lvl="1" marL="864000" indent="-324000" algn="ctr">
+          </a:p>
+          <a:p>
+            <a:pPr marL="864000" lvl="1" indent="-324000" algn="ctr">
               <a:spcBef>
                 <a:spcPts val="1134"/>
               </a:spcBef>
               <a:buClr>
-                <a:srgbClr val="ffffff"/>
+                <a:srgbClr val="FFFFFF"/>
               </a:buClr>
               <a:buSzPct val="75000"/>
               <a:buFont typeface="Symbol" charset="2"/>
               <a:buChar char=""/>
             </a:pPr>
             <a:r>
-              <a:rPr b="0" lang="es-ES" sz="1800" spc="-1" strike="noStrike">
+              <a:rPr lang="es-ES" sz="1800" b="0" strike="noStrike" spc="-1">
                 <a:latin typeface="Arial"/>
               </a:rPr>
               <a:t>Segundo nivel del esquema</a:t>
             </a:r>
-            <a:endParaRPr b="0" lang="es-ES" sz="1800" spc="-1" strike="noStrike">
-              <a:latin typeface="Arial"/>
-            </a:endParaRPr>
-          </a:p>
-          <a:p>
-            <a:pPr lvl="2" marL="1296000" indent="-288000" algn="ctr">
+          </a:p>
+          <a:p>
+            <a:pPr marL="1296000" lvl="2" indent="-288000" algn="ctr">
               <a:spcBef>
                 <a:spcPts val="850"/>
               </a:spcBef>
               <a:buClr>
-                <a:srgbClr val="ffffff"/>
+                <a:srgbClr val="FFFFFF"/>
               </a:buClr>
               <a:buSzPct val="45000"/>
               <a:buFont typeface="Wingdings" charset="2"/>
               <a:buChar char=""/>
             </a:pPr>
             <a:r>
-              <a:rPr b="0" lang="es-ES" sz="1800" spc="-1" strike="noStrike">
+              <a:rPr lang="es-ES" sz="1800" b="0" strike="noStrike" spc="-1">
                 <a:latin typeface="Arial"/>
               </a:rPr>
               <a:t>Tercer nivel del esquema</a:t>
             </a:r>
-            <a:endParaRPr b="0" lang="es-ES" sz="1800" spc="-1" strike="noStrike">
-              <a:latin typeface="Arial"/>
-            </a:endParaRPr>
-          </a:p>
-          <a:p>
-            <a:pPr lvl="3" marL="1728000" indent="-216000" algn="ctr">
+          </a:p>
+          <a:p>
+            <a:pPr marL="1728000" lvl="3" indent="-216000" algn="ctr">
               <a:spcBef>
                 <a:spcPts val="567"/>
               </a:spcBef>
               <a:buClr>
-                <a:srgbClr val="ffffff"/>
+                <a:srgbClr val="FFFFFF"/>
               </a:buClr>
               <a:buSzPct val="75000"/>
               <a:buFont typeface="Symbol" charset="2"/>
               <a:buChar char=""/>
             </a:pPr>
             <a:r>
-              <a:rPr b="0" lang="es-ES" sz="1800" spc="-1" strike="noStrike">
+              <a:rPr lang="es-ES" sz="1800" b="0" strike="noStrike" spc="-1">
                 <a:latin typeface="Arial"/>
               </a:rPr>
               <a:t>Cuarto nivel del esquema</a:t>
             </a:r>
-            <a:endParaRPr b="0" lang="es-ES" sz="1800" spc="-1" strike="noStrike">
-              <a:latin typeface="Arial"/>
-            </a:endParaRPr>
-          </a:p>
-          <a:p>
-            <a:pPr lvl="4" marL="2160000" indent="-216000" algn="ctr">
+          </a:p>
+          <a:p>
+            <a:pPr marL="2160000" lvl="4" indent="-216000" algn="ctr">
               <a:spcBef>
                 <a:spcPts val="283"/>
               </a:spcBef>
               <a:buClr>
-                <a:srgbClr val="ffffff"/>
+                <a:srgbClr val="FFFFFF"/>
               </a:buClr>
               <a:buSzPct val="45000"/>
               <a:buFont typeface="Wingdings" charset="2"/>
               <a:buChar char=""/>
             </a:pPr>
             <a:r>
-              <a:rPr b="0" lang="es-ES" sz="1800" spc="-1" strike="noStrike">
+              <a:rPr lang="es-ES" sz="1800" b="0" strike="noStrike" spc="-1">
                 <a:latin typeface="Arial"/>
               </a:rPr>
               <a:t>Quinto nivel del esquema</a:t>
             </a:r>
-            <a:endParaRPr b="0" lang="es-ES" sz="1800" spc="-1" strike="noStrike">
-              <a:latin typeface="Arial"/>
-            </a:endParaRPr>
-          </a:p>
-          <a:p>
-            <a:pPr lvl="5" marL="2592000" indent="-216000" algn="ctr">
+          </a:p>
+          <a:p>
+            <a:pPr marL="2592000" lvl="5" indent="-216000" algn="ctr">
               <a:spcBef>
                 <a:spcPts val="283"/>
               </a:spcBef>
               <a:buClr>
-                <a:srgbClr val="ffffff"/>
+                <a:srgbClr val="FFFFFF"/>
               </a:buClr>
               <a:buSzPct val="45000"/>
               <a:buFont typeface="Wingdings" charset="2"/>
               <a:buChar char=""/>
             </a:pPr>
             <a:r>
-              <a:rPr b="0" lang="es-ES" sz="1800" spc="-1" strike="noStrike">
+              <a:rPr lang="es-ES" sz="1800" b="0" strike="noStrike" spc="-1">
                 <a:latin typeface="Arial"/>
               </a:rPr>
               <a:t>Sexto nivel del esquema</a:t>
             </a:r>
-            <a:endParaRPr b="0" lang="es-ES" sz="1800" spc="-1" strike="noStrike">
-              <a:latin typeface="Arial"/>
-            </a:endParaRPr>
-          </a:p>
-          <a:p>
-            <a:pPr lvl="6" marL="3024000" indent="-216000" algn="ctr">
+          </a:p>
+          <a:p>
+            <a:pPr marL="3024000" lvl="6" indent="-216000" algn="ctr">
               <a:spcBef>
                 <a:spcPts val="283"/>
               </a:spcBef>
               <a:buClr>
-                <a:srgbClr val="ffffff"/>
+                <a:srgbClr val="FFFFFF"/>
               </a:buClr>
               <a:buSzPct val="45000"/>
               <a:buFont typeface="Wingdings" charset="2"/>
               <a:buChar char=""/>
             </a:pPr>
             <a:r>
-              <a:rPr b="0" lang="es-ES" sz="1800" spc="-1" strike="noStrike">
+              <a:rPr lang="es-ES" sz="1800" b="0" strike="noStrike" spc="-1">
                 <a:latin typeface="Arial"/>
               </a:rPr>
               <a:t>Séptimo nivel del esquema</a:t>
             </a:r>
-            <a:endParaRPr b="0" lang="es-ES" sz="1800" spc="-1" strike="noStrike">
-              <a:latin typeface="Arial"/>
-            </a:endParaRPr>
           </a:p>
         </p:txBody>
       </p:sp>
     </p:spTree>
   </p:cSld>
-  <p:clrMap bg1="lt1" bg2="lt2" tx1="dk1" tx2="dk2" accent1="accent1" accent2="accent2" accent3="accent3" accent4="accent4" accent5="accent5" accent6="accent6" hlink="hlink" folHlink="folHlink"/>
+  <p:clrMap bg1="lt1" tx1="dk1" bg2="lt2" tx2="dk2" accent1="accent1" accent2="accent2" accent3="accent3" accent4="accent4" accent5="accent5" accent6="accent6" hlink="hlink" folHlink="folHlink"/>
   <p:sldLayoutIdLst>
-    <p:sldLayoutId id="2147483649" r:id="rId2"/>
-    <p:sldLayoutId id="2147483650" r:id="rId3"/>
-    <p:sldLayoutId id="2147483651" r:id="rId4"/>
-    <p:sldLayoutId id="2147483652" r:id="rId5"/>
-    <p:sldLayoutId id="2147483653" r:id="rId6"/>
-    <p:sldLayoutId id="2147483654" r:id="rId7"/>
-    <p:sldLayoutId id="2147483655" r:id="rId8"/>
-    <p:sldLayoutId id="2147483656" r:id="rId9"/>
-    <p:sldLayoutId id="2147483657" r:id="rId10"/>
-    <p:sldLayoutId id="2147483658" r:id="rId11"/>
-    <p:sldLayoutId id="2147483659" r:id="rId12"/>
-    <p:sldLayoutId id="2147483660" r:id="rId13"/>
+    <p:sldLayoutId id="2147483649" r:id="rId1"/>
+    <p:sldLayoutId id="2147483650" r:id="rId2"/>
+    <p:sldLayoutId id="2147483651" r:id="rId3"/>
+    <p:sldLayoutId id="2147483652" r:id="rId4"/>
+    <p:sldLayoutId id="2147483653" r:id="rId5"/>
+    <p:sldLayoutId id="2147483654" r:id="rId6"/>
+    <p:sldLayoutId id="2147483655" r:id="rId7"/>
+    <p:sldLayoutId id="2147483656" r:id="rId8"/>
+    <p:sldLayoutId id="2147483657" r:id="rId9"/>
+    <p:sldLayoutId id="2147483658" r:id="rId10"/>
+    <p:sldLayoutId id="2147483659" r:id="rId11"/>
+    <p:sldLayoutId id="2147483660" r:id="rId12"/>
   </p:sldLayoutIdLst>
+  <p:txStyles>
+    <p:titleStyle>
+      <a:lvl1pPr algn="l" defTabSz="914400" rtl="0" eaLnBrk="1" latinLnBrk="0" hangingPunct="1">
+        <a:lnSpc>
+          <a:spcPct val="90000"/>
+        </a:lnSpc>
+        <a:spcBef>
+          <a:spcPct val="0"/>
+        </a:spcBef>
+        <a:buNone/>
+        <a:defRPr sz="4400" kern="1200">
+          <a:solidFill>
+            <a:schemeClr val="tx1"/>
+          </a:solidFill>
+          <a:latin typeface="+mj-lt"/>
+          <a:ea typeface="+mj-ea"/>
+          <a:cs typeface="+mj-cs"/>
+        </a:defRPr>
+      </a:lvl1pPr>
+    </p:titleStyle>
+    <p:bodyStyle>
+      <a:lvl1pPr marL="228600" indent="-228600" algn="l" defTabSz="914400" rtl="0" eaLnBrk="1" latinLnBrk="0" hangingPunct="1">
+        <a:lnSpc>
+          <a:spcPct val="90000"/>
+        </a:lnSpc>
+        <a:spcBef>
+          <a:spcPts val="1000"/>
+        </a:spcBef>
+        <a:buFont typeface="Arial" panose="020B0604020202020204" pitchFamily="34" charset="0"/>
+        <a:buChar char="•"/>
+        <a:defRPr sz="2800" kern="1200">
+          <a:solidFill>
+            <a:schemeClr val="tx1"/>
+          </a:solidFill>
+          <a:latin typeface="+mn-lt"/>
+          <a:ea typeface="+mn-ea"/>
+          <a:cs typeface="+mn-cs"/>
+        </a:defRPr>
+      </a:lvl1pPr>
+      <a:lvl2pPr marL="685800" indent="-228600" algn="l" defTabSz="914400" rtl="0" eaLnBrk="1" latinLnBrk="0" hangingPunct="1">
+        <a:lnSpc>
+          <a:spcPct val="90000"/>
+        </a:lnSpc>
+        <a:spcBef>
+          <a:spcPts val="500"/>
+        </a:spcBef>
+        <a:buFont typeface="Arial" panose="020B0604020202020204" pitchFamily="34" charset="0"/>
+        <a:buChar char="•"/>
+        <a:defRPr sz="2400" kern="1200">
+          <a:solidFill>
+            <a:schemeClr val="tx1"/>
+          </a:solidFill>
+          <a:latin typeface="+mn-lt"/>
+          <a:ea typeface="+mn-ea"/>
+          <a:cs typeface="+mn-cs"/>
+        </a:defRPr>
+      </a:lvl2pPr>
+      <a:lvl3pPr marL="1143000" indent="-228600" algn="l" defTabSz="914400" rtl="0" eaLnBrk="1" latinLnBrk="0" hangingPunct="1">
+        <a:lnSpc>
+          <a:spcPct val="90000"/>
+        </a:lnSpc>
+        <a:spcBef>
+          <a:spcPts val="500"/>
+        </a:spcBef>
+        <a:buFont typeface="Arial" panose="020B0604020202020204" pitchFamily="34" charset="0"/>
+        <a:buChar char="•"/>
+        <a:defRPr sz="2000" kern="1200">
+          <a:solidFill>
+            <a:schemeClr val="tx1"/>
+          </a:solidFill>
+          <a:latin typeface="+mn-lt"/>
+          <a:ea typeface="+mn-ea"/>
+          <a:cs typeface="+mn-cs"/>
+        </a:defRPr>
+      </a:lvl3pPr>
+      <a:lvl4pPr marL="1600200" indent="-228600" algn="l" defTabSz="914400" rtl="0" eaLnBrk="1" latinLnBrk="0" hangingPunct="1">
+        <a:lnSpc>
+          <a:spcPct val="90000"/>
+        </a:lnSpc>
+        <a:spcBef>
+          <a:spcPts val="500"/>
+        </a:spcBef>
+        <a:buFont typeface="Arial" panose="020B0604020202020204" pitchFamily="34" charset="0"/>
+        <a:buChar char="•"/>
+        <a:defRPr sz="1800" kern="1200">
+          <a:solidFill>
+            <a:schemeClr val="tx1"/>
+          </a:solidFill>
+          <a:latin typeface="+mn-lt"/>
+          <a:ea typeface="+mn-ea"/>
+          <a:cs typeface="+mn-cs"/>
+        </a:defRPr>
+      </a:lvl4pPr>
+      <a:lvl5pPr marL="2057400" indent="-228600" algn="l" defTabSz="914400" rtl="0" eaLnBrk="1" latinLnBrk="0" hangingPunct="1">
+        <a:lnSpc>
+          <a:spcPct val="90000"/>
+        </a:lnSpc>
+        <a:spcBef>
+          <a:spcPts val="500"/>
+        </a:spcBef>
+        <a:buFont typeface="Arial" panose="020B0604020202020204" pitchFamily="34" charset="0"/>
+        <a:buChar char="•"/>
+        <a:defRPr sz="1800" kern="1200">
+          <a:solidFill>
+            <a:schemeClr val="tx1"/>
+          </a:solidFill>
+          <a:latin typeface="+mn-lt"/>
+          <a:ea typeface="+mn-ea"/>
+          <a:cs typeface="+mn-cs"/>
+        </a:defRPr>
+      </a:lvl5pPr>
+      <a:lvl6pPr marL="2514600" indent="-228600" algn="l" defTabSz="914400" rtl="0" eaLnBrk="1" latinLnBrk="0" hangingPunct="1">
+        <a:lnSpc>
+          <a:spcPct val="90000"/>
+        </a:lnSpc>
+        <a:spcBef>
+          <a:spcPts val="500"/>
+        </a:spcBef>
+        <a:buFont typeface="Arial" panose="020B0604020202020204" pitchFamily="34" charset="0"/>
+        <a:buChar char="•"/>
+        <a:defRPr sz="1800" kern="1200">
+          <a:solidFill>
+            <a:schemeClr val="tx1"/>
+          </a:solidFill>
+          <a:latin typeface="+mn-lt"/>
+          <a:ea typeface="+mn-ea"/>
+          <a:cs typeface="+mn-cs"/>
+        </a:defRPr>
+      </a:lvl6pPr>
+      <a:lvl7pPr marL="2971800" indent="-228600" algn="l" defTabSz="914400" rtl="0" eaLnBrk="1" latinLnBrk="0" hangingPunct="1">
+        <a:lnSpc>
+          <a:spcPct val="90000"/>
+        </a:lnSpc>
+        <a:spcBef>
+          <a:spcPts val="500"/>
+        </a:spcBef>
+        <a:buFont typeface="Arial" panose="020B0604020202020204" pitchFamily="34" charset="0"/>
+        <a:buChar char="•"/>
+        <a:defRPr sz="1800" kern="1200">
+          <a:solidFill>
+            <a:schemeClr val="tx1"/>
+          </a:solidFill>
+          <a:latin typeface="+mn-lt"/>
+          <a:ea typeface="+mn-ea"/>
+          <a:cs typeface="+mn-cs"/>
+        </a:defRPr>
+      </a:lvl7pPr>
+      <a:lvl8pPr marL="3429000" indent="-228600" algn="l" defTabSz="914400" rtl="0" eaLnBrk="1" latinLnBrk="0" hangingPunct="1">
+        <a:lnSpc>
+          <a:spcPct val="90000"/>
+        </a:lnSpc>
+        <a:spcBef>
+          <a:spcPts val="500"/>
+        </a:spcBef>
+        <a:buFont typeface="Arial" panose="020B0604020202020204" pitchFamily="34" charset="0"/>
+        <a:buChar char="•"/>
+        <a:defRPr sz="1800" kern="1200">
+          <a:solidFill>
+            <a:schemeClr val="tx1"/>
+          </a:solidFill>
+          <a:latin typeface="+mn-lt"/>
+          <a:ea typeface="+mn-ea"/>
+          <a:cs typeface="+mn-cs"/>
+        </a:defRPr>
+      </a:lvl8pPr>
+      <a:lvl9pPr marL="3886200" indent="-228600" algn="l" defTabSz="914400" rtl="0" eaLnBrk="1" latinLnBrk="0" hangingPunct="1">
+        <a:lnSpc>
+          <a:spcPct val="90000"/>
+        </a:lnSpc>
+        <a:spcBef>
+          <a:spcPts val="500"/>
+        </a:spcBef>
+        <a:buFont typeface="Arial" panose="020B0604020202020204" pitchFamily="34" charset="0"/>
+        <a:buChar char="•"/>
+        <a:defRPr sz="1800" kern="1200">
+          <a:solidFill>
+            <a:schemeClr val="tx1"/>
+          </a:solidFill>
+          <a:latin typeface="+mn-lt"/>
+          <a:ea typeface="+mn-ea"/>
+          <a:cs typeface="+mn-cs"/>
+        </a:defRPr>
+      </a:lvl9pPr>
+    </p:bodyStyle>
+    <p:otherStyle>
+      <a:defPPr>
+        <a:defRPr lang="es-ES"/>
+      </a:defPPr>
+      <a:lvl1pPr marL="0" algn="l" defTabSz="914400" rtl="0" eaLnBrk="1" latinLnBrk="0" hangingPunct="1">
+        <a:defRPr sz="1800" kern="1200">
+          <a:solidFill>
+            <a:schemeClr val="tx1"/>
+          </a:solidFill>
+          <a:latin typeface="+mn-lt"/>
+          <a:ea typeface="+mn-ea"/>
+          <a:cs typeface="+mn-cs"/>
+        </a:defRPr>
+      </a:lvl1pPr>
+      <a:lvl2pPr marL="457200" algn="l" defTabSz="914400" rtl="0" eaLnBrk="1" latinLnBrk="0" hangingPunct="1">
+        <a:defRPr sz="1800" kern="1200">
+          <a:solidFill>
+            <a:schemeClr val="tx1"/>
+          </a:solidFill>
+          <a:latin typeface="+mn-lt"/>
+          <a:ea typeface="+mn-ea"/>
+          <a:cs typeface="+mn-cs"/>
+        </a:defRPr>
+      </a:lvl2pPr>
+      <a:lvl3pPr marL="914400" algn="l" defTabSz="914400" rtl="0" eaLnBrk="1" latinLnBrk="0" hangingPunct="1">
+        <a:defRPr sz="1800" kern="1200">
+          <a:solidFill>
+            <a:schemeClr val="tx1"/>
+          </a:solidFill>
+          <a:latin typeface="+mn-lt"/>
+          <a:ea typeface="+mn-ea"/>
+          <a:cs typeface="+mn-cs"/>
+        </a:defRPr>
+      </a:lvl3pPr>
+      <a:lvl4pPr marL="1371600" algn="l" defTabSz="914400" rtl="0" eaLnBrk="1" latinLnBrk="0" hangingPunct="1">
+        <a:defRPr sz="1800" kern="1200">
+          <a:solidFill>
+            <a:schemeClr val="tx1"/>
+          </a:solidFill>
+          <a:latin typeface="+mn-lt"/>
+          <a:ea typeface="+mn-ea"/>
+          <a:cs typeface="+mn-cs"/>
+        </a:defRPr>
+      </a:lvl4pPr>
+      <a:lvl5pPr marL="1828800" algn="l" defTabSz="914400" rtl="0" eaLnBrk="1" latinLnBrk="0" hangingPunct="1">
+        <a:defRPr sz="1800" kern="1200">
+          <a:solidFill>
+            <a:schemeClr val="tx1"/>
+          </a:solidFill>
+          <a:latin typeface="+mn-lt"/>
+          <a:ea typeface="+mn-ea"/>
+          <a:cs typeface="+mn-cs"/>
+        </a:defRPr>
+      </a:lvl5pPr>
+      <a:lvl6pPr marL="2286000" algn="l" defTabSz="914400" rtl="0" eaLnBrk="1" latinLnBrk="0" hangingPunct="1">
+        <a:defRPr sz="1800" kern="1200">
+          <a:solidFill>
+            <a:schemeClr val="tx1"/>
+          </a:solidFill>
+          <a:latin typeface="+mn-lt"/>
+          <a:ea typeface="+mn-ea"/>
+          <a:cs typeface="+mn-cs"/>
+        </a:defRPr>
+      </a:lvl6pPr>
+      <a:lvl7pPr marL="2743200" algn="l" defTabSz="914400" rtl="0" eaLnBrk="1" latinLnBrk="0" hangingPunct="1">
+        <a:defRPr sz="1800" kern="1200">
+          <a:solidFill>
+            <a:schemeClr val="tx1"/>
+          </a:solidFill>
+          <a:latin typeface="+mn-lt"/>
+          <a:ea typeface="+mn-ea"/>
+          <a:cs typeface="+mn-cs"/>
+        </a:defRPr>
+      </a:lvl7pPr>
+      <a:lvl8pPr marL="3200400" algn="l" defTabSz="914400" rtl="0" eaLnBrk="1" latinLnBrk="0" hangingPunct="1">
+        <a:defRPr sz="1800" kern="1200">
+          <a:solidFill>
+            <a:schemeClr val="tx1"/>
+          </a:solidFill>
+          <a:latin typeface="+mn-lt"/>
+          <a:ea typeface="+mn-ea"/>
+          <a:cs typeface="+mn-cs"/>
+        </a:defRPr>
+      </a:lvl8pPr>
+      <a:lvl9pPr marL="3657600" algn="l" defTabSz="914400" rtl="0" eaLnBrk="1" latinLnBrk="0" hangingPunct="1">
+        <a:defRPr sz="1800" kern="1200">
+          <a:solidFill>
+            <a:schemeClr val="tx1"/>
+          </a:solidFill>
+          <a:latin typeface="+mn-lt"/>
+          <a:ea typeface="+mn-ea"/>
+          <a:cs typeface="+mn-cs"/>
+        </a:defRPr>
+      </a:lvl9pPr>
+    </p:otherStyle>
+  </p:txStyles>
 </p:sldMaster>
 </file>
 
 <file path=ppt/slides/slide1.xml><?xml version="1.0" encoding="utf-8"?>
-<p:sld xmlns:a="http://schemas.openxmlformats.org/drawingml/2006/main" xmlns:p="http://schemas.openxmlformats.org/presentationml/2006/main" xmlns:r="http://schemas.openxmlformats.org/officeDocument/2006/relationships" xmlns:p14="http://schemas.microsoft.com/office/powerpoint/2010/main" xmlns:p15="http://schemas.microsoft.com/office/powerpoint/2012/main" xmlns:mc="http://schemas.openxmlformats.org/markup-compatibility/2006">
+<p:sld xmlns:a="http://schemas.openxmlformats.org/drawingml/2006/main" xmlns:r="http://schemas.openxmlformats.org/officeDocument/2006/relationships" xmlns:p="http://schemas.openxmlformats.org/presentationml/2006/main">
   <p:cSld>
     <p:spTree>
       <p:nvGrpSpPr>
@@ -3048,15 +3630,22 @@
           </a:ln>
         </p:spPr>
         <p:style>
-          <a:lnRef idx="0"/>
-          <a:fillRef idx="0"/>
-          <a:effectRef idx="0"/>
+          <a:lnRef idx="0">
+            <a:scrgbClr r="0" g="0" b="0"/>
+          </a:lnRef>
+          <a:fillRef idx="0">
+            <a:scrgbClr r="0" g="0" b="0"/>
+          </a:fillRef>
+          <a:effectRef idx="0">
+            <a:scrgbClr r="0" g="0" b="0"/>
+          </a:effectRef>
           <a:fontRef idx="minor"/>
         </p:style>
         <p:txBody>
-          <a:bodyPr lIns="90000" rIns="90000" tIns="45000" bIns="45000" anchor="ctr">
+          <a:bodyPr lIns="90000" tIns="45000" rIns="90000" bIns="45000" anchor="ctr">
             <a:noAutofit/>
           </a:bodyPr>
+          <a:lstStyle/>
           <a:p>
             <a:pPr>
               <a:lnSpc>
@@ -3064,15 +3653,15 @@
               </a:lnSpc>
             </a:pPr>
             <a:r>
-              <a:rPr b="0" lang="es-ES" sz="4400" spc="-1" strike="noStrike">
+              <a:rPr lang="es-ES" sz="4400" b="0" strike="noStrike" spc="-1">
                 <a:solidFill>
-                  <a:srgbClr val="ff0000"/>
+                  <a:srgbClr val="FF0000"/>
                 </a:solidFill>
                 <a:latin typeface="Calibri Light"/>
               </a:rPr>
               <a:t>Machine Learning – Regresión logística</a:t>
             </a:r>
-            <a:endParaRPr b="0" lang="es-ES" sz="4400" spc="-1" strike="noStrike">
+            <a:endParaRPr lang="es-ES" sz="4400" b="0" strike="noStrike" spc="-1">
               <a:latin typeface="Arial"/>
             </a:endParaRPr>
           </a:p>
@@ -3080,19 +3669,14 @@
       </p:sp>
     </p:spTree>
   </p:cSld>
-  <mc:AlternateContent>
-    <mc:Choice Requires="p14">
-      <p:transition spd="slow" p14:dur="2000"/>
-    </mc:Choice>
-    <mc:Fallback>
-      <p:transition spd="slow"/>
-    </mc:Fallback>
-  </mc:AlternateContent>
+  <p:clrMapOvr>
+    <a:masterClrMapping/>
+  </p:clrMapOvr>
 </p:sld>
 </file>
 
 <file path=ppt/slides/slide2.xml><?xml version="1.0" encoding="utf-8"?>
-<p:sld xmlns:a="http://schemas.openxmlformats.org/drawingml/2006/main" xmlns:p="http://schemas.openxmlformats.org/presentationml/2006/main" xmlns:r="http://schemas.openxmlformats.org/officeDocument/2006/relationships" xmlns:p14="http://schemas.microsoft.com/office/powerpoint/2010/main" xmlns:p15="http://schemas.microsoft.com/office/powerpoint/2012/main" xmlns:mc="http://schemas.openxmlformats.org/markup-compatibility/2006">
+<p:sld xmlns:a="http://schemas.openxmlformats.org/drawingml/2006/main" xmlns:r="http://schemas.openxmlformats.org/officeDocument/2006/relationships" xmlns:p="http://schemas.openxmlformats.org/presentationml/2006/main">
   <p:cSld>
     <p:spTree>
       <p:nvGrpSpPr>
@@ -3128,15 +3712,22 @@
           </a:ln>
         </p:spPr>
         <p:style>
-          <a:lnRef idx="0"/>
-          <a:fillRef idx="0"/>
-          <a:effectRef idx="0"/>
+          <a:lnRef idx="0">
+            <a:scrgbClr r="0" g="0" b="0"/>
+          </a:lnRef>
+          <a:fillRef idx="0">
+            <a:scrgbClr r="0" g="0" b="0"/>
+          </a:fillRef>
+          <a:effectRef idx="0">
+            <a:scrgbClr r="0" g="0" b="0"/>
+          </a:effectRef>
           <a:fontRef idx="minor"/>
         </p:style>
         <p:txBody>
-          <a:bodyPr lIns="90000" rIns="90000" tIns="45000" bIns="45000" anchor="ctr">
+          <a:bodyPr lIns="90000" tIns="45000" rIns="90000" bIns="45000" anchor="ctr">
             <a:noAutofit/>
           </a:bodyPr>
+          <a:lstStyle/>
           <a:p>
             <a:pPr>
               <a:lnSpc>
@@ -3144,15 +3735,15 @@
               </a:lnSpc>
             </a:pPr>
             <a:r>
-              <a:rPr b="0" lang="en-GB" sz="4400" spc="-1" strike="noStrike">
+              <a:rPr lang="en-GB" sz="4400" b="0" strike="noStrike" spc="-1">
                 <a:solidFill>
-                  <a:srgbClr val="ff0000"/>
+                  <a:srgbClr val="FF0000"/>
                 </a:solidFill>
                 <a:latin typeface="Calibri Light"/>
               </a:rPr>
               <a:t>Algoritmo de clasificación</a:t>
             </a:r>
-            <a:endParaRPr b="0" lang="es-ES" sz="4400" spc="-1" strike="noStrike">
+            <a:endParaRPr lang="es-ES" sz="4400" b="0" strike="noStrike" spc="-1">
               <a:latin typeface="Arial"/>
             </a:endParaRPr>
           </a:p>
@@ -3178,15 +3769,22 @@
           </a:ln>
         </p:spPr>
         <p:style>
-          <a:lnRef idx="0"/>
-          <a:fillRef idx="0"/>
-          <a:effectRef idx="0"/>
+          <a:lnRef idx="0">
+            <a:scrgbClr r="0" g="0" b="0"/>
+          </a:lnRef>
+          <a:fillRef idx="0">
+            <a:scrgbClr r="0" g="0" b="0"/>
+          </a:fillRef>
+          <a:effectRef idx="0">
+            <a:scrgbClr r="0" g="0" b="0"/>
+          </a:effectRef>
           <a:fontRef idx="minor"/>
         </p:style>
         <p:txBody>
-          <a:bodyPr lIns="90000" rIns="90000" tIns="45000" bIns="45000">
+          <a:bodyPr lIns="90000" tIns="45000" rIns="90000" bIns="45000">
             <a:normAutofit fontScale="85000"/>
           </a:bodyPr>
+          <a:lstStyle/>
           <a:p>
             <a:pPr marL="228600" indent="-227880">
               <a:lnSpc>
@@ -3196,26 +3794,26 @@
                 <a:spcPts val="1001"/>
               </a:spcBef>
               <a:buClr>
-                <a:srgbClr val="ffffff"/>
+                <a:srgbClr val="FFFFFF"/>
               </a:buClr>
               <a:buFont typeface="Arial"/>
               <a:buChar char="•"/>
             </a:pPr>
             <a:r>
-              <a:rPr b="0" lang="en-US" sz="2400" spc="-1" strike="noStrike">
+              <a:rPr lang="en-US" sz="2400" b="0" strike="noStrike" spc="-1">
                 <a:solidFill>
-                  <a:srgbClr val="ffffff"/>
+                  <a:srgbClr val="FFFFFF"/>
                 </a:solidFill>
                 <a:latin typeface="Calibri"/>
               </a:rPr>
               <a:t>Aprendizaje supervisado:</a:t>
             </a:r>
-            <a:endParaRPr b="0" lang="es-ES" sz="2400" spc="-1" strike="noStrike">
-              <a:latin typeface="Arial"/>
-            </a:endParaRPr>
-          </a:p>
-          <a:p>
-            <a:pPr lvl="1" marL="685800" indent="-227880">
+            <a:endParaRPr lang="es-ES" sz="2400" b="0" strike="noStrike" spc="-1">
+              <a:latin typeface="Arial"/>
+            </a:endParaRPr>
+          </a:p>
+          <a:p>
+            <a:pPr marL="685800" lvl="1" indent="-227880">
               <a:lnSpc>
                 <a:spcPct val="90000"/>
               </a:lnSpc>
@@ -3223,26 +3821,26 @@
                 <a:spcPts val="499"/>
               </a:spcBef>
               <a:buClr>
-                <a:srgbClr val="ffffff"/>
+                <a:srgbClr val="FFFFFF"/>
               </a:buClr>
               <a:buFont typeface="Arial"/>
               <a:buChar char="•"/>
             </a:pPr>
             <a:r>
-              <a:rPr b="0" lang="en-US" sz="2000" spc="-1" strike="noStrike">
+              <a:rPr lang="en-US" sz="2000" b="0" strike="noStrike" spc="-1">
                 <a:solidFill>
-                  <a:srgbClr val="ffffff"/>
+                  <a:srgbClr val="FFFFFF"/>
                 </a:solidFill>
                 <a:latin typeface="Calibri"/>
               </a:rPr>
               <a:t>Regresión</a:t>
             </a:r>
-            <a:endParaRPr b="0" lang="es-ES" sz="2000" spc="-1" strike="noStrike">
-              <a:latin typeface="Arial"/>
-            </a:endParaRPr>
-          </a:p>
-          <a:p>
-            <a:pPr lvl="1" marL="685800" indent="-227880">
+            <a:endParaRPr lang="es-ES" sz="2000" b="0" strike="noStrike" spc="-1">
+              <a:latin typeface="Arial"/>
+            </a:endParaRPr>
+          </a:p>
+          <a:p>
+            <a:pPr marL="685800" lvl="1" indent="-227880">
               <a:lnSpc>
                 <a:spcPct val="90000"/>
               </a:lnSpc>
@@ -3250,21 +3848,21 @@
                 <a:spcPts val="499"/>
               </a:spcBef>
               <a:buClr>
-                <a:srgbClr val="ffffff"/>
+                <a:srgbClr val="FFFFFF"/>
               </a:buClr>
               <a:buFont typeface="Arial"/>
               <a:buChar char="•"/>
             </a:pPr>
             <a:r>
-              <a:rPr b="0" lang="en-US" sz="2000" spc="-1" strike="noStrike">
+              <a:rPr lang="en-US" sz="2000" b="0" strike="noStrike" spc="-1">
                 <a:solidFill>
-                  <a:srgbClr val="ffffff"/>
+                  <a:srgbClr val="FFFFFF"/>
                 </a:solidFill>
                 <a:latin typeface="Calibri"/>
               </a:rPr>
               <a:t>Clasificación</a:t>
             </a:r>
-            <a:endParaRPr b="0" lang="es-ES" sz="2000" spc="-1" strike="noStrike">
+            <a:endParaRPr lang="es-ES" sz="2000" b="0" strike="noStrike" spc="-1">
               <a:latin typeface="Arial"/>
             </a:endParaRPr>
           </a:p>
@@ -3274,7 +3872,7 @@
                 <a:spcPct val="100000"/>
               </a:lnSpc>
             </a:pPr>
-            <a:endParaRPr b="0" lang="es-ES" sz="2000" spc="-1" strike="noStrike">
+            <a:endParaRPr lang="es-ES" sz="2000" b="0" strike="noStrike" spc="-1">
               <a:latin typeface="Arial"/>
             </a:endParaRPr>
           </a:p>
@@ -3287,26 +3885,26 @@
                 <a:spcPts val="1001"/>
               </a:spcBef>
               <a:buClr>
-                <a:srgbClr val="ffffff"/>
+                <a:srgbClr val="FFFFFF"/>
               </a:buClr>
               <a:buFont typeface="Arial"/>
               <a:buChar char="•"/>
             </a:pPr>
             <a:r>
-              <a:rPr b="0" lang="en-US" sz="2400" spc="-1" strike="noStrike">
+              <a:rPr lang="en-US" sz="2400" b="0" strike="noStrike" spc="-1">
                 <a:solidFill>
-                  <a:srgbClr val="ffffff"/>
+                  <a:srgbClr val="FFFFFF"/>
                 </a:solidFill>
                 <a:latin typeface="Calibri"/>
               </a:rPr>
               <a:t>Aprendizaje no supervisado:</a:t>
             </a:r>
-            <a:endParaRPr b="0" lang="es-ES" sz="2400" spc="-1" strike="noStrike">
-              <a:latin typeface="Arial"/>
-            </a:endParaRPr>
-          </a:p>
-          <a:p>
-            <a:pPr lvl="1" marL="685800" indent="-227880">
+            <a:endParaRPr lang="es-ES" sz="2400" b="0" strike="noStrike" spc="-1">
+              <a:latin typeface="Arial"/>
+            </a:endParaRPr>
+          </a:p>
+          <a:p>
+            <a:pPr marL="685800" lvl="1" indent="-227880">
               <a:lnSpc>
                 <a:spcPct val="90000"/>
               </a:lnSpc>
@@ -3314,26 +3912,26 @@
                 <a:spcPts val="499"/>
               </a:spcBef>
               <a:buClr>
-                <a:srgbClr val="ffffff"/>
+                <a:srgbClr val="FFFFFF"/>
               </a:buClr>
               <a:buFont typeface="Arial"/>
               <a:buChar char="•"/>
             </a:pPr>
             <a:r>
-              <a:rPr b="0" lang="en-US" sz="2000" spc="-1" strike="noStrike">
+              <a:rPr lang="en-US" sz="2000" b="0" strike="noStrike" spc="-1">
                 <a:solidFill>
-                  <a:srgbClr val="ffffff"/>
+                  <a:srgbClr val="FFFFFF"/>
                 </a:solidFill>
                 <a:latin typeface="Calibri"/>
               </a:rPr>
               <a:t>Clusterización</a:t>
             </a:r>
-            <a:endParaRPr b="0" lang="es-ES" sz="2000" spc="-1" strike="noStrike">
-              <a:latin typeface="Arial"/>
-            </a:endParaRPr>
-          </a:p>
-          <a:p>
-            <a:pPr lvl="1" marL="685800" indent="-227880">
+            <a:endParaRPr lang="es-ES" sz="2000" b="0" strike="noStrike" spc="-1">
+              <a:latin typeface="Arial"/>
+            </a:endParaRPr>
+          </a:p>
+          <a:p>
+            <a:pPr marL="685800" lvl="1" indent="-227880">
               <a:lnSpc>
                 <a:spcPct val="90000"/>
               </a:lnSpc>
@@ -3341,21 +3939,21 @@
                 <a:spcPts val="499"/>
               </a:spcBef>
               <a:buClr>
-                <a:srgbClr val="ffffff"/>
+                <a:srgbClr val="FFFFFF"/>
               </a:buClr>
               <a:buFont typeface="Arial"/>
               <a:buChar char="•"/>
             </a:pPr>
             <a:r>
-              <a:rPr b="0" lang="en-US" sz="2000" spc="-1" strike="noStrike">
+              <a:rPr lang="en-US" sz="2000" b="0" strike="noStrike" spc="-1">
                 <a:solidFill>
-                  <a:srgbClr val="ffffff"/>
+                  <a:srgbClr val="FFFFFF"/>
                 </a:solidFill>
                 <a:latin typeface="Calibri"/>
               </a:rPr>
               <a:t>Reducción de dimensionalidad</a:t>
             </a:r>
-            <a:endParaRPr b="0" lang="es-ES" sz="2000" spc="-1" strike="noStrike">
+            <a:endParaRPr lang="es-ES" sz="2000" b="0" strike="noStrike" spc="-1">
               <a:latin typeface="Arial"/>
             </a:endParaRPr>
           </a:p>
@@ -3365,7 +3963,7 @@
                 <a:spcPct val="100000"/>
               </a:lnSpc>
             </a:pPr>
-            <a:endParaRPr b="0" lang="es-ES" sz="2000" spc="-1" strike="noStrike">
+            <a:endParaRPr lang="es-ES" sz="2000" b="0" strike="noStrike" spc="-1">
               <a:latin typeface="Arial"/>
             </a:endParaRPr>
           </a:p>
@@ -3378,21 +3976,21 @@
                 <a:spcPts val="1001"/>
               </a:spcBef>
               <a:buClr>
-                <a:srgbClr val="ffffff"/>
+                <a:srgbClr val="FFFFFF"/>
               </a:buClr>
               <a:buFont typeface="Arial"/>
               <a:buChar char="•"/>
             </a:pPr>
             <a:r>
-              <a:rPr b="0" lang="en-US" sz="2400" spc="-1" strike="noStrike">
+              <a:rPr lang="en-US" sz="2400" b="0" strike="noStrike" spc="-1">
                 <a:solidFill>
-                  <a:srgbClr val="ffffff"/>
+                  <a:srgbClr val="FFFFFF"/>
                 </a:solidFill>
                 <a:latin typeface="Calibri"/>
               </a:rPr>
               <a:t>Aprendizaje por refuerzo</a:t>
             </a:r>
-            <a:endParaRPr b="0" lang="es-ES" sz="2400" spc="-1" strike="noStrike">
+            <a:endParaRPr lang="es-ES" sz="2400" b="0" strike="noStrike" spc="-1">
               <a:latin typeface="Arial"/>
             </a:endParaRPr>
           </a:p>
@@ -3405,7 +4003,7 @@
                 <a:spcPts val="1001"/>
               </a:spcBef>
             </a:pPr>
-            <a:endParaRPr b="0" lang="es-ES" sz="2400" spc="-1" strike="noStrike">
+            <a:endParaRPr lang="es-ES" sz="2400" b="0" strike="noStrike" spc="-1">
               <a:latin typeface="Arial"/>
             </a:endParaRPr>
           </a:p>
@@ -3418,7 +4016,7 @@
           <p:nvPr/>
         </p:nvPicPr>
         <p:blipFill>
-          <a:blip r:embed="rId1"/>
+          <a:blip r:embed="rId3"/>
           <a:stretch/>
         </p:blipFill>
         <p:spPr>
@@ -3436,19 +4034,14 @@
       </p:pic>
     </p:spTree>
   </p:cSld>
-  <mc:AlternateContent>
-    <mc:Choice Requires="p14">
-      <p:transition spd="slow" p14:dur="2000"/>
-    </mc:Choice>
-    <mc:Fallback>
-      <p:transition spd="slow"/>
-    </mc:Fallback>
-  </mc:AlternateContent>
+  <p:clrMapOvr>
+    <a:masterClrMapping/>
+  </p:clrMapOvr>
 </p:sld>
 </file>
 
 <file path=ppt/slides/slide3.xml><?xml version="1.0" encoding="utf-8"?>
-<p:sld xmlns:a="http://schemas.openxmlformats.org/drawingml/2006/main" xmlns:p="http://schemas.openxmlformats.org/presentationml/2006/main" xmlns:r="http://schemas.openxmlformats.org/officeDocument/2006/relationships" xmlns:p14="http://schemas.microsoft.com/office/powerpoint/2010/main" xmlns:p15="http://schemas.microsoft.com/office/powerpoint/2012/main" xmlns:mc="http://schemas.openxmlformats.org/markup-compatibility/2006">
+<p:sld xmlns:a="http://schemas.openxmlformats.org/drawingml/2006/main" xmlns:r="http://schemas.openxmlformats.org/officeDocument/2006/relationships" xmlns:p="http://schemas.openxmlformats.org/presentationml/2006/main">
   <p:cSld>
     <p:spTree>
       <p:nvGrpSpPr>
@@ -3484,15 +4077,22 @@
           </a:ln>
         </p:spPr>
         <p:style>
-          <a:lnRef idx="0"/>
-          <a:fillRef idx="0"/>
-          <a:effectRef idx="0"/>
+          <a:lnRef idx="0">
+            <a:scrgbClr r="0" g="0" b="0"/>
+          </a:lnRef>
+          <a:fillRef idx="0">
+            <a:scrgbClr r="0" g="0" b="0"/>
+          </a:fillRef>
+          <a:effectRef idx="0">
+            <a:scrgbClr r="0" g="0" b="0"/>
+          </a:effectRef>
           <a:fontRef idx="minor"/>
         </p:style>
         <p:txBody>
-          <a:bodyPr lIns="90000" rIns="90000" tIns="45000" bIns="45000" anchor="ctr">
+          <a:bodyPr lIns="90000" tIns="45000" rIns="90000" bIns="45000" anchor="ctr">
             <a:noAutofit/>
           </a:bodyPr>
+          <a:lstStyle/>
           <a:p>
             <a:pPr>
               <a:lnSpc>
@@ -3500,15 +4100,15 @@
               </a:lnSpc>
             </a:pPr>
             <a:r>
-              <a:rPr b="0" lang="en-GB" sz="4400" spc="-1" strike="noStrike">
+              <a:rPr lang="en-GB" sz="4400" b="0" strike="noStrike" spc="-1">
                 <a:solidFill>
-                  <a:srgbClr val="ff0000"/>
+                  <a:srgbClr val="FF0000"/>
                 </a:solidFill>
                 <a:latin typeface="Calibri Light"/>
               </a:rPr>
               <a:t>Regresión logística</a:t>
             </a:r>
-            <a:endParaRPr b="0" lang="es-ES" sz="4400" spc="-1" strike="noStrike">
+            <a:endParaRPr lang="es-ES" sz="4400" b="0" strike="noStrike" spc="-1">
               <a:latin typeface="Arial"/>
             </a:endParaRPr>
           </a:p>
@@ -3534,15 +4134,22 @@
           </a:ln>
         </p:spPr>
         <p:style>
-          <a:lnRef idx="0"/>
-          <a:fillRef idx="0"/>
-          <a:effectRef idx="0"/>
+          <a:lnRef idx="0">
+            <a:scrgbClr r="0" g="0" b="0"/>
+          </a:lnRef>
+          <a:fillRef idx="0">
+            <a:scrgbClr r="0" g="0" b="0"/>
+          </a:fillRef>
+          <a:effectRef idx="0">
+            <a:scrgbClr r="0" g="0" b="0"/>
+          </a:effectRef>
           <a:fontRef idx="minor"/>
         </p:style>
         <p:txBody>
-          <a:bodyPr lIns="90000" rIns="90000" tIns="45000" bIns="45000">
+          <a:bodyPr lIns="90000" tIns="45000" rIns="90000" bIns="45000">
             <a:normAutofit/>
           </a:bodyPr>
+          <a:lstStyle/>
           <a:p>
             <a:pPr marL="228600" indent="-227880">
               <a:lnSpc>
@@ -3552,21 +4159,21 @@
                 <a:spcPts val="1001"/>
               </a:spcBef>
               <a:buClr>
-                <a:srgbClr val="ffffff"/>
+                <a:srgbClr val="FFFFFF"/>
               </a:buClr>
               <a:buFont typeface="Arial"/>
               <a:buChar char="•"/>
             </a:pPr>
             <a:r>
-              <a:rPr b="0" lang="en-US" sz="1800" spc="-1" strike="noStrike">
+              <a:rPr lang="en-US" sz="1800" b="0" strike="noStrike" spc="-1">
                 <a:solidFill>
-                  <a:srgbClr val="ffffff"/>
+                  <a:srgbClr val="FFFFFF"/>
                 </a:solidFill>
                 <a:latin typeface="Calibri"/>
               </a:rPr>
               <a:t>Don’t get confused by its name!  Es clasificación.</a:t>
             </a:r>
-            <a:endParaRPr b="0" lang="es-ES" sz="1800" spc="-1" strike="noStrike">
+            <a:endParaRPr lang="es-ES" sz="1800" b="0" strike="noStrike" spc="-1">
               <a:latin typeface="Arial"/>
             </a:endParaRPr>
           </a:p>
@@ -3579,7 +4186,7 @@
                 <a:spcPts val="1001"/>
               </a:spcBef>
             </a:pPr>
-            <a:endParaRPr b="0" lang="es-ES" sz="1800" spc="-1" strike="noStrike">
+            <a:endParaRPr lang="es-ES" sz="1800" b="0" strike="noStrike" spc="-1">
               <a:latin typeface="Arial"/>
             </a:endParaRPr>
           </a:p>
@@ -3592,7 +4199,7 @@
                 <a:spcPts val="1001"/>
               </a:spcBef>
             </a:pPr>
-            <a:endParaRPr b="0" lang="es-ES" sz="1800" spc="-1" strike="noStrike">
+            <a:endParaRPr lang="es-ES" sz="1800" b="0" strike="noStrike" spc="-1">
               <a:latin typeface="Arial"/>
             </a:endParaRPr>
           </a:p>
@@ -3605,21 +4212,21 @@
                 <a:spcPts val="1001"/>
               </a:spcBef>
               <a:buClr>
-                <a:srgbClr val="ffffff"/>
+                <a:srgbClr val="FFFFFF"/>
               </a:buClr>
               <a:buFont typeface="Arial"/>
               <a:buChar char="•"/>
             </a:pPr>
             <a:r>
-              <a:rPr b="0" lang="en-US" sz="1800" spc="-1" strike="noStrike">
+              <a:rPr lang="en-US" sz="1800" b="0" strike="noStrike" spc="-1">
                 <a:solidFill>
-                  <a:srgbClr val="ffffff"/>
+                  <a:srgbClr val="FFFFFF"/>
                 </a:solidFill>
                 <a:latin typeface="Calibri"/>
               </a:rPr>
               <a:t>Es un tipo de análisis de regresión utilizado para predecir el resultado de una variable categórica (y) en función de las variables independientes (x).</a:t>
             </a:r>
-            <a:endParaRPr b="0" lang="es-ES" sz="1800" spc="-1" strike="noStrike">
+            <a:endParaRPr lang="es-ES" sz="1800" b="0" strike="noStrike" spc="-1">
               <a:latin typeface="Arial"/>
             </a:endParaRPr>
           </a:p>
@@ -3632,7 +4239,7 @@
                 <a:spcPts val="1001"/>
               </a:spcBef>
             </a:pPr>
-            <a:endParaRPr b="0" lang="es-ES" sz="1800" spc="-1" strike="noStrike">
+            <a:endParaRPr lang="es-ES" sz="1800" b="0" strike="noStrike" spc="-1">
               <a:latin typeface="Arial"/>
             </a:endParaRPr>
           </a:p>
@@ -3645,7 +4252,7 @@
                 <a:spcPts val="1001"/>
               </a:spcBef>
             </a:pPr>
-            <a:endParaRPr b="0" lang="es-ES" sz="1800" spc="-1" strike="noStrike">
+            <a:endParaRPr lang="es-ES" sz="1800" b="0" strike="noStrike" spc="-1">
               <a:latin typeface="Arial"/>
             </a:endParaRPr>
           </a:p>
@@ -3658,21 +4265,21 @@
                 <a:spcPts val="1001"/>
               </a:spcBef>
               <a:buClr>
-                <a:srgbClr val="ffffff"/>
+                <a:srgbClr val="FFFFFF"/>
               </a:buClr>
               <a:buFont typeface="Arial"/>
               <a:buChar char="•"/>
             </a:pPr>
             <a:r>
-              <a:rPr b="0" lang="en-US" sz="1800" spc="-1" strike="noStrike">
+              <a:rPr lang="en-US" sz="1800" b="0" strike="noStrike" spc="-1">
                 <a:solidFill>
-                  <a:srgbClr val="ffffff"/>
+                  <a:srgbClr val="FFFFFF"/>
                 </a:solidFill>
                 <a:latin typeface="Calibri"/>
               </a:rPr>
               <a:t>Util para modelar la probabilidad de un evento ocurriendo como función de otros factores.</a:t>
             </a:r>
-            <a:endParaRPr b="0" lang="es-ES" sz="1800" spc="-1" strike="noStrike">
+            <a:endParaRPr lang="es-ES" sz="1800" b="0" strike="noStrike" spc="-1">
               <a:latin typeface="Arial"/>
             </a:endParaRPr>
           </a:p>
@@ -3685,7 +4292,7 @@
           <p:nvPr/>
         </p:nvPicPr>
         <p:blipFill>
-          <a:blip r:embed="rId1"/>
+          <a:blip r:embed="rId3"/>
           <a:stretch/>
         </p:blipFill>
         <p:spPr>
@@ -3703,19 +4310,14 @@
       </p:pic>
     </p:spTree>
   </p:cSld>
-  <mc:AlternateContent>
-    <mc:Choice Requires="p14">
-      <p:transition spd="slow" p14:dur="2000"/>
-    </mc:Choice>
-    <mc:Fallback>
-      <p:transition spd="slow"/>
-    </mc:Fallback>
-  </mc:AlternateContent>
+  <p:clrMapOvr>
+    <a:masterClrMapping/>
+  </p:clrMapOvr>
 </p:sld>
 </file>
 
 <file path=ppt/slides/slide4.xml><?xml version="1.0" encoding="utf-8"?>
-<p:sld xmlns:a="http://schemas.openxmlformats.org/drawingml/2006/main" xmlns:p="http://schemas.openxmlformats.org/presentationml/2006/main" xmlns:r="http://schemas.openxmlformats.org/officeDocument/2006/relationships" xmlns:p14="http://schemas.microsoft.com/office/powerpoint/2010/main" xmlns:p15="http://schemas.microsoft.com/office/powerpoint/2012/main" xmlns:mc="http://schemas.openxmlformats.org/markup-compatibility/2006">
+<p:sld xmlns:a="http://schemas.openxmlformats.org/drawingml/2006/main" xmlns:r="http://schemas.openxmlformats.org/officeDocument/2006/relationships" xmlns:p="http://schemas.openxmlformats.org/presentationml/2006/main">
   <p:cSld>
     <p:spTree>
       <p:nvGrpSpPr>
@@ -3751,15 +4353,22 @@
           </a:ln>
         </p:spPr>
         <p:style>
-          <a:lnRef idx="0"/>
-          <a:fillRef idx="0"/>
-          <a:effectRef idx="0"/>
+          <a:lnRef idx="0">
+            <a:scrgbClr r="0" g="0" b="0"/>
+          </a:lnRef>
+          <a:fillRef idx="0">
+            <a:scrgbClr r="0" g="0" b="0"/>
+          </a:fillRef>
+          <a:effectRef idx="0">
+            <a:scrgbClr r="0" g="0" b="0"/>
+          </a:effectRef>
           <a:fontRef idx="minor"/>
         </p:style>
         <p:txBody>
-          <a:bodyPr lIns="90000" rIns="90000" tIns="45000" bIns="45000" anchor="ctr">
+          <a:bodyPr lIns="90000" tIns="45000" rIns="90000" bIns="45000" anchor="ctr">
             <a:noAutofit/>
           </a:bodyPr>
+          <a:lstStyle/>
           <a:p>
             <a:pPr>
               <a:lnSpc>
@@ -3767,15 +4376,15 @@
               </a:lnSpc>
             </a:pPr>
             <a:r>
-              <a:rPr b="0" lang="en-GB" sz="4400" spc="-1" strike="noStrike">
+              <a:rPr lang="en-GB" sz="4400" b="0" strike="noStrike" spc="-1">
                 <a:solidFill>
-                  <a:srgbClr val="ff0000"/>
+                  <a:srgbClr val="FF0000"/>
                 </a:solidFill>
                 <a:latin typeface="Calibri Light"/>
               </a:rPr>
               <a:t>Regresión logística vs Regresión lineal</a:t>
             </a:r>
-            <a:endParaRPr b="0" lang="es-ES" sz="4400" spc="-1" strike="noStrike">
+            <a:endParaRPr lang="es-ES" sz="4400" b="0" strike="noStrike" spc="-1">
               <a:latin typeface="Arial"/>
             </a:endParaRPr>
           </a:p>
@@ -3788,7 +4397,7 @@
           <p:nvPr/>
         </p:nvPicPr>
         <p:blipFill>
-          <a:blip r:embed="rId1"/>
+          <a:blip r:embed="rId3"/>
           <a:stretch/>
         </p:blipFill>
         <p:spPr>
@@ -3806,19 +4415,14 @@
       </p:pic>
     </p:spTree>
   </p:cSld>
-  <mc:AlternateContent>
-    <mc:Choice Requires="p14">
-      <p:transition spd="slow" p14:dur="2000"/>
-    </mc:Choice>
-    <mc:Fallback>
-      <p:transition spd="slow"/>
-    </mc:Fallback>
-  </mc:AlternateContent>
+  <p:clrMapOvr>
+    <a:masterClrMapping/>
+  </p:clrMapOvr>
 </p:sld>
 </file>
 
 <file path=ppt/slides/slide5.xml><?xml version="1.0" encoding="utf-8"?>
-<p:sld xmlns:a="http://schemas.openxmlformats.org/drawingml/2006/main" xmlns:p="http://schemas.openxmlformats.org/presentationml/2006/main" xmlns:r="http://schemas.openxmlformats.org/officeDocument/2006/relationships" xmlns:p14="http://schemas.microsoft.com/office/powerpoint/2010/main" xmlns:p15="http://schemas.microsoft.com/office/powerpoint/2012/main" xmlns:mc="http://schemas.openxmlformats.org/markup-compatibility/2006">
+<p:sld xmlns:a="http://schemas.openxmlformats.org/drawingml/2006/main" xmlns:r="http://schemas.openxmlformats.org/officeDocument/2006/relationships" xmlns:p="http://schemas.openxmlformats.org/presentationml/2006/main">
   <p:cSld>
     <p:spTree>
       <p:nvGrpSpPr>
@@ -3854,15 +4458,22 @@
           </a:ln>
         </p:spPr>
         <p:style>
-          <a:lnRef idx="0"/>
-          <a:fillRef idx="0"/>
-          <a:effectRef idx="0"/>
+          <a:lnRef idx="0">
+            <a:scrgbClr r="0" g="0" b="0"/>
+          </a:lnRef>
+          <a:fillRef idx="0">
+            <a:scrgbClr r="0" g="0" b="0"/>
+          </a:fillRef>
+          <a:effectRef idx="0">
+            <a:scrgbClr r="0" g="0" b="0"/>
+          </a:effectRef>
           <a:fontRef idx="minor"/>
         </p:style>
         <p:txBody>
-          <a:bodyPr lIns="90000" rIns="90000" tIns="45000" bIns="45000" anchor="ctr">
+          <a:bodyPr lIns="90000" tIns="45000" rIns="90000" bIns="45000" anchor="ctr">
             <a:noAutofit/>
           </a:bodyPr>
+          <a:lstStyle/>
           <a:p>
             <a:pPr>
               <a:lnSpc>
@@ -3870,15 +4481,15 @@
               </a:lnSpc>
             </a:pPr>
             <a:r>
-              <a:rPr b="0" lang="en-GB" sz="4400" spc="-1" strike="noStrike">
+              <a:rPr lang="en-GB" sz="4400" b="0" strike="noStrike" spc="-1">
                 <a:solidFill>
-                  <a:srgbClr val="ff0000"/>
+                  <a:srgbClr val="FF0000"/>
                 </a:solidFill>
                 <a:latin typeface="Calibri Light"/>
               </a:rPr>
               <a:t>Regresión logística</a:t>
             </a:r>
-            <a:endParaRPr b="0" lang="es-ES" sz="4400" spc="-1" strike="noStrike">
+            <a:endParaRPr lang="es-ES" sz="4400" b="0" strike="noStrike" spc="-1">
               <a:latin typeface="Arial"/>
             </a:endParaRPr>
           </a:p>
@@ -3904,15 +4515,22 @@
           </a:ln>
         </p:spPr>
         <p:style>
-          <a:lnRef idx="0"/>
-          <a:fillRef idx="0"/>
-          <a:effectRef idx="0"/>
+          <a:lnRef idx="0">
+            <a:scrgbClr r="0" g="0" b="0"/>
+          </a:lnRef>
+          <a:fillRef idx="0">
+            <a:scrgbClr r="0" g="0" b="0"/>
+          </a:fillRef>
+          <a:effectRef idx="0">
+            <a:scrgbClr r="0" g="0" b="0"/>
+          </a:effectRef>
           <a:fontRef idx="minor"/>
         </p:style>
         <p:txBody>
-          <a:bodyPr lIns="90000" rIns="90000" tIns="45000" bIns="45000">
+          <a:bodyPr lIns="90000" tIns="45000" rIns="90000" bIns="45000">
             <a:normAutofit/>
           </a:bodyPr>
+          <a:lstStyle/>
           <a:p>
             <a:pPr marL="228600" indent="-227880">
               <a:lnSpc>
@@ -3922,21 +4540,21 @@
                 <a:spcPts val="1001"/>
               </a:spcBef>
               <a:buClr>
-                <a:srgbClr val="ffffff"/>
+                <a:srgbClr val="FFFFFF"/>
               </a:buClr>
               <a:buFont typeface="Arial"/>
               <a:buChar char="•"/>
             </a:pPr>
             <a:r>
-              <a:rPr b="0" lang="en-GB" sz="1800" spc="-1" strike="noStrike">
+              <a:rPr lang="en-GB" sz="1800" b="0" strike="noStrike" spc="-1">
                 <a:solidFill>
-                  <a:srgbClr val="ffffff"/>
+                  <a:srgbClr val="FFFFFF"/>
                 </a:solidFill>
                 <a:latin typeface="Calibri"/>
               </a:rPr>
               <a:t>Su fórmula se obtiene a partir de la función sigmoide. Esta función tiene un valor de entrada y la operación que realiza ofrece un valor comprendido entre [0,1]. </a:t>
             </a:r>
-            <a:endParaRPr b="0" lang="es-ES" sz="1800" spc="-1" strike="noStrike">
+            <a:endParaRPr lang="es-ES" sz="1800" b="0" strike="noStrike" spc="-1">
               <a:latin typeface="Arial"/>
             </a:endParaRPr>
           </a:p>
@@ -3949,7 +4567,7 @@
                 <a:spcPts val="1001"/>
               </a:spcBef>
             </a:pPr>
-            <a:endParaRPr b="0" lang="es-ES" sz="1800" spc="-1" strike="noStrike">
+            <a:endParaRPr lang="es-ES" sz="1800" b="0" strike="noStrike" spc="-1">
               <a:latin typeface="Arial"/>
             </a:endParaRPr>
           </a:p>
@@ -3962,21 +4580,21 @@
                 <a:spcPts val="1001"/>
               </a:spcBef>
               <a:buClr>
-                <a:srgbClr val="ffffff"/>
+                <a:srgbClr val="FFFFFF"/>
               </a:buClr>
               <a:buFont typeface="Arial"/>
               <a:buChar char="•"/>
             </a:pPr>
             <a:r>
-              <a:rPr b="0" lang="en-GB" sz="1800" spc="-1" strike="noStrike">
+              <a:rPr lang="en-GB" sz="1800" b="0" strike="noStrike" spc="-1">
                 <a:solidFill>
-                  <a:srgbClr val="ffffff"/>
+                  <a:srgbClr val="FFFFFF"/>
                 </a:solidFill>
                 <a:latin typeface="Calibri"/>
               </a:rPr>
               <a:t>En la resolución de problemas de clasificación, este valor de entrada es toda la ecuación de la regresión lineal. </a:t>
             </a:r>
-            <a:endParaRPr b="0" lang="es-ES" sz="1800" spc="-1" strike="noStrike">
+            <a:endParaRPr lang="es-ES" sz="1800" b="0" strike="noStrike" spc="-1">
               <a:latin typeface="Arial"/>
             </a:endParaRPr>
           </a:p>
@@ -3989,7 +4607,7 @@
                 <a:spcPts val="1001"/>
               </a:spcBef>
             </a:pPr>
-            <a:endParaRPr b="0" lang="es-ES" sz="1800" spc="-1" strike="noStrike">
+            <a:endParaRPr lang="es-ES" sz="1800" b="0" strike="noStrike" spc="-1">
               <a:latin typeface="Arial"/>
             </a:endParaRPr>
           </a:p>
@@ -4002,21 +4620,21 @@
                 <a:spcPts val="1001"/>
               </a:spcBef>
               <a:buClr>
-                <a:srgbClr val="ffffff"/>
+                <a:srgbClr val="FFFFFF"/>
               </a:buClr>
               <a:buFont typeface="Arial"/>
               <a:buChar char="•"/>
             </a:pPr>
             <a:r>
-              <a:rPr b="0" lang="es-ES" sz="1800" spc="-1" strike="noStrike">
+              <a:rPr lang="es-ES" sz="1800" b="0" strike="noStrike" spc="-1">
                 <a:solidFill>
-                  <a:srgbClr val="ffffff"/>
+                  <a:srgbClr val="FFFFFF"/>
                 </a:solidFill>
                 <a:latin typeface="Calibri"/>
               </a:rPr>
               <a:t>Como hacíamos con la regresión lineal, la regresión logística trata de ajustar los valores para “a” y “b”</a:t>
             </a:r>
-            <a:endParaRPr b="0" lang="es-ES" sz="1800" spc="-1" strike="noStrike">
+            <a:endParaRPr lang="es-ES" sz="1800" b="0" strike="noStrike" spc="-1">
               <a:latin typeface="Arial"/>
             </a:endParaRPr>
           </a:p>
@@ -4024,12 +4642,12 @@
       </p:sp>
       <p:pic>
         <p:nvPicPr>
-          <p:cNvPr id="56" name="" descr=""/>
+          <p:cNvPr id="56" name="Imagen 55"/>
           <p:cNvPicPr/>
           <p:nvPr/>
         </p:nvPicPr>
         <p:blipFill>
-          <a:blip r:embed="rId1"/>
+          <a:blip r:embed="rId3"/>
           <a:stretch/>
         </p:blipFill>
         <p:spPr>
@@ -4047,19 +4665,14 @@
       </p:pic>
     </p:spTree>
   </p:cSld>
-  <mc:AlternateContent>
-    <mc:Choice Requires="p14">
-      <p:transition spd="slow" p14:dur="2000"/>
-    </mc:Choice>
-    <mc:Fallback>
-      <p:transition spd="slow"/>
-    </mc:Fallback>
-  </mc:AlternateContent>
+  <p:clrMapOvr>
+    <a:masterClrMapping/>
+  </p:clrMapOvr>
 </p:sld>
 </file>
 
 <file path=ppt/slides/slide6.xml><?xml version="1.0" encoding="utf-8"?>
-<p:sld xmlns:a="http://schemas.openxmlformats.org/drawingml/2006/main" xmlns:p="http://schemas.openxmlformats.org/presentationml/2006/main" xmlns:r="http://schemas.openxmlformats.org/officeDocument/2006/relationships" xmlns:p14="http://schemas.microsoft.com/office/powerpoint/2010/main" xmlns:p15="http://schemas.microsoft.com/office/powerpoint/2012/main" xmlns:mc="http://schemas.openxmlformats.org/markup-compatibility/2006">
+<p:sld xmlns:a="http://schemas.openxmlformats.org/drawingml/2006/main" xmlns:r="http://schemas.openxmlformats.org/officeDocument/2006/relationships" xmlns:p="http://schemas.openxmlformats.org/presentationml/2006/main">
   <p:cSld>
     <p:spTree>
       <p:nvGrpSpPr>
@@ -4095,15 +4708,22 @@
           </a:ln>
         </p:spPr>
         <p:style>
-          <a:lnRef idx="0"/>
-          <a:fillRef idx="0"/>
-          <a:effectRef idx="0"/>
+          <a:lnRef idx="0">
+            <a:scrgbClr r="0" g="0" b="0"/>
+          </a:lnRef>
+          <a:fillRef idx="0">
+            <a:scrgbClr r="0" g="0" b="0"/>
+          </a:fillRef>
+          <a:effectRef idx="0">
+            <a:scrgbClr r="0" g="0" b="0"/>
+          </a:effectRef>
           <a:fontRef idx="minor"/>
         </p:style>
         <p:txBody>
-          <a:bodyPr lIns="90000" rIns="90000" tIns="45000" bIns="45000" anchor="ctr">
+          <a:bodyPr lIns="90000" tIns="45000" rIns="90000" bIns="45000" anchor="ctr">
             <a:noAutofit/>
           </a:bodyPr>
+          <a:lstStyle/>
           <a:p>
             <a:pPr>
               <a:lnSpc>
@@ -4111,15 +4731,15 @@
               </a:lnSpc>
             </a:pPr>
             <a:r>
-              <a:rPr b="0" lang="en-GB" sz="4400" spc="-1" strike="noStrike">
+              <a:rPr lang="en-GB" sz="4400" b="0" strike="noStrike" spc="-1">
                 <a:solidFill>
-                  <a:srgbClr val="ff0000"/>
+                  <a:srgbClr val="FF0000"/>
                 </a:solidFill>
                 <a:latin typeface="Calibri Light"/>
               </a:rPr>
               <a:t>Regresión logística vs Regresión lineal</a:t>
             </a:r>
-            <a:endParaRPr b="0" lang="es-ES" sz="4400" spc="-1" strike="noStrike">
+            <a:endParaRPr lang="es-ES" sz="4400" b="0" strike="noStrike" spc="-1">
               <a:latin typeface="Arial"/>
             </a:endParaRPr>
           </a:p>
@@ -4132,7 +4752,7 @@
           <p:nvPr/>
         </p:nvPicPr>
         <p:blipFill>
-          <a:blip r:embed="rId1"/>
+          <a:blip r:embed="rId3"/>
           <a:stretch/>
         </p:blipFill>
         <p:spPr>
@@ -4150,19 +4770,14 @@
       </p:pic>
     </p:spTree>
   </p:cSld>
-  <mc:AlternateContent>
-    <mc:Choice Requires="p14">
-      <p:transition spd="slow" p14:dur="2000"/>
-    </mc:Choice>
-    <mc:Fallback>
-      <p:transition spd="slow"/>
-    </mc:Fallback>
-  </mc:AlternateContent>
+  <p:clrMapOvr>
+    <a:masterClrMapping/>
+  </p:clrMapOvr>
 </p:sld>
 </file>
 
 <file path=ppt/slides/slide7.xml><?xml version="1.0" encoding="utf-8"?>
-<p:sld xmlns:a="http://schemas.openxmlformats.org/drawingml/2006/main" xmlns:p="http://schemas.openxmlformats.org/presentationml/2006/main" xmlns:r="http://schemas.openxmlformats.org/officeDocument/2006/relationships" xmlns:p14="http://schemas.microsoft.com/office/powerpoint/2010/main" xmlns:p15="http://schemas.microsoft.com/office/powerpoint/2012/main" xmlns:mc="http://schemas.openxmlformats.org/markup-compatibility/2006">
+<p:sld xmlns:a="http://schemas.openxmlformats.org/drawingml/2006/main" xmlns:r="http://schemas.openxmlformats.org/officeDocument/2006/relationships" xmlns:p="http://schemas.openxmlformats.org/presentationml/2006/main">
   <p:cSld>
     <p:spTree>
       <p:nvGrpSpPr>
@@ -4198,15 +4813,22 @@
           </a:ln>
         </p:spPr>
         <p:style>
-          <a:lnRef idx="0"/>
-          <a:fillRef idx="0"/>
-          <a:effectRef idx="0"/>
+          <a:lnRef idx="0">
+            <a:scrgbClr r="0" g="0" b="0"/>
+          </a:lnRef>
+          <a:fillRef idx="0">
+            <a:scrgbClr r="0" g="0" b="0"/>
+          </a:fillRef>
+          <a:effectRef idx="0">
+            <a:scrgbClr r="0" g="0" b="0"/>
+          </a:effectRef>
           <a:fontRef idx="minor"/>
         </p:style>
         <p:txBody>
-          <a:bodyPr lIns="90000" rIns="90000" tIns="45000" bIns="45000" anchor="ctr">
+          <a:bodyPr lIns="90000" tIns="45000" rIns="90000" bIns="45000" anchor="ctr">
             <a:noAutofit/>
           </a:bodyPr>
+          <a:lstStyle/>
           <a:p>
             <a:pPr>
               <a:lnSpc>
@@ -4214,15 +4836,15 @@
               </a:lnSpc>
             </a:pPr>
             <a:r>
-              <a:rPr b="0" lang="en-GB" sz="4400" spc="-1" strike="noStrike">
+              <a:rPr lang="en-GB" sz="4400" b="0" strike="noStrike" spc="-1">
                 <a:solidFill>
-                  <a:srgbClr val="ff0000"/>
+                  <a:srgbClr val="FF0000"/>
                 </a:solidFill>
                 <a:latin typeface="Calibri Light"/>
               </a:rPr>
               <a:t>Gradient Descent</a:t>
             </a:r>
-            <a:endParaRPr b="0" lang="es-ES" sz="4400" spc="-1" strike="noStrike">
+            <a:endParaRPr lang="es-ES" sz="4400" b="0" strike="noStrike" spc="-1">
               <a:latin typeface="Arial"/>
             </a:endParaRPr>
           </a:p>
@@ -4230,12 +4852,12 @@
       </p:sp>
       <p:pic>
         <p:nvPicPr>
-          <p:cNvPr id="60" name="" descr=""/>
+          <p:cNvPr id="60" name="Imagen 59"/>
           <p:cNvPicPr/>
           <p:nvPr/>
         </p:nvPicPr>
         <p:blipFill>
-          <a:blip r:embed="rId1"/>
+          <a:blip r:embed="rId3"/>
           <a:stretch/>
         </p:blipFill>
         <p:spPr>
@@ -4271,15 +4893,22 @@
           </a:ln>
         </p:spPr>
         <p:style>
-          <a:lnRef idx="0"/>
-          <a:fillRef idx="0"/>
-          <a:effectRef idx="0"/>
+          <a:lnRef idx="0">
+            <a:scrgbClr r="0" g="0" b="0"/>
+          </a:lnRef>
+          <a:fillRef idx="0">
+            <a:scrgbClr r="0" g="0" b="0"/>
+          </a:fillRef>
+          <a:effectRef idx="0">
+            <a:scrgbClr r="0" g="0" b="0"/>
+          </a:effectRef>
           <a:fontRef idx="minor"/>
         </p:style>
         <p:txBody>
-          <a:bodyPr lIns="90000" rIns="90000" tIns="45000" bIns="45000">
+          <a:bodyPr lIns="90000" tIns="45000" rIns="90000" bIns="45000">
             <a:noAutofit/>
           </a:bodyPr>
+          <a:lstStyle/>
           <a:p>
             <a:pPr>
               <a:lnSpc>
@@ -4287,14 +4916,14 @@
               </a:lnSpc>
             </a:pPr>
             <a:r>
-              <a:rPr b="0" lang="es-ES" sz="1800" spc="-1" strike="noStrike">
+              <a:rPr lang="es-ES" sz="1800" b="0" strike="noStrike" spc="-1" dirty="0">
+                <a:solidFill>
+                  <a:schemeClr val="bg1"/>
+                </a:solidFill>
                 <a:latin typeface="Arial"/>
               </a:rPr>
               <a:t>Al igual que en Regresión Lineal, la Regresión Logística tiene su función de coste, que hay que minimizar para obtener los pesos (w) de la regresión que minimizan los errores.</a:t>
             </a:r>
-            <a:endParaRPr b="0" lang="es-ES" sz="1800" spc="-1" strike="noStrike">
-              <a:latin typeface="Arial"/>
-            </a:endParaRPr>
           </a:p>
           <a:p>
             <a:pPr>
@@ -4302,7 +4931,10 @@
                 <a:spcPct val="100000"/>
               </a:lnSpc>
             </a:pPr>
-            <a:endParaRPr b="0" lang="es-ES" sz="1800" spc="-1" strike="noStrike">
+            <a:endParaRPr lang="es-ES" sz="1800" b="0" strike="noStrike" spc="-1" dirty="0">
+              <a:solidFill>
+                <a:schemeClr val="bg1"/>
+              </a:solidFill>
               <a:latin typeface="Arial"/>
             </a:endParaRPr>
           </a:p>
@@ -4313,44 +4945,63 @@
               </a:lnSpc>
             </a:pPr>
             <a:r>
-              <a:rPr b="0" lang="es-ES" sz="1800" spc="-1" strike="noStrike">
+              <a:rPr lang="es-ES" sz="1800" b="0" strike="noStrike" spc="-1" dirty="0">
+                <a:solidFill>
+                  <a:schemeClr val="bg1"/>
+                </a:solidFill>
                 <a:latin typeface="Arial"/>
               </a:rPr>
               <a:t>¿Cómo solventamos esto? → De nuevo, </a:t>
             </a:r>
             <a:r>
-              <a:rPr b="1" lang="es-ES" sz="1800" spc="-1" strike="noStrike">
+              <a:rPr lang="es-ES" sz="1800" b="1" strike="noStrike" spc="-1" dirty="0" err="1">
+                <a:solidFill>
+                  <a:schemeClr val="bg1"/>
+                </a:solidFill>
                 <a:latin typeface="Arial"/>
               </a:rPr>
-              <a:t>Gradient Descent</a:t>
+              <a:t>Gradient</a:t>
             </a:r>
             <a:r>
-              <a:rPr b="0" lang="es-ES" sz="1800" spc="-1" strike="noStrike">
+              <a:rPr lang="es-ES" sz="1800" b="1" strike="noStrike" spc="-1" dirty="0">
+                <a:solidFill>
+                  <a:schemeClr val="bg1"/>
+                </a:solidFill>
+                <a:latin typeface="Arial"/>
+              </a:rPr>
+              <a:t> </a:t>
+            </a:r>
+            <a:r>
+              <a:rPr lang="es-ES" sz="1800" b="1" strike="noStrike" spc="-1" dirty="0" err="1">
+                <a:solidFill>
+                  <a:schemeClr val="bg1"/>
+                </a:solidFill>
+                <a:latin typeface="Arial"/>
+              </a:rPr>
+              <a:t>Descent</a:t>
+            </a:r>
+            <a:r>
+              <a:rPr lang="es-ES" sz="1800" b="0" strike="noStrike" spc="-1" dirty="0">
+                <a:solidFill>
+                  <a:schemeClr val="bg1"/>
+                </a:solidFill>
                 <a:latin typeface="Arial"/>
               </a:rPr>
               <a:t>.</a:t>
             </a:r>
-            <a:endParaRPr b="0" lang="es-ES" sz="1800" spc="-1" strike="noStrike">
-              <a:latin typeface="Arial"/>
-            </a:endParaRPr>
           </a:p>
         </p:txBody>
       </p:sp>
     </p:spTree>
   </p:cSld>
-  <mc:AlternateContent>
-    <mc:Choice Requires="p14">
-      <p:transition spd="slow" p14:dur="2000"/>
-    </mc:Choice>
-    <mc:Fallback>
-      <p:transition spd="slow"/>
-    </mc:Fallback>
-  </mc:AlternateContent>
+  <p:clrMapOvr>
+    <a:masterClrMapping/>
+  </p:clrMapOvr>
 </p:sld>
 </file>
 
 <file path=ppt/slides/slide8.xml><?xml version="1.0" encoding="utf-8"?>
-<p:sld xmlns:a="http://schemas.openxmlformats.org/drawingml/2006/main" xmlns:p="http://schemas.openxmlformats.org/presentationml/2006/main" xmlns:r="http://schemas.openxmlformats.org/officeDocument/2006/relationships" xmlns:p14="http://schemas.microsoft.com/office/powerpoint/2010/main" xmlns:p15="http://schemas.microsoft.com/office/powerpoint/2012/main" xmlns:mc="http://schemas.openxmlformats.org/markup-compatibility/2006">
+<p:sld xmlns:a="http://schemas.openxmlformats.org/drawingml/2006/main" xmlns:r="http://schemas.openxmlformats.org/officeDocument/2006/relationships" xmlns:p="http://schemas.openxmlformats.org/presentationml/2006/main">
   <p:cSld>
     <p:spTree>
       <p:nvGrpSpPr>
@@ -4386,15 +5037,22 @@
           </a:ln>
         </p:spPr>
         <p:style>
-          <a:lnRef idx="0"/>
-          <a:fillRef idx="0"/>
-          <a:effectRef idx="0"/>
+          <a:lnRef idx="0">
+            <a:scrgbClr r="0" g="0" b="0"/>
+          </a:lnRef>
+          <a:fillRef idx="0">
+            <a:scrgbClr r="0" g="0" b="0"/>
+          </a:fillRef>
+          <a:effectRef idx="0">
+            <a:scrgbClr r="0" g="0" b="0"/>
+          </a:effectRef>
           <a:fontRef idx="minor"/>
         </p:style>
         <p:txBody>
-          <a:bodyPr lIns="90000" rIns="90000" tIns="45000" bIns="45000" anchor="ctr">
+          <a:bodyPr lIns="90000" tIns="45000" rIns="90000" bIns="45000" anchor="ctr">
             <a:normAutofit/>
           </a:bodyPr>
+          <a:lstStyle/>
           <a:p>
             <a:pPr>
               <a:lnSpc>
@@ -4402,15 +5060,15 @@
               </a:lnSpc>
             </a:pPr>
             <a:r>
-              <a:rPr b="0" lang="es-ES" sz="6600" spc="-1" strike="noStrike">
+              <a:rPr lang="es-ES" sz="6600" b="0" strike="noStrike" spc="-1">
                 <a:solidFill>
-                  <a:srgbClr val="ff0000"/>
+                  <a:srgbClr val="FF0000"/>
                 </a:solidFill>
                 <a:latin typeface="Calibri Light"/>
               </a:rPr>
               <a:t>Ejemplo</a:t>
             </a:r>
-            <a:endParaRPr b="0" lang="es-ES" sz="6600" spc="-1" strike="noStrike">
+            <a:endParaRPr lang="es-ES" sz="6600" b="0" strike="noStrike" spc="-1">
               <a:latin typeface="Arial"/>
             </a:endParaRPr>
           </a:p>
@@ -4418,14 +5076,9 @@
       </p:sp>
     </p:spTree>
   </p:cSld>
-  <mc:AlternateContent>
-    <mc:Choice Requires="p14">
-      <p:transition spd="slow" p14:dur="2000"/>
-    </mc:Choice>
-    <mc:Fallback>
-      <p:transition spd="slow"/>
-    </mc:Fallback>
-  </mc:AlternateContent>
+  <p:clrMapOvr>
+    <a:masterClrMapping/>
+  </p:clrMapOvr>
 </p:sld>
 </file>
 
@@ -4440,34 +5093,34 @@
         <a:sysClr val="window" lastClr="FFFFFF"/>
       </a:lt1>
       <a:dk2>
-        <a:srgbClr val="44546a"/>
+        <a:srgbClr val="44546A"/>
       </a:dk2>
       <a:lt2>
-        <a:srgbClr val="e7e6e6"/>
+        <a:srgbClr val="E7E6E6"/>
       </a:lt2>
       <a:accent1>
-        <a:srgbClr val="ff0000"/>
+        <a:srgbClr val="FF0000"/>
       </a:accent1>
       <a:accent2>
-        <a:srgbClr val="ed7d31"/>
+        <a:srgbClr val="ED7D31"/>
       </a:accent2>
       <a:accent3>
-        <a:srgbClr val="a5a5a5"/>
+        <a:srgbClr val="A5A5A5"/>
       </a:accent3>
       <a:accent4>
-        <a:srgbClr val="ffc000"/>
+        <a:srgbClr val="FFC000"/>
       </a:accent4>
       <a:accent5>
-        <a:srgbClr val="5b9bd5"/>
+        <a:srgbClr val="5B9BD5"/>
       </a:accent5>
       <a:accent6>
-        <a:srgbClr val="70ad47"/>
+        <a:srgbClr val="70AD47"/>
       </a:accent6>
       <a:hlink>
-        <a:srgbClr val="0563c1"/>
+        <a:srgbClr val="0563C1"/>
       </a:hlink>
       <a:folHlink>
-        <a:srgbClr val="954f72"/>
+        <a:srgbClr val="954F72"/>
       </a:folHlink>
     </a:clrScheme>
     <a:fontScheme name="Office">
@@ -4652,6 +5305,8 @@
       </a:bgFillStyleLst>
     </a:fmtScheme>
   </a:themeElements>
+  <a:objectDefaults/>
+  <a:extraClrSchemeLst/>
 </a:theme>
 </file>
 
@@ -4666,34 +5321,34 @@
         <a:sysClr val="window" lastClr="FFFFFF"/>
       </a:lt1>
       <a:dk2>
-        <a:srgbClr val="44546a"/>
+        <a:srgbClr val="44546A"/>
       </a:dk2>
       <a:lt2>
-        <a:srgbClr val="e7e6e6"/>
+        <a:srgbClr val="E7E6E6"/>
       </a:lt2>
       <a:accent1>
-        <a:srgbClr val="ff0000"/>
+        <a:srgbClr val="FF0000"/>
       </a:accent1>
       <a:accent2>
-        <a:srgbClr val="ed7d31"/>
+        <a:srgbClr val="ED7D31"/>
       </a:accent2>
       <a:accent3>
-        <a:srgbClr val="a5a5a5"/>
+        <a:srgbClr val="A5A5A5"/>
       </a:accent3>
       <a:accent4>
-        <a:srgbClr val="ffc000"/>
+        <a:srgbClr val="FFC000"/>
       </a:accent4>
       <a:accent5>
-        <a:srgbClr val="5b9bd5"/>
+        <a:srgbClr val="5B9BD5"/>
       </a:accent5>
       <a:accent6>
-        <a:srgbClr val="70ad47"/>
+        <a:srgbClr val="70AD47"/>
       </a:accent6>
       <a:hlink>
-        <a:srgbClr val="0563c1"/>
+        <a:srgbClr val="0563C1"/>
       </a:hlink>
       <a:folHlink>
-        <a:srgbClr val="954f72"/>
+        <a:srgbClr val="954F72"/>
       </a:folHlink>
     </a:clrScheme>
     <a:fontScheme name="Office">
@@ -4878,5 +5533,7 @@
       </a:bgFillStyleLst>
     </a:fmtScheme>
   </a:themeElements>
+  <a:objectDefaults/>
+  <a:extraClrSchemeLst/>
 </a:theme>
 </file>